--- a/pub/Council/Agenda2010Aug18/OSG-Planning-Aug2010-V5.pptx
+++ b/pub/Council/Agenda2010Aug18/OSG-Planning-Aug2010-V5.pptx
@@ -5,10 +5,10 @@
     <p:sldMasterId id="2147483692" r:id="rId1"/>
   </p:sldMasterIdLst>
   <p:notesMasterIdLst>
-    <p:notesMasterId r:id="rId24"/>
+    <p:notesMasterId r:id="rId25"/>
   </p:notesMasterIdLst>
   <p:handoutMasterIdLst>
-    <p:handoutMasterId r:id="rId25"/>
+    <p:handoutMasterId r:id="rId26"/>
   </p:handoutMasterIdLst>
   <p:sldIdLst>
     <p:sldId id="256" r:id="rId2"/>
@@ -27,12 +27,13 @@
     <p:sldId id="287" r:id="rId15"/>
     <p:sldId id="289" r:id="rId16"/>
     <p:sldId id="290" r:id="rId17"/>
-    <p:sldId id="291" r:id="rId18"/>
-    <p:sldId id="297" r:id="rId19"/>
-    <p:sldId id="292" r:id="rId20"/>
-    <p:sldId id="273" r:id="rId21"/>
-    <p:sldId id="274" r:id="rId22"/>
-    <p:sldId id="277" r:id="rId23"/>
+    <p:sldId id="298" r:id="rId18"/>
+    <p:sldId id="291" r:id="rId19"/>
+    <p:sldId id="297" r:id="rId20"/>
+    <p:sldId id="292" r:id="rId21"/>
+    <p:sldId id="273" r:id="rId22"/>
+    <p:sldId id="274" r:id="rId23"/>
+    <p:sldId id="277" r:id="rId24"/>
   </p:sldIdLst>
   <p:sldSz cx="9144000" cy="6858000" type="screen4x3"/>
   <p:notesSz cx="7010400" cy="9296400"/>
@@ -4413,8 +4414,8 @@
         </p:nvSpPr>
         <p:spPr bwMode="auto">
           <a:xfrm>
-            <a:off x="362707" y="635000"/>
-            <a:ext cx="8324056" cy="5867399"/>
+            <a:off x="362706" y="635000"/>
+            <a:ext cx="8590793" cy="5867399"/>
           </a:xfrm>
           <a:prstGeom prst="rect">
             <a:avLst/>
@@ -4449,13 +4450,11 @@
                 <a:srgbClr val="000080"/>
               </a:buClr>
               <a:buSzTx/>
-              <a:buFont typeface="Arial"/>
-              <a:buChar char="•"/>
               <a:tabLst/>
               <a:defRPr/>
             </a:pPr>
             <a:r>
-              <a:rPr kumimoji="1" lang="en-US" sz="1800" b="0" i="0" u="none" strike="noStrike" kern="0" cap="none" spc="0" normalizeH="0" baseline="0" noProof="0" dirty="0" smtClean="0">
+              <a:rPr kumimoji="1" lang="en-US" sz="1600" b="1" i="0" u="none" strike="noStrike" kern="0" cap="none" spc="0" normalizeH="0" baseline="0" noProof="0" dirty="0" smtClean="0">
                 <a:ln>
                   <a:noFill/>
                 </a:ln>
@@ -4469,51 +4468,7 @@
                 <a:ea typeface="+mn-ea"/>
                 <a:cs typeface="ＭＳ Ｐゴシック"/>
               </a:rPr>
-              <a:t>Connecting organizational staff including cross-cutting Security (oversight, compliance, auditing), Architecture and Technology Group, Assessment and policies/economic model,  Project Management, Satellite </a:t>
-            </a:r>
-            <a:r>
-              <a:rPr kumimoji="1" lang="en-US" sz="1800" kern="0" dirty="0" smtClean="0">
-                <a:solidFill>
-                  <a:schemeClr val="tx2"/>
-                </a:solidFill>
-                <a:latin typeface="+mn-lt"/>
-                <a:ea typeface="+mn-ea"/>
-              </a:rPr>
-              <a:t>I</a:t>
-            </a:r>
-            <a:r>
-              <a:rPr kumimoji="1" lang="en-US" sz="1800" b="0" i="0" u="none" strike="noStrike" kern="0" cap="none" spc="0" normalizeH="0" baseline="0" noProof="0" dirty="0" err="1" smtClean="0">
-                <a:ln>
-                  <a:noFill/>
-                </a:ln>
-                <a:solidFill>
-                  <a:schemeClr val="tx2"/>
-                </a:solidFill>
-                <a:effectLst/>
-                <a:uLnTx/>
-                <a:uFillTx/>
-                <a:latin typeface="+mn-lt"/>
-                <a:ea typeface="+mn-ea"/>
-                <a:cs typeface="ＭＳ Ｐゴシック"/>
-              </a:rPr>
-              <a:t>nterfaces</a:t>
-            </a:r>
-            <a:r>
-              <a:rPr kumimoji="1" lang="en-US" sz="1800" b="0" i="0" u="none" strike="noStrike" kern="0" cap="none" spc="0" normalizeH="0" baseline="0" noProof="0" dirty="0" smtClean="0">
-                <a:ln>
-                  <a:noFill/>
-                </a:ln>
-                <a:solidFill>
-                  <a:schemeClr val="tx2"/>
-                </a:solidFill>
-                <a:effectLst/>
-                <a:uLnTx/>
-                <a:uFillTx/>
-                <a:latin typeface="+mn-lt"/>
-                <a:ea typeface="+mn-ea"/>
-                <a:cs typeface="ＭＳ Ｐゴシック"/>
-              </a:rPr>
-              <a:t>, Communications and External Relations, Documentation. </a:t>
+              <a:t>Project</a:t>
             </a:r>
           </a:p>
           <a:p>
@@ -4535,27 +4490,7 @@
               <a:defRPr/>
             </a:pPr>
             <a:r>
-              <a:rPr kumimoji="1" lang="en-US" sz="1800" kern="0" dirty="0" smtClean="0">
-                <a:solidFill>
-                  <a:schemeClr val="tx2"/>
-                </a:solidFill>
-                <a:latin typeface="+mn-lt"/>
-                <a:ea typeface="+mn-ea"/>
-              </a:rPr>
-              <a:t>	Additionally, </a:t>
-            </a:r>
-            <a:r>
-              <a:rPr kumimoji="1" lang="en-US" sz="1800" kern="0" dirty="0" err="1" smtClean="0">
-                <a:solidFill>
-                  <a:schemeClr val="tx2"/>
-                </a:solidFill>
-                <a:latin typeface="+mn-lt"/>
-                <a:ea typeface="+mn-ea"/>
-              </a:rPr>
-              <a:t>th</a:t>
-            </a:r>
-            <a:r>
-              <a:rPr kumimoji="1" lang="en-US" sz="1800" b="0" i="0" u="none" strike="noStrike" kern="0" cap="none" spc="0" normalizeH="0" baseline="0" noProof="0" dirty="0" err="1" smtClean="0">
+              <a:rPr kumimoji="1" lang="en-US" sz="1600" b="0" i="0" u="none" strike="noStrike" kern="0" cap="none" spc="0" normalizeH="0" baseline="0" noProof="0" dirty="0" smtClean="0">
                 <a:ln>
                   <a:noFill/>
                 </a:ln>
@@ -4569,10 +4504,10 @@
                 <a:ea typeface="+mn-ea"/>
                 <a:cs typeface="ＭＳ Ｐゴシック"/>
               </a:rPr>
-              <a:t>e</a:t>
-            </a:r>
-            <a:r>
-              <a:rPr kumimoji="1" lang="en-US" sz="1800" b="0" i="0" u="none" strike="noStrike" kern="0" cap="none" spc="0" normalizeH="0" baseline="0" noProof="0" dirty="0" smtClean="0">
+              <a:t>Connecting </a:t>
+            </a:r>
+            <a:r>
+              <a:rPr kumimoji="1" lang="en-US" sz="1600" b="0" i="0" u="none" strike="noStrike" kern="0" cap="none" spc="0" normalizeH="0" baseline="0" noProof="0" dirty="0" smtClean="0">
                 <a:ln>
                   <a:noFill/>
                 </a:ln>
@@ -4586,10 +4521,10 @@
                 <a:ea typeface="+mn-ea"/>
                 <a:cs typeface="ＭＳ Ｐゴシック"/>
               </a:rPr>
-              <a:t> following have effort</a:t>
-            </a:r>
-            <a:r>
-              <a:rPr kumimoji="1" lang="en-US" sz="1800" b="0" i="0" u="none" strike="noStrike" kern="0" cap="none" spc="0" normalizeH="0" noProof="0" dirty="0" smtClean="0">
+              <a:t>organizational staff including cross-cutting Security (oversight, compliance, auditing), Architecture and Technology Group, Assessment and policies/economic model, </a:t>
+            </a:r>
+            <a:r>
+              <a:rPr kumimoji="1" lang="en-US" sz="1600" b="0" i="0" u="none" strike="noStrike" kern="0" cap="none" spc="0" normalizeH="0" baseline="0" noProof="0" dirty="0" smtClean="0">
                 <a:ln>
                   <a:noFill/>
                 </a:ln>
@@ -4603,9 +4538,219 @@
                 <a:ea typeface="+mn-ea"/>
                 <a:cs typeface="ＭＳ Ｐゴシック"/>
               </a:rPr>
+              <a:t> Council</a:t>
+            </a:r>
+            <a:r>
+              <a:rPr kumimoji="1" lang="en-US" sz="1600" b="0" i="0" u="none" strike="noStrike" kern="0" cap="none" spc="0" normalizeH="0" noProof="0" dirty="0" smtClean="0">
+                <a:ln>
+                  <a:noFill/>
+                </a:ln>
+                <a:solidFill>
+                  <a:schemeClr val="tx2"/>
+                </a:solidFill>
+                <a:effectLst/>
+                <a:uLnTx/>
+                <a:uFillTx/>
+                <a:latin typeface="+mn-lt"/>
+                <a:ea typeface="+mn-ea"/>
+                <a:cs typeface="ＭＳ Ｐゴシック"/>
+              </a:rPr>
+              <a:t> staff</a:t>
+            </a:r>
+            <a:r>
+              <a:rPr kumimoji="1" lang="en-US" sz="1600" b="0" i="0" u="none" strike="noStrike" kern="0" cap="none" spc="0" normalizeH="0" baseline="0" noProof="0" dirty="0" smtClean="0">
+                <a:ln>
+                  <a:noFill/>
+                </a:ln>
+                <a:solidFill>
+                  <a:schemeClr val="tx2"/>
+                </a:solidFill>
+                <a:effectLst/>
+                <a:uLnTx/>
+                <a:uFillTx/>
+                <a:latin typeface="+mn-lt"/>
+                <a:ea typeface="+mn-ea"/>
+                <a:cs typeface="ＭＳ Ｐゴシック"/>
+              </a:rPr>
+              <a:t>, Project </a:t>
+            </a:r>
+            <a:r>
+              <a:rPr kumimoji="1" lang="en-US" sz="1600" b="0" i="0" u="none" strike="noStrike" kern="0" cap="none" spc="0" normalizeH="0" baseline="0" noProof="0" dirty="0" smtClean="0">
+                <a:ln>
+                  <a:noFill/>
+                </a:ln>
+                <a:solidFill>
+                  <a:schemeClr val="tx2"/>
+                </a:solidFill>
+                <a:effectLst/>
+                <a:uLnTx/>
+                <a:uFillTx/>
+                <a:latin typeface="+mn-lt"/>
+                <a:ea typeface="+mn-ea"/>
+                <a:cs typeface="ＭＳ Ｐゴシック"/>
+              </a:rPr>
+              <a:t>Management, Satellite </a:t>
+            </a:r>
+            <a:r>
+              <a:rPr kumimoji="1" lang="en-US" sz="1600" kern="0" dirty="0" smtClean="0">
+                <a:solidFill>
+                  <a:schemeClr val="tx2"/>
+                </a:solidFill>
+                <a:latin typeface="+mn-lt"/>
+                <a:ea typeface="+mn-ea"/>
+              </a:rPr>
+              <a:t>I</a:t>
+            </a:r>
+            <a:r>
+              <a:rPr kumimoji="1" lang="en-US" sz="1600" b="0" i="0" u="none" strike="noStrike" kern="0" cap="none" spc="0" normalizeH="0" baseline="0" noProof="0" dirty="0" err="1" smtClean="0">
+                <a:ln>
+                  <a:noFill/>
+                </a:ln>
+                <a:solidFill>
+                  <a:schemeClr val="tx2"/>
+                </a:solidFill>
+                <a:effectLst/>
+                <a:uLnTx/>
+                <a:uFillTx/>
+                <a:latin typeface="+mn-lt"/>
+                <a:ea typeface="+mn-ea"/>
+                <a:cs typeface="ＭＳ Ｐゴシック"/>
+              </a:rPr>
+              <a:t>nterfaces</a:t>
+            </a:r>
+            <a:r>
+              <a:rPr kumimoji="1" lang="en-US" sz="1600" b="0" i="0" u="none" strike="noStrike" kern="0" cap="none" spc="0" normalizeH="0" baseline="0" noProof="0" dirty="0" smtClean="0">
+                <a:ln>
+                  <a:noFill/>
+                </a:ln>
+                <a:solidFill>
+                  <a:schemeClr val="tx2"/>
+                </a:solidFill>
+                <a:effectLst/>
+                <a:uLnTx/>
+                <a:uFillTx/>
+                <a:latin typeface="+mn-lt"/>
+                <a:ea typeface="+mn-ea"/>
+                <a:cs typeface="ＭＳ Ｐゴシック"/>
+              </a:rPr>
+              <a:t>, Communications and External Relations, Documentation</a:t>
+            </a:r>
+            <a:r>
+              <a:rPr kumimoji="1" lang="en-US" sz="1600" b="0" i="0" u="none" strike="noStrike" kern="0" cap="none" spc="0" normalizeH="0" baseline="0" noProof="0" smtClean="0">
+                <a:ln>
+                  <a:noFill/>
+                </a:ln>
+                <a:solidFill>
+                  <a:schemeClr val="tx2"/>
+                </a:solidFill>
+                <a:effectLst/>
+                <a:uLnTx/>
+                <a:uFillTx/>
+                <a:latin typeface="+mn-lt"/>
+                <a:ea typeface="+mn-ea"/>
+                <a:cs typeface="ＭＳ Ｐゴシック"/>
+              </a:rPr>
+              <a:t>.</a:t>
+            </a:r>
+            <a:r>
+              <a:rPr kumimoji="1" lang="en-US" sz="1600" b="0" i="0" u="none" strike="noStrike" kern="0" cap="none" spc="0" normalizeH="0" baseline="0" noProof="0" smtClean="0">
+                <a:ln>
+                  <a:noFill/>
+                </a:ln>
+                <a:solidFill>
+                  <a:schemeClr val="tx2"/>
+                </a:solidFill>
+                <a:effectLst/>
+                <a:uLnTx/>
+                <a:uFillTx/>
+                <a:latin typeface="+mn-lt"/>
+                <a:ea typeface="+mn-ea"/>
+                <a:cs typeface="ＭＳ Ｐゴシック"/>
+              </a:rPr>
+              <a:t> </a:t>
+            </a:r>
+            <a:r>
+              <a:rPr kumimoji="1" lang="en-US" sz="1600" kern="0" smtClean="0">
+                <a:solidFill>
+                  <a:schemeClr val="tx2"/>
+                </a:solidFill>
+                <a:latin typeface="+mn-lt"/>
+                <a:ea typeface="+mn-ea"/>
+              </a:rPr>
+              <a:t>Additionally</a:t>
+            </a:r>
+            <a:r>
+              <a:rPr kumimoji="1" lang="en-US" sz="1600" kern="0" dirty="0" smtClean="0">
+                <a:solidFill>
+                  <a:schemeClr val="tx2"/>
+                </a:solidFill>
+                <a:latin typeface="+mn-lt"/>
+                <a:ea typeface="+mn-ea"/>
+              </a:rPr>
+              <a:t>, </a:t>
+            </a:r>
+            <a:r>
+              <a:rPr kumimoji="1" lang="en-US" sz="1600" kern="0" dirty="0" err="1" smtClean="0">
+                <a:solidFill>
+                  <a:schemeClr val="tx2"/>
+                </a:solidFill>
+                <a:latin typeface="+mn-lt"/>
+                <a:ea typeface="+mn-ea"/>
+              </a:rPr>
+              <a:t>th</a:t>
+            </a:r>
+            <a:r>
+              <a:rPr kumimoji="1" lang="en-US" sz="1600" b="0" i="0" u="none" strike="noStrike" kern="0" cap="none" spc="0" normalizeH="0" baseline="0" noProof="0" dirty="0" err="1" smtClean="0">
+                <a:ln>
+                  <a:noFill/>
+                </a:ln>
+                <a:solidFill>
+                  <a:schemeClr val="tx2"/>
+                </a:solidFill>
+                <a:effectLst/>
+                <a:uLnTx/>
+                <a:uFillTx/>
+                <a:latin typeface="+mn-lt"/>
+                <a:ea typeface="+mn-ea"/>
+                <a:cs typeface="ＭＳ Ｐゴシック"/>
+              </a:rPr>
+              <a:t>e</a:t>
+            </a:r>
+            <a:r>
+              <a:rPr kumimoji="1" lang="en-US" sz="1600" b="0" i="0" u="none" strike="noStrike" kern="0" cap="none" spc="0" normalizeH="0" baseline="0" noProof="0" dirty="0" smtClean="0">
+                <a:ln>
+                  <a:noFill/>
+                </a:ln>
+                <a:solidFill>
+                  <a:schemeClr val="tx2"/>
+                </a:solidFill>
+                <a:effectLst/>
+                <a:uLnTx/>
+                <a:uFillTx/>
+                <a:latin typeface="+mn-lt"/>
+                <a:ea typeface="+mn-ea"/>
+                <a:cs typeface="ＭＳ Ｐゴシック"/>
+              </a:rPr>
+              <a:t> following have effort</a:t>
+            </a:r>
+            <a:r>
+              <a:rPr kumimoji="1" lang="en-US" sz="1600" b="0" i="0" u="none" strike="noStrike" kern="0" cap="none" spc="0" normalizeH="0" noProof="0" dirty="0" smtClean="0">
+                <a:ln>
+                  <a:noFill/>
+                </a:ln>
+                <a:solidFill>
+                  <a:schemeClr val="tx2"/>
+                </a:solidFill>
+                <a:effectLst/>
+                <a:uLnTx/>
+                <a:uFillTx/>
+                <a:latin typeface="+mn-lt"/>
+                <a:ea typeface="+mn-ea"/>
+                <a:cs typeface="ＭＳ Ｐゴシック"/>
+              </a:rPr>
               <a:t> in all the specific areas below and are coordinated from the cross-cutting staff area:</a:t>
             </a:r>
-            <a:endParaRPr kumimoji="1" lang="en-US" sz="1800" b="0" i="0" u="none" strike="noStrike" kern="0" cap="none" spc="0" normalizeH="0" baseline="0" noProof="0" dirty="0" smtClean="0">
+            <a:endParaRPr kumimoji="1" lang="en-US" sz="1600" b="0" i="0" u="none" strike="noStrike" kern="0" cap="none" spc="0" normalizeH="0" baseline="0" noProof="0" dirty="0" smtClean="0">
               <a:ln>
                 <a:noFill/>
               </a:ln>
@@ -4633,7 +4778,7 @@
               <a:defRPr/>
             </a:pPr>
             <a:r>
-              <a:rPr kumimoji="1" lang="en-US" sz="1800" kern="0" dirty="0" smtClean="0">
+              <a:rPr kumimoji="1" lang="en-US" sz="1600" kern="0" dirty="0" smtClean="0">
                 <a:solidFill>
                   <a:schemeClr val="tx2"/>
                 </a:solidFill>
@@ -4656,7 +4801,7 @@
               <a:defRPr/>
             </a:pPr>
             <a:r>
-              <a:rPr kumimoji="1" lang="en-US" sz="1800" b="0" i="0" u="none" strike="noStrike" kern="0" cap="none" spc="0" normalizeH="0" baseline="0" noProof="0" dirty="0" smtClean="0">
+              <a:rPr kumimoji="1" lang="en-US" sz="1600" b="0" i="0" u="none" strike="noStrike" kern="0" cap="none" spc="0" normalizeH="0" baseline="0" noProof="0" dirty="0" smtClean="0">
                 <a:ln>
                   <a:noFill/>
                 </a:ln>
@@ -4694,7 +4839,7 @@
               <a:defRPr/>
             </a:pPr>
             <a:r>
-              <a:rPr kumimoji="1" lang="en-US" sz="1800" b="0" i="0" u="none" strike="noStrike" kern="0" cap="none" spc="0" normalizeH="0" baseline="0" noProof="0" dirty="0" smtClean="0">
+              <a:rPr kumimoji="1" lang="en-US" sz="1600" b="0" i="0" u="none" strike="noStrike" kern="0" cap="none" spc="0" normalizeH="0" baseline="0" noProof="0" dirty="0" smtClean="0">
                 <a:ln>
                   <a:noFill/>
                 </a:ln>
@@ -4732,7 +4877,7 @@
               <a:defRPr/>
             </a:pPr>
             <a:r>
-              <a:rPr kumimoji="1" lang="en-US" sz="1800" b="0" i="0" u="none" strike="noStrike" kern="0" cap="none" spc="0" normalizeH="0" baseline="0" noProof="0" dirty="0" smtClean="0">
+              <a:rPr kumimoji="1" lang="en-US" sz="1600" b="0" i="0" u="none" strike="noStrike" kern="0" cap="none" spc="0" normalizeH="0" baseline="0" noProof="0" dirty="0" smtClean="0">
                 <a:ln>
                   <a:noFill/>
                 </a:ln>
@@ -4762,7 +4907,7 @@
               <a:defRPr/>
             </a:pPr>
             <a:r>
-              <a:rPr kumimoji="1" lang="en-US" sz="1800" kern="0" dirty="0" smtClean="0">
+              <a:rPr kumimoji="1" lang="en-US" sz="1600" kern="0" dirty="0" smtClean="0">
                 <a:solidFill>
                   <a:schemeClr val="tx2"/>
                 </a:solidFill>
@@ -4770,7 +4915,7 @@
               <a:t>Production and </a:t>
             </a:r>
             <a:r>
-              <a:rPr kumimoji="1" lang="en-US" sz="1800" b="0" i="0" u="none" strike="noStrike" kern="0" cap="none" spc="0" normalizeH="0" baseline="0" noProof="0" dirty="0" smtClean="0">
+              <a:rPr kumimoji="1" lang="en-US" sz="1600" b="0" i="0" u="none" strike="noStrike" kern="0" cap="none" spc="0" normalizeH="0" baseline="0" noProof="0" dirty="0" smtClean="0">
                 <a:ln>
                   <a:noFill/>
                 </a:ln>
@@ -4808,7 +4953,7 @@
               <a:defRPr/>
             </a:pPr>
             <a:r>
-              <a:rPr kumimoji="1" lang="en-US" sz="1800" b="0" i="0" u="none" strike="noStrike" kern="0" cap="none" spc="0" normalizeH="0" baseline="0" noProof="0" dirty="0" smtClean="0">
+              <a:rPr kumimoji="1" lang="en-US" sz="1600" b="0" i="0" u="none" strike="noStrike" kern="0" cap="none" spc="0" normalizeH="0" baseline="0" noProof="0" dirty="0" smtClean="0">
                 <a:ln>
                   <a:noFill/>
                 </a:ln>
@@ -4846,7 +4991,7 @@
               <a:defRPr/>
             </a:pPr>
             <a:r>
-              <a:rPr kumimoji="1" lang="en-US" sz="1800" b="0" i="0" u="none" strike="noStrike" kern="0" cap="none" spc="0" normalizeH="0" baseline="0" noProof="0" dirty="0" smtClean="0">
+              <a:rPr kumimoji="1" lang="en-US" sz="1600" b="0" i="0" u="none" strike="noStrike" kern="0" cap="none" spc="0" normalizeH="0" baseline="0" noProof="0" dirty="0" smtClean="0">
                 <a:ln>
                   <a:noFill/>
                 </a:ln>
@@ -4884,7 +5029,7 @@
               <a:defRPr/>
             </a:pPr>
             <a:r>
-              <a:rPr kumimoji="1" lang="en-US" sz="1800" b="0" i="0" u="none" strike="noStrike" kern="0" cap="none" spc="0" normalizeH="0" baseline="0" noProof="0" dirty="0" smtClean="0">
+              <a:rPr kumimoji="1" lang="en-US" sz="1600" b="0" i="0" u="none" strike="noStrike" kern="0" cap="none" spc="0" normalizeH="0" baseline="0" noProof="0" dirty="0" smtClean="0">
                 <a:ln>
                   <a:noFill/>
                 </a:ln>
@@ -4900,7 +5045,7 @@
               </a:rPr>
               <a:t>Extensions as closely aligned Satellites    </a:t>
             </a:r>
-            <a:endParaRPr kumimoji="1" lang="en-US" sz="1800" b="1" i="1" u="none" strike="noStrike" kern="0" cap="none" spc="0" normalizeH="0" baseline="0" noProof="0" dirty="0" smtClean="0">
+            <a:endParaRPr kumimoji="1" lang="en-US" sz="1600" b="1" i="1" u="none" strike="noStrike" kern="0" cap="none" spc="0" normalizeH="0" baseline="0" noProof="0" dirty="0" smtClean="0">
               <a:ln>
                 <a:noFill/>
               </a:ln>
@@ -4934,7 +5079,7 @@
               <a:defRPr/>
             </a:pPr>
             <a:r>
-              <a:rPr kumimoji="1" lang="en-US" sz="1800" b="1" i="1" u="none" strike="noStrike" kern="0" cap="none" spc="0" normalizeH="0" baseline="0" noProof="0" dirty="0" smtClean="0">
+              <a:rPr kumimoji="1" lang="en-US" sz="1600" b="1" i="1" u="none" strike="noStrike" kern="0" cap="none" spc="0" normalizeH="0" baseline="0" noProof="0" dirty="0" smtClean="0">
                 <a:ln>
                   <a:noFill/>
                 </a:ln>
@@ -4948,7 +5093,81 @@
                 <a:ea typeface="+mn-ea"/>
                 <a:cs typeface="ＭＳ Ｐゴシック"/>
               </a:rPr>
-              <a:t>Project Management improvements</a:t>
+              <a:t>Council staff </a:t>
+            </a:r>
+          </a:p>
+          <a:p>
+            <a:pPr marL="342900" indent="-342900" eaLnBrk="0" hangingPunct="0">
+              <a:spcBef>
+                <a:spcPct val="20000"/>
+              </a:spcBef>
+              <a:buClr>
+                <a:srgbClr val="000080"/>
+              </a:buClr>
+              <a:buFont typeface="Arial"/>
+              <a:buChar char="•"/>
+              <a:defRPr/>
+            </a:pPr>
+            <a:r>
+              <a:rPr kumimoji="1" lang="en-US" sz="1600" kern="0" dirty="0" smtClean="0">
+                <a:solidFill>
+                  <a:schemeClr val="tx2"/>
+                </a:solidFill>
+              </a:rPr>
+              <a:t>Estimate that Council chair effort is ~1 FTE : 0.5 Chair +  0.5 FTE administrative support. Include this in the cross-cutting project staff.</a:t>
+            </a:r>
+          </a:p>
+          <a:p>
+            <a:pPr marL="342900" indent="-342900" eaLnBrk="0" hangingPunct="0">
+              <a:spcBef>
+                <a:spcPct val="20000"/>
+              </a:spcBef>
+              <a:buClr>
+                <a:srgbClr val="000080"/>
+              </a:buClr>
+              <a:defRPr/>
+            </a:pPr>
+            <a:r>
+              <a:rPr kumimoji="1" lang="en-US" sz="1600" kern="0" dirty="0" smtClean="0">
+                <a:solidFill>
+                  <a:schemeClr val="tx2"/>
+                </a:solidFill>
+              </a:rPr>
+              <a:t> </a:t>
+            </a:r>
+            <a:r>
+              <a:rPr kumimoji="1" lang="en-US" sz="1600" b="1" i="1" u="none" strike="noStrike" kern="0" cap="none" spc="0" normalizeH="0" baseline="0" noProof="0" dirty="0" smtClean="0">
+                <a:ln>
+                  <a:noFill/>
+                </a:ln>
+                <a:solidFill>
+                  <a:schemeClr val="tx2"/>
+                </a:solidFill>
+                <a:effectLst/>
+                <a:uLnTx/>
+                <a:uFillTx/>
+                <a:latin typeface="+mn-lt"/>
+                <a:ea typeface="+mn-ea"/>
+                <a:cs typeface="ＭＳ Ｐゴシック"/>
+              </a:rPr>
+              <a:t>Project </a:t>
+            </a:r>
+            <a:r>
+              <a:rPr kumimoji="1" lang="en-US" sz="1600" b="1" i="1" u="none" strike="noStrike" kern="0" cap="none" spc="0" normalizeH="0" baseline="0" noProof="0" dirty="0" smtClean="0">
+                <a:ln>
+                  <a:noFill/>
+                </a:ln>
+                <a:solidFill>
+                  <a:schemeClr val="tx2"/>
+                </a:solidFill>
+                <a:effectLst/>
+                <a:uLnTx/>
+                <a:uFillTx/>
+                <a:latin typeface="+mn-lt"/>
+                <a:ea typeface="+mn-ea"/>
+                <a:cs typeface="ＭＳ Ｐゴシック"/>
+              </a:rPr>
+              <a:t>Management improvements</a:t>
             </a:r>
           </a:p>
           <a:p>
@@ -4972,7 +5191,7 @@
               <a:defRPr/>
             </a:pPr>
             <a:r>
-              <a:rPr kumimoji="1" lang="en-US" sz="1800" b="0" i="0" u="none" strike="noStrike" kern="0" cap="none" spc="0" normalizeH="0" baseline="0" noProof="0" dirty="0" smtClean="0">
+              <a:rPr kumimoji="1" lang="en-US" sz="1600" b="0" i="0" u="none" strike="noStrike" kern="0" cap="none" spc="0" normalizeH="0" baseline="0" noProof="0" dirty="0" smtClean="0">
                 <a:ln>
                   <a:noFill/>
                 </a:ln>
@@ -5010,7 +5229,7 @@
               <a:defRPr/>
             </a:pPr>
             <a:r>
-              <a:rPr kumimoji="1" lang="en-US" sz="1800" b="0" i="0" u="none" strike="noStrike" kern="0" cap="none" spc="0" normalizeH="0" baseline="0" noProof="0" dirty="0" smtClean="0">
+              <a:rPr kumimoji="1" lang="en-US" sz="1600" b="0" i="0" u="none" strike="noStrike" kern="0" cap="none" spc="0" normalizeH="0" baseline="0" noProof="0" dirty="0" smtClean="0">
                 <a:ln>
                   <a:noFill/>
                 </a:ln>
@@ -5027,7 +5246,7 @@
               <a:t>Methodologies: </a:t>
             </a:r>
             <a:r>
-              <a:rPr kumimoji="1" lang="en-US" sz="1800" b="0" i="0" u="none" strike="noStrike" kern="0" cap="none" spc="0" normalizeH="0" baseline="0" noProof="0" dirty="0" err="1" smtClean="0">
+              <a:rPr kumimoji="1" lang="en-US" sz="1600" b="0" i="0" u="none" strike="noStrike" kern="0" cap="none" spc="0" normalizeH="0" baseline="0" noProof="0" dirty="0" err="1" smtClean="0">
                 <a:ln>
                   <a:noFill/>
                 </a:ln>
@@ -5044,7 +5263,7 @@
               <a:t>cmm-sei</a:t>
             </a:r>
             <a:r>
-              <a:rPr kumimoji="1" lang="en-US" sz="1800" b="0" i="0" u="none" strike="noStrike" kern="0" cap="none" spc="0" normalizeH="0" baseline="0" noProof="0" dirty="0" smtClean="0">
+              <a:rPr kumimoji="1" lang="en-US" sz="1600" b="0" i="0" u="none" strike="noStrike" kern="0" cap="none" spc="0" normalizeH="0" baseline="0" noProof="0" dirty="0" smtClean="0">
                 <a:ln>
                   <a:noFill/>
                 </a:ln>
@@ -5082,7 +5301,7 @@
               <a:defRPr/>
             </a:pPr>
             <a:r>
-              <a:rPr kumimoji="1" lang="en-US" sz="1800" b="0" i="0" u="none" strike="noStrike" kern="0" cap="none" spc="0" normalizeH="0" baseline="0" noProof="0" dirty="0" smtClean="0">
+              <a:rPr kumimoji="1" lang="en-US" sz="1600" b="0" i="0" u="none" strike="noStrike" kern="0" cap="none" spc="0" normalizeH="0" baseline="0" noProof="0" dirty="0" smtClean="0">
                 <a:ln>
                   <a:noFill/>
                 </a:ln>
@@ -5120,7 +5339,7 @@
               <a:defRPr/>
             </a:pPr>
             <a:r>
-              <a:rPr kumimoji="1" lang="en-US" sz="1800" b="0" i="0" u="none" strike="noStrike" kern="0" cap="none" spc="0" normalizeH="0" baseline="0" noProof="0" dirty="0" smtClean="0">
+              <a:rPr kumimoji="1" lang="en-US" sz="1600" b="0" i="0" u="none" strike="noStrike" kern="0" cap="none" spc="0" normalizeH="0" baseline="0" noProof="0" dirty="0" smtClean="0">
                 <a:ln>
                   <a:noFill/>
                 </a:ln>
@@ -5214,20 +5433,7 @@
           <a:bodyPr/>
           <a:lstStyle/>
           <a:p>
-            <a:pPr algn="l"/>
-            <a:r>
-              <a:rPr lang="en-US" dirty="0" smtClean="0"/>
-              <a:t>Program </a:t>
-            </a:r>
-            <a:r>
-              <a:rPr lang="en-US" b="1" dirty="0" smtClean="0"/>
-              <a:t>of</a:t>
-            </a:r>
-            <a:r>
-              <a:rPr lang="en-US" dirty="0" smtClean="0"/>
-              <a:t> Work</a:t>
-            </a:r>
-            <a:endParaRPr lang="en-US" dirty="0"/>
+            <a:endParaRPr lang="en-US"/>
           </a:p>
         </p:txBody>
       </p:sp>
@@ -5241,186 +5447,12 @@
             <p:ph idx="1"/>
           </p:nvPr>
         </p:nvSpPr>
-        <p:spPr>
-          <a:xfrm>
-            <a:off x="0" y="546100"/>
-            <a:ext cx="9144000" cy="6311900"/>
-          </a:xfrm>
-        </p:spPr>
+        <p:spPr/>
         <p:txBody>
           <a:bodyPr/>
           <a:lstStyle/>
           <a:p>
-            <a:pPr lvl="0">
-              <a:buNone/>
-            </a:pPr>
-            <a:r>
-              <a:rPr lang="en-US" sz="1600" dirty="0" smtClean="0"/>
-              <a:t>US ATLAS, US CMS, (US ALICE), WLCG Operations (see assessment document). LIGO, standard customer operations.</a:t>
-            </a:r>
-          </a:p>
-          <a:p>
-            <a:pPr lvl="0">
-              <a:buNone/>
-            </a:pPr>
-            <a:r>
-              <a:rPr lang="en-US" sz="1600" dirty="0" smtClean="0"/>
-              <a:t>Production and User Support.</a:t>
-            </a:r>
-          </a:p>
-          <a:p>
-            <a:pPr lvl="0">
-              <a:buNone/>
-            </a:pPr>
-            <a:r>
-              <a:rPr lang="en-US" sz="1600" dirty="0" smtClean="0"/>
-              <a:t>Software &amp; Security.</a:t>
-            </a:r>
-          </a:p>
-          <a:p>
-            <a:pPr lvl="0">
-              <a:buNone/>
-            </a:pPr>
-            <a:r>
-              <a:rPr lang="en-US" sz="1600" dirty="0" smtClean="0"/>
-              <a:t>Create campus societies, core from the Tier-3s.</a:t>
-            </a:r>
-          </a:p>
-          <a:p>
-            <a:pPr lvl="0">
-              <a:buNone/>
-            </a:pPr>
-            <a:r>
-              <a:rPr lang="en-US" sz="1600" dirty="0" smtClean="0"/>
-              <a:t>Provide access to  greater diversity of resources as they become available including commercial and scientific clouds, federated infrastructures.</a:t>
-            </a:r>
-          </a:p>
-          <a:p>
-            <a:pPr>
-              <a:buNone/>
-            </a:pPr>
-            <a:r>
-              <a:rPr lang="en-US" sz="1600" dirty="0" smtClean="0"/>
-              <a:t>International collaborations..</a:t>
-            </a:r>
-          </a:p>
-          <a:p>
-            <a:pPr>
-              <a:buNone/>
-            </a:pPr>
-            <a:r>
-              <a:rPr lang="en-US" sz="1600" b="1" i="1" dirty="0" smtClean="0"/>
-              <a:t>Distributed and layered data center of unique scale and reach: (&gt;100 universities, &gt;5 national labs, &gt;5 organizational peers).</a:t>
-            </a:r>
-          </a:p>
-          <a:p>
-            <a:pPr lvl="1"/>
-            <a:r>
-              <a:rPr lang="en-US" sz="1600" dirty="0" smtClean="0"/>
-              <a:t>Adopt recognized methodology (ITIL, </a:t>
-            </a:r>
-            <a:r>
-              <a:rPr lang="en-US" sz="1600" dirty="0" err="1" smtClean="0"/>
-              <a:t>eTOM</a:t>
-            </a:r>
-            <a:r>
-              <a:rPr lang="en-US" sz="1600" dirty="0" smtClean="0"/>
-              <a:t>, ISO20K, other..).</a:t>
-            </a:r>
-          </a:p>
-          <a:p>
-            <a:pPr lvl="1"/>
-            <a:r>
-              <a:rPr lang="en-US" sz="1600" dirty="0" smtClean="0"/>
-              <a:t>Continuous improvement.</a:t>
-            </a:r>
-          </a:p>
-          <a:p>
-            <a:pPr lvl="1"/>
-            <a:r>
-              <a:rPr lang="en-US" sz="1600" dirty="0" smtClean="0"/>
-              <a:t>Management of change.</a:t>
-            </a:r>
-          </a:p>
-          <a:p>
-            <a:pPr lvl="1"/>
-            <a:r>
-              <a:rPr lang="en-US" sz="1600" dirty="0" smtClean="0"/>
-              <a:t>Transform and innovate.</a:t>
-            </a:r>
-          </a:p>
-          <a:p>
-            <a:pPr lvl="1"/>
-            <a:r>
-              <a:rPr lang="en-US" sz="1600" dirty="0" smtClean="0"/>
-              <a:t>Investigate outsourcing by the end of the project</a:t>
-            </a:r>
-          </a:p>
-          <a:p>
-            <a:pPr lvl="0">
-              <a:buNone/>
-            </a:pPr>
-            <a:r>
-              <a:rPr lang="en-US" sz="1600" b="1" i="1" dirty="0" smtClean="0"/>
-              <a:t>Collaborate with/contribute to open source projects we. (do or might) depend on:</a:t>
-            </a:r>
-          </a:p>
-          <a:p>
-            <a:pPr>
-              <a:buNone/>
-            </a:pPr>
-            <a:r>
-              <a:rPr lang="en-US" sz="1600" b="1" i="1" dirty="0" smtClean="0"/>
-              <a:t>Additional capabilities seen as on the community roadmap (not yet explicit):</a:t>
-            </a:r>
-          </a:p>
-          <a:p>
-            <a:pPr lvl="1"/>
-            <a:r>
-              <a:rPr lang="en-US" sz="1600" dirty="0" smtClean="0"/>
-              <a:t>Integration with dynamic network provisioning and overlays.</a:t>
-            </a:r>
-          </a:p>
-          <a:p>
-            <a:pPr lvl="1"/>
-            <a:r>
-              <a:rPr lang="en-US" sz="1600" dirty="0" smtClean="0"/>
-              <a:t>More complex workflows.</a:t>
-            </a:r>
-          </a:p>
-          <a:p>
-            <a:pPr lvl="1"/>
-            <a:r>
-              <a:rPr lang="en-US" sz="1600" dirty="0" smtClean="0"/>
-              <a:t>Data </a:t>
-            </a:r>
-            <a:r>
-              <a:rPr lang="en-US" sz="1600" dirty="0" err="1" smtClean="0"/>
-              <a:t>curation</a:t>
-            </a:r>
-            <a:r>
-              <a:rPr lang="en-US" sz="1600" dirty="0" smtClean="0"/>
-              <a:t>.</a:t>
-            </a:r>
-          </a:p>
-          <a:p>
-            <a:pPr lvl="1"/>
-            <a:r>
-              <a:rPr lang="en-US" sz="1600" dirty="0" smtClean="0"/>
-              <a:t>Integration with other security /privacy/management services.</a:t>
-            </a:r>
-          </a:p>
-          <a:p>
-            <a:pPr lvl="0">
-              <a:buNone/>
-            </a:pPr>
-            <a:r>
-              <a:rPr lang="en-US" sz="1600" b="1" dirty="0" smtClean="0"/>
-              <a:t>International Collaborations through existing OSG communities: e.g. European clients</a:t>
-            </a:r>
-          </a:p>
-          <a:p>
-            <a:endParaRPr lang="en-US" sz="1800" dirty="0"/>
+            <a:endParaRPr lang="en-US"/>
           </a:p>
         </p:txBody>
       </p:sp>
@@ -5493,9 +5525,18 @@
           <a:bodyPr/>
           <a:lstStyle/>
           <a:p>
+            <a:pPr algn="l"/>
             <a:r>
               <a:rPr lang="en-US" dirty="0" smtClean="0"/>
-              <a:t>Satellites</a:t>
+              <a:t>Program </a:t>
+            </a:r>
+            <a:r>
+              <a:rPr lang="en-US" b="1" dirty="0" smtClean="0"/>
+              <a:t>of</a:t>
+            </a:r>
+            <a:r>
+              <a:rPr lang="en-US" dirty="0" smtClean="0"/>
+              <a:t> Work</a:t>
             </a:r>
             <a:endParaRPr lang="en-US" dirty="0"/>
           </a:p>
@@ -5513,21 +5554,184 @@
         </p:nvSpPr>
         <p:spPr>
           <a:xfrm>
-            <a:off x="571500" y="722222"/>
-            <a:ext cx="8369300" cy="649378"/>
+            <a:off x="0" y="546100"/>
+            <a:ext cx="9144000" cy="6311900"/>
           </a:xfrm>
         </p:spPr>
         <p:txBody>
-          <a:bodyPr numCol="1"/>
+          <a:bodyPr/>
           <a:lstStyle/>
+          <a:p>
+            <a:pPr lvl="0">
+              <a:buNone/>
+            </a:pPr>
+            <a:r>
+              <a:rPr lang="en-US" sz="1600" dirty="0" smtClean="0"/>
+              <a:t>US ATLAS, US CMS, (US ALICE), WLCG Operations (see assessment document). LIGO, standard customer operations.</a:t>
+            </a:r>
+          </a:p>
+          <a:p>
+            <a:pPr lvl="0">
+              <a:buNone/>
+            </a:pPr>
+            <a:r>
+              <a:rPr lang="en-US" sz="1600" dirty="0" smtClean="0"/>
+              <a:t>Production and User Support.</a:t>
+            </a:r>
+          </a:p>
+          <a:p>
+            <a:pPr lvl="0">
+              <a:buNone/>
+            </a:pPr>
+            <a:r>
+              <a:rPr lang="en-US" sz="1600" dirty="0" smtClean="0"/>
+              <a:t>Software &amp; Security.</a:t>
+            </a:r>
+          </a:p>
+          <a:p>
+            <a:pPr lvl="0">
+              <a:buNone/>
+            </a:pPr>
+            <a:r>
+              <a:rPr lang="en-US" sz="1600" dirty="0" smtClean="0"/>
+              <a:t>Create campus societies, core from the Tier-3s.</a:t>
+            </a:r>
+          </a:p>
+          <a:p>
+            <a:pPr lvl="0">
+              <a:buNone/>
+            </a:pPr>
+            <a:r>
+              <a:rPr lang="en-US" sz="1600" dirty="0" smtClean="0"/>
+              <a:t>Provide access to  greater diversity of resources as they become available including commercial and scientific clouds, federated infrastructures.</a:t>
+            </a:r>
+          </a:p>
           <a:p>
             <a:pPr>
               <a:buNone/>
             </a:pPr>
             <a:r>
-              <a:rPr lang="en-US" sz="2000" dirty="0" smtClean="0"/>
-              <a:t>Contributing specific services and deliverables to the mission of the OSG Consortium. </a:t>
-            </a:r>
+              <a:rPr lang="en-US" sz="1600" dirty="0" smtClean="0"/>
+              <a:t>International collaborations..</a:t>
+            </a:r>
+          </a:p>
+          <a:p>
+            <a:pPr>
+              <a:buNone/>
+            </a:pPr>
+            <a:r>
+              <a:rPr lang="en-US" sz="1600" b="1" i="1" dirty="0" smtClean="0"/>
+              <a:t>Distributed and layered data center of unique scale and reach: (&gt;100 universities, &gt;5 national labs, &gt;5 organizational peers).</a:t>
+            </a:r>
+          </a:p>
+          <a:p>
+            <a:pPr lvl="1"/>
+            <a:r>
+              <a:rPr lang="en-US" sz="1600" dirty="0" smtClean="0"/>
+              <a:t>Adopt recognized methodology (ITIL, </a:t>
+            </a:r>
+            <a:r>
+              <a:rPr lang="en-US" sz="1600" dirty="0" err="1" smtClean="0"/>
+              <a:t>eTOM</a:t>
+            </a:r>
+            <a:r>
+              <a:rPr lang="en-US" sz="1600" dirty="0" smtClean="0"/>
+              <a:t>, ISO20K, other..).</a:t>
+            </a:r>
+          </a:p>
+          <a:p>
+            <a:pPr lvl="1"/>
+            <a:r>
+              <a:rPr lang="en-US" sz="1600" dirty="0" smtClean="0"/>
+              <a:t>Continuous improvement.</a:t>
+            </a:r>
+          </a:p>
+          <a:p>
+            <a:pPr lvl="1"/>
+            <a:r>
+              <a:rPr lang="en-US" sz="1600" dirty="0" smtClean="0"/>
+              <a:t>Management of change.</a:t>
+            </a:r>
+          </a:p>
+          <a:p>
+            <a:pPr lvl="1"/>
+            <a:r>
+              <a:rPr lang="en-US" sz="1600" dirty="0" smtClean="0"/>
+              <a:t>Transform and innovate.</a:t>
+            </a:r>
+          </a:p>
+          <a:p>
+            <a:pPr lvl="1"/>
+            <a:r>
+              <a:rPr lang="en-US" sz="1600" dirty="0" smtClean="0"/>
+              <a:t>Investigate outsourcing by the end of the project</a:t>
+            </a:r>
+          </a:p>
+          <a:p>
+            <a:pPr lvl="0">
+              <a:buNone/>
+            </a:pPr>
+            <a:r>
+              <a:rPr lang="en-US" sz="1600" b="1" i="1" dirty="0" smtClean="0"/>
+              <a:t>Collaborate with/contribute to open source projects we. (do or might) depend on:</a:t>
+            </a:r>
+          </a:p>
+          <a:p>
+            <a:pPr>
+              <a:buNone/>
+            </a:pPr>
+            <a:r>
+              <a:rPr lang="en-US" sz="1600" b="1" i="1" dirty="0" smtClean="0"/>
+              <a:t>Additional capabilities seen as on the community roadmap (not yet explicit):</a:t>
+            </a:r>
+          </a:p>
+          <a:p>
+            <a:pPr lvl="1"/>
+            <a:r>
+              <a:rPr lang="en-US" sz="1600" dirty="0" smtClean="0"/>
+              <a:t>Integration with dynamic network provisioning and overlays.</a:t>
+            </a:r>
+          </a:p>
+          <a:p>
+            <a:pPr lvl="1"/>
+            <a:r>
+              <a:rPr lang="en-US" sz="1600" dirty="0" smtClean="0"/>
+              <a:t>More complex workflows.</a:t>
+            </a:r>
+          </a:p>
+          <a:p>
+            <a:pPr lvl="1"/>
+            <a:r>
+              <a:rPr lang="en-US" sz="1600" dirty="0" smtClean="0"/>
+              <a:t>Data </a:t>
+            </a:r>
+            <a:r>
+              <a:rPr lang="en-US" sz="1600" dirty="0" err="1" smtClean="0"/>
+              <a:t>curation</a:t>
+            </a:r>
+            <a:r>
+              <a:rPr lang="en-US" sz="1600" dirty="0" smtClean="0"/>
+              <a:t>.</a:t>
+            </a:r>
+          </a:p>
+          <a:p>
+            <a:pPr lvl="1"/>
+            <a:r>
+              <a:rPr lang="en-US" sz="1600" dirty="0" smtClean="0"/>
+              <a:t>Integration with other security /privacy/management services.</a:t>
+            </a:r>
+          </a:p>
+          <a:p>
+            <a:pPr lvl="0">
+              <a:buNone/>
+            </a:pPr>
+            <a:r>
+              <a:rPr lang="en-US" sz="1600" b="1" dirty="0" smtClean="0"/>
+              <a:t>International Collaborations through existing OSG communities: e.g. European clients</a:t>
+            </a:r>
+          </a:p>
+          <a:p>
+            <a:endParaRPr lang="en-US" sz="1800" dirty="0"/>
           </a:p>
         </p:txBody>
       </p:sp>
@@ -5557,1104 +5761,6 @@
               <a:t>18</a:t>
             </a:fld>
             <a:endParaRPr lang="en-US" dirty="0"/>
-          </a:p>
-        </p:txBody>
-      </p:sp>
-      <p:sp>
-        <p:nvSpPr>
-          <p:cNvPr id="5" name="Content Placeholder 2"/>
-          <p:cNvSpPr txBox="1">
-            <a:spLocks/>
-          </p:cNvSpPr>
-          <p:nvPr/>
-        </p:nvSpPr>
-        <p:spPr bwMode="auto">
-          <a:xfrm>
-            <a:off x="495300" y="1585822"/>
-            <a:ext cx="8369300" cy="3075078"/>
-          </a:xfrm>
-          <a:prstGeom prst="rect">
-            <a:avLst/>
-          </a:prstGeom>
-          <a:noFill/>
-          <a:ln w="9525">
-            <a:noFill/>
-            <a:miter lim="800000"/>
-            <a:headEnd/>
-            <a:tailEnd/>
-          </a:ln>
-        </p:spPr>
-        <p:txBody>
-          <a:bodyPr vert="horz" wrap="square" lIns="91440" tIns="45720" rIns="91440" bIns="45720" numCol="2" anchor="t" anchorCtr="0" compatLnSpc="1">
-            <a:prstTxWarp prst="textNoShape">
-              <a:avLst/>
-            </a:prstTxWarp>
-          </a:bodyPr>
-          <a:lstStyle/>
-          <a:p>
-            <a:pPr marL="342900" marR="0" lvl="0" indent="-342900" algn="l" defTabSz="914400" rtl="0" eaLnBrk="0" fontAlgn="base" latinLnBrk="0" hangingPunct="0">
-              <a:lnSpc>
-                <a:spcPct val="100000"/>
-              </a:lnSpc>
-              <a:spcBef>
-                <a:spcPct val="20000"/>
-              </a:spcBef>
-              <a:spcAft>
-                <a:spcPct val="0"/>
-              </a:spcAft>
-              <a:buClr>
-                <a:srgbClr val="000080"/>
-              </a:buClr>
-              <a:buSzTx/>
-              <a:buFont typeface="Times"/>
-              <a:buNone/>
-              <a:tabLst/>
-              <a:defRPr/>
-            </a:pPr>
-            <a:r>
-              <a:rPr kumimoji="1" lang="en-US" sz="1800" b="1" i="0" u="none" strike="noStrike" kern="0" cap="none" spc="0" normalizeH="0" baseline="0" noProof="0" dirty="0" smtClean="0">
-                <a:ln>
-                  <a:noFill/>
-                </a:ln>
-                <a:solidFill>
-                  <a:schemeClr val="tx2"/>
-                </a:solidFill>
-                <a:effectLst/>
-                <a:uLnTx/>
-                <a:uFillTx/>
-                <a:latin typeface="+mn-lt"/>
-                <a:ea typeface="+mn-ea"/>
-                <a:cs typeface="ＭＳ Ｐゴシック"/>
-              </a:rPr>
-              <a:t>Existing:</a:t>
-            </a:r>
-          </a:p>
-          <a:p>
-            <a:pPr marL="342900" marR="0" lvl="0" indent="-342900" algn="l" defTabSz="914400" rtl="0" eaLnBrk="0" fontAlgn="base" latinLnBrk="0" hangingPunct="0">
-              <a:lnSpc>
-                <a:spcPct val="100000"/>
-              </a:lnSpc>
-              <a:spcBef>
-                <a:spcPct val="20000"/>
-              </a:spcBef>
-              <a:spcAft>
-                <a:spcPct val="0"/>
-              </a:spcAft>
-              <a:buClr>
-                <a:srgbClr val="000080"/>
-              </a:buClr>
-              <a:buSzTx/>
-              <a:buFont typeface="Times"/>
-              <a:buNone/>
-              <a:tabLst/>
-              <a:defRPr/>
-            </a:pPr>
-            <a:r>
-              <a:rPr kumimoji="1" lang="en-US" sz="1800" b="0" i="0" u="none" strike="noStrike" kern="0" cap="none" spc="0" normalizeH="0" baseline="0" noProof="0" dirty="0" smtClean="0">
-                <a:ln>
-                  <a:noFill/>
-                </a:ln>
-                <a:solidFill>
-                  <a:schemeClr val="tx2"/>
-                </a:solidFill>
-                <a:effectLst/>
-                <a:uLnTx/>
-                <a:uFillTx/>
-                <a:latin typeface="+mn-lt"/>
-                <a:ea typeface="+mn-ea"/>
-                <a:cs typeface="ＭＳ Ｐゴシック"/>
-              </a:rPr>
-              <a:t>	CI team</a:t>
-            </a:r>
-          </a:p>
-          <a:p>
-            <a:pPr marL="342900" marR="0" lvl="0" indent="-342900" algn="l" defTabSz="914400" rtl="0" eaLnBrk="0" fontAlgn="base" latinLnBrk="0" hangingPunct="0">
-              <a:lnSpc>
-                <a:spcPct val="100000"/>
-              </a:lnSpc>
-              <a:spcBef>
-                <a:spcPct val="20000"/>
-              </a:spcBef>
-              <a:spcAft>
-                <a:spcPct val="0"/>
-              </a:spcAft>
-              <a:buClr>
-                <a:srgbClr val="000080"/>
-              </a:buClr>
-              <a:buSzTx/>
-              <a:buFont typeface="Times"/>
-              <a:buNone/>
-              <a:tabLst/>
-              <a:defRPr/>
-            </a:pPr>
-            <a:r>
-              <a:rPr kumimoji="1" lang="en-US" sz="1800" b="0" i="0" u="none" strike="noStrike" kern="0" cap="none" spc="0" normalizeH="0" baseline="0" noProof="0" dirty="0" smtClean="0">
-                <a:ln>
-                  <a:noFill/>
-                </a:ln>
-                <a:solidFill>
-                  <a:schemeClr val="tx2"/>
-                </a:solidFill>
-                <a:effectLst/>
-                <a:uLnTx/>
-                <a:uFillTx/>
-                <a:latin typeface="+mn-lt"/>
-                <a:ea typeface="+mn-ea"/>
-                <a:cs typeface="ＭＳ Ｐゴシック"/>
-              </a:rPr>
-              <a:t>	</a:t>
-            </a:r>
-            <a:r>
-              <a:rPr kumimoji="1" lang="en-US" sz="1800" b="0" i="0" u="none" strike="noStrike" kern="0" cap="none" spc="0" normalizeH="0" baseline="0" noProof="0" dirty="0" err="1" smtClean="0">
-                <a:ln>
-                  <a:noFill/>
-                </a:ln>
-                <a:solidFill>
-                  <a:schemeClr val="tx2"/>
-                </a:solidFill>
-                <a:effectLst/>
-                <a:uLnTx/>
-                <a:uFillTx/>
-                <a:latin typeface="+mn-lt"/>
-                <a:ea typeface="+mn-ea"/>
-                <a:cs typeface="ＭＳ Ｐゴシック"/>
-              </a:rPr>
-              <a:t>CorralWMS</a:t>
-            </a:r>
-            <a:r>
-              <a:rPr kumimoji="1" lang="en-US" sz="1800" b="0" i="0" u="none" strike="noStrike" kern="0" cap="none" spc="0" normalizeH="0" baseline="0" noProof="0" dirty="0" smtClean="0">
-                <a:ln>
-                  <a:noFill/>
-                </a:ln>
-                <a:solidFill>
-                  <a:schemeClr val="tx2"/>
-                </a:solidFill>
-                <a:effectLst/>
-                <a:uLnTx/>
-                <a:uFillTx/>
-                <a:latin typeface="+mn-lt"/>
-                <a:ea typeface="+mn-ea"/>
-                <a:cs typeface="ＭＳ Ｐゴシック"/>
-              </a:rPr>
-              <a:t>, </a:t>
-            </a:r>
-          </a:p>
-          <a:p>
-            <a:pPr marL="342900" marR="0" lvl="0" indent="-342900" algn="l" defTabSz="914400" rtl="0" eaLnBrk="0" fontAlgn="base" latinLnBrk="0" hangingPunct="0">
-              <a:lnSpc>
-                <a:spcPct val="100000"/>
-              </a:lnSpc>
-              <a:spcBef>
-                <a:spcPct val="20000"/>
-              </a:spcBef>
-              <a:spcAft>
-                <a:spcPct val="0"/>
-              </a:spcAft>
-              <a:buClr>
-                <a:srgbClr val="000080"/>
-              </a:buClr>
-              <a:buSzTx/>
-              <a:buFont typeface="Times"/>
-              <a:buNone/>
-              <a:tabLst/>
-              <a:defRPr/>
-            </a:pPr>
-            <a:r>
-              <a:rPr kumimoji="1" lang="en-US" sz="1800" b="0" i="0" u="none" strike="noStrike" kern="0" cap="none" spc="0" normalizeH="0" baseline="0" noProof="0" dirty="0" smtClean="0">
-                <a:ln>
-                  <a:noFill/>
-                </a:ln>
-                <a:solidFill>
-                  <a:schemeClr val="tx2"/>
-                </a:solidFill>
-                <a:effectLst/>
-                <a:uLnTx/>
-                <a:uFillTx/>
-                <a:latin typeface="+mn-lt"/>
-                <a:ea typeface="+mn-ea"/>
-                <a:cs typeface="ＭＳ Ｐゴシック"/>
-              </a:rPr>
-              <a:t>	</a:t>
-            </a:r>
-            <a:r>
-              <a:rPr kumimoji="1" lang="en-US" sz="1800" b="0" i="0" u="none" strike="noStrike" kern="0" cap="none" spc="0" normalizeH="0" baseline="0" noProof="0" dirty="0" err="1" smtClean="0">
-                <a:ln>
-                  <a:noFill/>
-                </a:ln>
-                <a:solidFill>
-                  <a:schemeClr val="tx2"/>
-                </a:solidFill>
-                <a:effectLst/>
-                <a:uLnTx/>
-                <a:uFillTx/>
-                <a:latin typeface="+mn-lt"/>
-                <a:ea typeface="+mn-ea"/>
-                <a:cs typeface="ＭＳ Ｐゴシック"/>
-              </a:rPr>
-              <a:t>ExTENCI</a:t>
-            </a:r>
-            <a:r>
-              <a:rPr kumimoji="1" lang="en-US" sz="1800" b="0" i="0" u="none" strike="noStrike" kern="0" cap="none" spc="0" normalizeH="0" baseline="0" noProof="0" dirty="0" smtClean="0">
-                <a:ln>
-                  <a:noFill/>
-                </a:ln>
-                <a:solidFill>
-                  <a:schemeClr val="tx2"/>
-                </a:solidFill>
-                <a:effectLst/>
-                <a:uLnTx/>
-                <a:uFillTx/>
-                <a:latin typeface="+mn-lt"/>
-                <a:ea typeface="+mn-ea"/>
-                <a:cs typeface="ＭＳ Ｐゴシック"/>
-              </a:rPr>
-              <a:t>, 	</a:t>
-            </a:r>
-          </a:p>
-          <a:p>
-            <a:pPr marL="342900" marR="0" lvl="0" indent="-342900" algn="l" defTabSz="914400" rtl="0" eaLnBrk="0" fontAlgn="base" latinLnBrk="0" hangingPunct="0">
-              <a:lnSpc>
-                <a:spcPct val="100000"/>
-              </a:lnSpc>
-              <a:spcBef>
-                <a:spcPct val="20000"/>
-              </a:spcBef>
-              <a:spcAft>
-                <a:spcPct val="0"/>
-              </a:spcAft>
-              <a:buClr>
-                <a:srgbClr val="000080"/>
-              </a:buClr>
-              <a:buSzTx/>
-              <a:buFont typeface="Times"/>
-              <a:buNone/>
-              <a:tabLst/>
-              <a:defRPr/>
-            </a:pPr>
-            <a:r>
-              <a:rPr kumimoji="1" lang="en-US" sz="1800" b="0" i="0" u="none" strike="noStrike" kern="0" cap="none" spc="0" normalizeH="0" baseline="0" noProof="0" dirty="0" smtClean="0">
-                <a:ln>
-                  <a:noFill/>
-                </a:ln>
-                <a:solidFill>
-                  <a:schemeClr val="tx2"/>
-                </a:solidFill>
-                <a:effectLst/>
-                <a:uLnTx/>
-                <a:uFillTx/>
-                <a:latin typeface="+mn-lt"/>
-                <a:ea typeface="+mn-ea"/>
-                <a:cs typeface="ＭＳ Ｐゴシック"/>
-              </a:rPr>
-              <a:t>	HTPC, </a:t>
-            </a:r>
-          </a:p>
-          <a:p>
-            <a:pPr marL="342900" marR="0" lvl="0" indent="-342900" algn="l" defTabSz="914400" rtl="0" eaLnBrk="0" fontAlgn="base" latinLnBrk="0" hangingPunct="0">
-              <a:lnSpc>
-                <a:spcPct val="100000"/>
-              </a:lnSpc>
-              <a:spcBef>
-                <a:spcPct val="20000"/>
-              </a:spcBef>
-              <a:spcAft>
-                <a:spcPct val="0"/>
-              </a:spcAft>
-              <a:buClr>
-                <a:srgbClr val="000080"/>
-              </a:buClr>
-              <a:buSzTx/>
-              <a:buFont typeface="Times"/>
-              <a:buNone/>
-              <a:tabLst/>
-              <a:defRPr/>
-            </a:pPr>
-            <a:r>
-              <a:rPr kumimoji="1" lang="en-US" sz="1800" b="0" i="0" u="none" strike="noStrike" kern="0" cap="none" spc="0" normalizeH="0" baseline="0" noProof="0" dirty="0" smtClean="0">
-                <a:ln>
-                  <a:noFill/>
-                </a:ln>
-                <a:solidFill>
-                  <a:schemeClr val="tx2"/>
-                </a:solidFill>
-                <a:effectLst/>
-                <a:uLnTx/>
-                <a:uFillTx/>
-                <a:latin typeface="+mn-lt"/>
-                <a:ea typeface="+mn-ea"/>
-                <a:cs typeface="ＭＳ Ｐゴシック"/>
-              </a:rPr>
-              <a:t>	ANI, </a:t>
-            </a:r>
-          </a:p>
-          <a:p>
-            <a:pPr marL="342900" marR="0" lvl="0" indent="-342900" algn="l" defTabSz="914400" rtl="0" eaLnBrk="0" fontAlgn="base" latinLnBrk="0" hangingPunct="0">
-              <a:lnSpc>
-                <a:spcPct val="100000"/>
-              </a:lnSpc>
-              <a:spcBef>
-                <a:spcPct val="20000"/>
-              </a:spcBef>
-              <a:spcAft>
-                <a:spcPct val="0"/>
-              </a:spcAft>
-              <a:buClr>
-                <a:srgbClr val="000080"/>
-              </a:buClr>
-              <a:buSzTx/>
-              <a:buFont typeface="Times"/>
-              <a:buNone/>
-              <a:tabLst/>
-              <a:defRPr/>
-            </a:pPr>
-            <a:r>
-              <a:rPr kumimoji="1" lang="en-US" sz="1800" b="0" i="0" u="none" strike="noStrike" kern="0" cap="none" spc="0" normalizeH="0" baseline="0" noProof="0" dirty="0" smtClean="0">
-                <a:ln>
-                  <a:noFill/>
-                </a:ln>
-                <a:solidFill>
-                  <a:schemeClr val="tx2"/>
-                </a:solidFill>
-                <a:effectLst/>
-                <a:uLnTx/>
-                <a:uFillTx/>
-                <a:latin typeface="+mn-lt"/>
-                <a:ea typeface="+mn-ea"/>
-                <a:cs typeface="ＭＳ Ｐゴシック"/>
-              </a:rPr>
-              <a:t>	LIGO		</a:t>
-            </a:r>
-          </a:p>
-          <a:p>
-            <a:pPr marL="342900" marR="0" lvl="0" indent="-342900" algn="l" defTabSz="914400" rtl="0" eaLnBrk="0" fontAlgn="base" latinLnBrk="0" hangingPunct="0">
-              <a:lnSpc>
-                <a:spcPct val="100000"/>
-              </a:lnSpc>
-              <a:spcBef>
-                <a:spcPct val="20000"/>
-              </a:spcBef>
-              <a:spcAft>
-                <a:spcPct val="0"/>
-              </a:spcAft>
-              <a:buClr>
-                <a:srgbClr val="000080"/>
-              </a:buClr>
-              <a:buSzTx/>
-              <a:buFont typeface="Times"/>
-              <a:buNone/>
-              <a:tabLst/>
-              <a:defRPr/>
-            </a:pPr>
-            <a:r>
-              <a:rPr kumimoji="1" lang="en-US" sz="1800" b="0" i="0" u="none" strike="noStrike" kern="0" cap="none" spc="0" normalizeH="0" baseline="0" noProof="0" dirty="0" smtClean="0">
-                <a:ln>
-                  <a:noFill/>
-                </a:ln>
-                <a:solidFill>
-                  <a:schemeClr val="tx2"/>
-                </a:solidFill>
-                <a:effectLst/>
-                <a:uLnTx/>
-                <a:uFillTx/>
-                <a:latin typeface="+mn-lt"/>
-                <a:ea typeface="+mn-ea"/>
-                <a:cs typeface="ＭＳ Ｐゴシック"/>
-              </a:rPr>
-              <a:t>	PIF, </a:t>
-            </a:r>
-          </a:p>
-          <a:p>
-            <a:pPr marL="342900" marR="0" lvl="0" indent="-342900" algn="l" defTabSz="914400" rtl="0" eaLnBrk="0" fontAlgn="base" latinLnBrk="0" hangingPunct="0">
-              <a:lnSpc>
-                <a:spcPct val="100000"/>
-              </a:lnSpc>
-              <a:spcBef>
-                <a:spcPct val="20000"/>
-              </a:spcBef>
-              <a:spcAft>
-                <a:spcPct val="0"/>
-              </a:spcAft>
-              <a:buClr>
-                <a:srgbClr val="000080"/>
-              </a:buClr>
-              <a:buSzTx/>
-              <a:buFont typeface="Times"/>
-              <a:buNone/>
-              <a:tabLst/>
-              <a:defRPr/>
-            </a:pPr>
-            <a:r>
-              <a:rPr kumimoji="1" lang="en-US" sz="1800" b="0" i="0" u="none" strike="noStrike" kern="0" cap="none" spc="0" normalizeH="0" baseline="0" noProof="0" dirty="0" smtClean="0">
-                <a:ln>
-                  <a:noFill/>
-                </a:ln>
-                <a:solidFill>
-                  <a:schemeClr val="tx2"/>
-                </a:solidFill>
-                <a:effectLst/>
-                <a:uLnTx/>
-                <a:uFillTx/>
-                <a:latin typeface="+mn-lt"/>
-                <a:ea typeface="+mn-ea"/>
-                <a:cs typeface="ＭＳ Ｐゴシック"/>
-              </a:rPr>
-              <a:t>	DISUN</a:t>
-            </a:r>
-          </a:p>
-          <a:p>
-            <a:pPr marL="342900" marR="0" lvl="0" indent="-342900" algn="l" defTabSz="914400" rtl="0" eaLnBrk="0" fontAlgn="base" latinLnBrk="0" hangingPunct="0">
-              <a:lnSpc>
-                <a:spcPct val="100000"/>
-              </a:lnSpc>
-              <a:spcBef>
-                <a:spcPct val="20000"/>
-              </a:spcBef>
-              <a:spcAft>
-                <a:spcPct val="0"/>
-              </a:spcAft>
-              <a:buClr>
-                <a:srgbClr val="000080"/>
-              </a:buClr>
-              <a:buSzTx/>
-              <a:buFont typeface="Times"/>
-              <a:buNone/>
-              <a:tabLst/>
-              <a:defRPr/>
-            </a:pPr>
-            <a:r>
-              <a:rPr kumimoji="1" lang="en-US" sz="1800" b="1" i="0" u="none" strike="noStrike" kern="0" cap="none" spc="0" normalizeH="0" baseline="0" noProof="0" dirty="0" smtClean="0">
-                <a:ln>
-                  <a:noFill/>
-                </a:ln>
-                <a:solidFill>
-                  <a:schemeClr val="tx2"/>
-                </a:solidFill>
-                <a:effectLst/>
-                <a:uLnTx/>
-                <a:uFillTx/>
-                <a:latin typeface="+mn-lt"/>
-                <a:ea typeface="+mn-ea"/>
-                <a:cs typeface="ＭＳ Ｐゴシック"/>
-              </a:rPr>
-              <a:t>Proposed</a:t>
-            </a:r>
-          </a:p>
-          <a:p>
-            <a:pPr marL="342900" marR="0" lvl="0" indent="-342900" algn="l" defTabSz="914400" rtl="0" eaLnBrk="0" fontAlgn="base" latinLnBrk="0" hangingPunct="0">
-              <a:lnSpc>
-                <a:spcPct val="100000"/>
-              </a:lnSpc>
-              <a:spcBef>
-                <a:spcPct val="20000"/>
-              </a:spcBef>
-              <a:spcAft>
-                <a:spcPct val="0"/>
-              </a:spcAft>
-              <a:buClr>
-                <a:srgbClr val="000080"/>
-              </a:buClr>
-              <a:buSzTx/>
-              <a:buFont typeface="Times"/>
-              <a:buNone/>
-              <a:tabLst/>
-              <a:defRPr/>
-            </a:pPr>
-            <a:r>
-              <a:rPr kumimoji="1" lang="en-US" sz="1800" b="0" i="0" u="none" strike="noStrike" kern="0" cap="none" spc="0" normalizeH="0" baseline="0" noProof="0" dirty="0" smtClean="0">
-                <a:ln>
-                  <a:noFill/>
-                </a:ln>
-                <a:solidFill>
-                  <a:schemeClr val="tx2"/>
-                </a:solidFill>
-                <a:effectLst/>
-                <a:uLnTx/>
-                <a:uFillTx/>
-                <a:latin typeface="+mn-lt"/>
-                <a:ea typeface="+mn-ea"/>
-                <a:cs typeface="ＭＳ Ｐゴシック"/>
-              </a:rPr>
-              <a:t>	Condor/ATLAS/CMS/LIGO (submitted)</a:t>
-            </a:r>
-          </a:p>
-          <a:p>
-            <a:pPr marL="342900" marR="0" lvl="0" indent="-342900" algn="l" defTabSz="914400" rtl="0" eaLnBrk="0" fontAlgn="base" latinLnBrk="0" hangingPunct="0">
-              <a:lnSpc>
-                <a:spcPct val="100000"/>
-              </a:lnSpc>
-              <a:spcBef>
-                <a:spcPct val="20000"/>
-              </a:spcBef>
-              <a:spcAft>
-                <a:spcPct val="0"/>
-              </a:spcAft>
-              <a:buClr>
-                <a:srgbClr val="000080"/>
-              </a:buClr>
-              <a:buSzTx/>
-              <a:buFont typeface="Times"/>
-              <a:buNone/>
-              <a:tabLst/>
-              <a:defRPr/>
-            </a:pPr>
-            <a:r>
-              <a:rPr kumimoji="1" lang="en-US" sz="1800" b="0" i="0" u="none" strike="noStrike" kern="0" cap="none" spc="0" normalizeH="0" baseline="0" noProof="0" dirty="0" smtClean="0">
-                <a:ln>
-                  <a:noFill/>
-                </a:ln>
-                <a:solidFill>
-                  <a:schemeClr val="tx2"/>
-                </a:solidFill>
-                <a:effectLst/>
-                <a:uLnTx/>
-                <a:uFillTx/>
-                <a:latin typeface="+mn-lt"/>
-                <a:ea typeface="+mn-ea"/>
-                <a:cs typeface="ＭＳ Ｐゴシック"/>
-              </a:rPr>
-              <a:t>	?</a:t>
-            </a:r>
-            <a:r>
-              <a:rPr kumimoji="1" lang="en-US" sz="1800" b="0" i="0" u="none" strike="noStrike" kern="0" cap="none" spc="0" normalizeH="0" baseline="0" noProof="0" dirty="0" err="1" smtClean="0">
-                <a:ln>
-                  <a:noFill/>
-                </a:ln>
-                <a:solidFill>
-                  <a:schemeClr val="tx2"/>
-                </a:solidFill>
-                <a:effectLst/>
-                <a:uLnTx/>
-                <a:uFillTx/>
-                <a:latin typeface="+mn-lt"/>
-                <a:ea typeface="+mn-ea"/>
-                <a:cs typeface="ＭＳ Ｐゴシック"/>
-              </a:rPr>
-              <a:t>Nano@UNL</a:t>
-            </a:r>
-            <a:r>
-              <a:rPr kumimoji="1" lang="en-US" sz="1800" b="0" i="0" u="none" strike="noStrike" kern="0" cap="none" spc="0" normalizeH="0" baseline="0" noProof="0" dirty="0" smtClean="0">
-                <a:ln>
-                  <a:noFill/>
-                </a:ln>
-                <a:solidFill>
-                  <a:schemeClr val="tx2"/>
-                </a:solidFill>
-                <a:effectLst/>
-                <a:uLnTx/>
-                <a:uFillTx/>
-                <a:latin typeface="+mn-lt"/>
-                <a:ea typeface="+mn-ea"/>
-                <a:cs typeface="ＭＳ Ｐゴシック"/>
-              </a:rPr>
-              <a:t> (submitted)	</a:t>
-            </a:r>
-          </a:p>
-          <a:p>
-            <a:pPr marL="342900" marR="0" lvl="0" indent="-342900" algn="l" defTabSz="914400" rtl="0" eaLnBrk="0" fontAlgn="base" latinLnBrk="0" hangingPunct="0">
-              <a:lnSpc>
-                <a:spcPct val="100000"/>
-              </a:lnSpc>
-              <a:spcBef>
-                <a:spcPct val="20000"/>
-              </a:spcBef>
-              <a:spcAft>
-                <a:spcPct val="0"/>
-              </a:spcAft>
-              <a:buClr>
-                <a:srgbClr val="000080"/>
-              </a:buClr>
-              <a:buSzTx/>
-              <a:buFont typeface="Times"/>
-              <a:buNone/>
-              <a:tabLst/>
-              <a:defRPr/>
-            </a:pPr>
-            <a:r>
-              <a:rPr kumimoji="1" lang="en-US" sz="1800" b="0" i="0" u="none" strike="noStrike" kern="0" cap="none" spc="0" normalizeH="0" baseline="0" noProof="0" dirty="0" smtClean="0">
-                <a:ln>
-                  <a:noFill/>
-                </a:ln>
-                <a:solidFill>
-                  <a:schemeClr val="tx2"/>
-                </a:solidFill>
-                <a:effectLst/>
-                <a:uLnTx/>
-                <a:uFillTx/>
-                <a:latin typeface="+mn-lt"/>
-                <a:ea typeface="+mn-ea"/>
-                <a:cs typeface="ＭＳ Ｐゴシック"/>
-              </a:rPr>
-              <a:t>	Education/AIM/Summer</a:t>
-            </a:r>
-            <a:r>
-              <a:rPr kumimoji="1" lang="en-US" sz="1800" b="0" i="0" u="none" strike="noStrike" kern="0" cap="none" spc="0" normalizeH="0" noProof="0" dirty="0" smtClean="0">
-                <a:ln>
-                  <a:noFill/>
-                </a:ln>
-                <a:solidFill>
-                  <a:schemeClr val="tx2"/>
-                </a:solidFill>
-                <a:effectLst/>
-                <a:uLnTx/>
-                <a:uFillTx/>
-                <a:latin typeface="+mn-lt"/>
-                <a:ea typeface="+mn-ea"/>
-                <a:cs typeface="ＭＳ Ｐゴシック"/>
-              </a:rPr>
-              <a:t> School</a:t>
-            </a:r>
-            <a:endParaRPr kumimoji="1" lang="en-US" sz="1800" b="0" i="0" u="none" strike="noStrike" kern="0" cap="none" spc="0" normalizeH="0" baseline="0" noProof="0" dirty="0" smtClean="0">
-              <a:ln>
-                <a:noFill/>
-              </a:ln>
-              <a:solidFill>
-                <a:schemeClr val="tx2"/>
-              </a:solidFill>
-              <a:effectLst/>
-              <a:uLnTx/>
-              <a:uFillTx/>
-              <a:latin typeface="+mn-lt"/>
-              <a:ea typeface="+mn-ea"/>
-              <a:cs typeface="ＭＳ Ｐゴシック"/>
-            </a:endParaRPr>
-          </a:p>
-          <a:p>
-            <a:pPr marL="342900" marR="0" lvl="0" indent="-342900" algn="l" defTabSz="914400" rtl="0" eaLnBrk="0" fontAlgn="base" latinLnBrk="0" hangingPunct="0">
-              <a:lnSpc>
-                <a:spcPct val="100000"/>
-              </a:lnSpc>
-              <a:spcBef>
-                <a:spcPct val="20000"/>
-              </a:spcBef>
-              <a:spcAft>
-                <a:spcPct val="0"/>
-              </a:spcAft>
-              <a:buClr>
-                <a:srgbClr val="000080"/>
-              </a:buClr>
-              <a:buSzTx/>
-              <a:buFont typeface="Times"/>
-              <a:buNone/>
-              <a:tabLst/>
-              <a:defRPr/>
-            </a:pPr>
-            <a:r>
-              <a:rPr kumimoji="1" lang="en-US" sz="1800" b="0" i="0" u="none" strike="noStrike" kern="0" cap="none" spc="0" normalizeH="0" baseline="0" noProof="0" dirty="0" smtClean="0">
-                <a:ln>
-                  <a:noFill/>
-                </a:ln>
-                <a:solidFill>
-                  <a:schemeClr val="tx2"/>
-                </a:solidFill>
-                <a:effectLst/>
-                <a:uLnTx/>
-                <a:uFillTx/>
-                <a:latin typeface="+mn-lt"/>
-                <a:ea typeface="+mn-ea"/>
-                <a:cs typeface="ＭＳ Ｐゴシック"/>
-              </a:rPr>
-              <a:t>	Integrated Networks</a:t>
-            </a:r>
-          </a:p>
-          <a:p>
-            <a:pPr marL="342900" marR="0" lvl="0" indent="-342900" algn="l" defTabSz="914400" rtl="0" eaLnBrk="0" fontAlgn="base" latinLnBrk="0" hangingPunct="0">
-              <a:lnSpc>
-                <a:spcPct val="100000"/>
-              </a:lnSpc>
-              <a:spcBef>
-                <a:spcPct val="20000"/>
-              </a:spcBef>
-              <a:spcAft>
-                <a:spcPct val="0"/>
-              </a:spcAft>
-              <a:buClr>
-                <a:srgbClr val="000080"/>
-              </a:buClr>
-              <a:buSzTx/>
-              <a:buFont typeface="Times"/>
-              <a:buNone/>
-              <a:tabLst/>
-              <a:defRPr/>
-            </a:pPr>
-            <a:r>
-              <a:rPr kumimoji="1" lang="en-US" sz="1800" b="0" i="0" u="none" strike="noStrike" kern="0" cap="none" spc="0" normalizeH="0" baseline="0" noProof="0" dirty="0" smtClean="0">
-                <a:ln>
-                  <a:noFill/>
-                </a:ln>
-                <a:solidFill>
-                  <a:schemeClr val="tx2"/>
-                </a:solidFill>
-                <a:effectLst/>
-                <a:uLnTx/>
-                <a:uFillTx/>
-                <a:latin typeface="+mn-lt"/>
-                <a:ea typeface="+mn-ea"/>
-                <a:cs typeface="ＭＳ Ｐゴシック"/>
-              </a:rPr>
-              <a:t>	</a:t>
-            </a:r>
-            <a:r>
-              <a:rPr kumimoji="1" lang="en-US" sz="1800" b="0" i="0" u="none" strike="noStrike" kern="0" cap="none" spc="0" normalizeH="0" baseline="0" noProof="0" dirty="0" err="1" smtClean="0">
-                <a:ln>
-                  <a:noFill/>
-                </a:ln>
-                <a:solidFill>
-                  <a:schemeClr val="tx2"/>
-                </a:solidFill>
-                <a:effectLst/>
-                <a:uLnTx/>
-                <a:uFillTx/>
-                <a:latin typeface="+mn-lt"/>
-                <a:ea typeface="+mn-ea"/>
-                <a:cs typeface="ＭＳ Ｐゴシック"/>
-              </a:rPr>
-              <a:t>SBGrid</a:t>
-            </a:r>
-            <a:endParaRPr kumimoji="1" lang="en-US" sz="1800" b="0" i="0" u="none" strike="noStrike" kern="0" cap="none" spc="0" normalizeH="0" baseline="0" noProof="0" dirty="0" smtClean="0">
-              <a:ln>
-                <a:noFill/>
-              </a:ln>
-              <a:solidFill>
-                <a:schemeClr val="tx2"/>
-              </a:solidFill>
-              <a:effectLst/>
-              <a:uLnTx/>
-              <a:uFillTx/>
-              <a:latin typeface="+mn-lt"/>
-              <a:ea typeface="+mn-ea"/>
-              <a:cs typeface="ＭＳ Ｐゴシック"/>
-            </a:endParaRPr>
-          </a:p>
-          <a:p>
-            <a:pPr marL="342900" lvl="0" indent="-342900" eaLnBrk="0" hangingPunct="0">
-              <a:spcBef>
-                <a:spcPct val="20000"/>
-              </a:spcBef>
-              <a:buClr>
-                <a:srgbClr val="000080"/>
-              </a:buClr>
-            </a:pPr>
-            <a:r>
-              <a:rPr kumimoji="1" lang="en-US" sz="1800" kern="0" dirty="0" smtClean="0">
-                <a:solidFill>
-                  <a:schemeClr val="tx2"/>
-                </a:solidFill>
-              </a:rPr>
-              <a:t>	ISGTW</a:t>
-            </a:r>
-            <a:endParaRPr kumimoji="1" lang="en-US" sz="1800" b="0" i="0" u="none" strike="noStrike" kern="0" cap="none" spc="0" normalizeH="0" baseline="0" noProof="0" dirty="0" smtClean="0">
-              <a:ln>
-                <a:noFill/>
-              </a:ln>
-              <a:solidFill>
-                <a:schemeClr val="tx2"/>
-              </a:solidFill>
-              <a:effectLst/>
-              <a:uLnTx/>
-              <a:uFillTx/>
-              <a:latin typeface="+mn-lt"/>
-              <a:ea typeface="+mn-ea"/>
-              <a:cs typeface="ＭＳ Ｐゴシック"/>
-            </a:endParaRPr>
-          </a:p>
-          <a:p>
-            <a:pPr marL="342900" marR="0" lvl="0" indent="-342900" algn="l" defTabSz="914400" rtl="0" eaLnBrk="0" fontAlgn="base" latinLnBrk="0" hangingPunct="0">
-              <a:lnSpc>
-                <a:spcPct val="100000"/>
-              </a:lnSpc>
-              <a:spcBef>
-                <a:spcPct val="20000"/>
-              </a:spcBef>
-              <a:spcAft>
-                <a:spcPct val="0"/>
-              </a:spcAft>
-              <a:buClr>
-                <a:srgbClr val="000080"/>
-              </a:buClr>
-              <a:buSzTx/>
-              <a:buFont typeface="Times"/>
-              <a:buNone/>
-              <a:tabLst/>
-              <a:defRPr/>
-            </a:pPr>
-            <a:r>
-              <a:rPr kumimoji="1" lang="en-US" sz="1800" b="0" i="0" u="none" strike="noStrike" kern="0" cap="none" spc="0" normalizeH="0" baseline="0" noProof="0" dirty="0" smtClean="0">
-                <a:ln>
-                  <a:noFill/>
-                </a:ln>
-                <a:solidFill>
-                  <a:schemeClr val="tx2"/>
-                </a:solidFill>
-                <a:effectLst/>
-                <a:uLnTx/>
-                <a:uFillTx/>
-                <a:latin typeface="+mn-lt"/>
-                <a:ea typeface="+mn-ea"/>
-                <a:cs typeface="ＭＳ Ｐゴシック"/>
-              </a:rPr>
-              <a:t>	LIGO PIF’</a:t>
-            </a:r>
-          </a:p>
-          <a:p>
-            <a:pPr marL="342900" marR="0" lvl="0" indent="-342900" algn="l" defTabSz="914400" rtl="0" eaLnBrk="0" fontAlgn="base" latinLnBrk="0" hangingPunct="0">
-              <a:lnSpc>
-                <a:spcPct val="100000"/>
-              </a:lnSpc>
-              <a:spcBef>
-                <a:spcPct val="20000"/>
-              </a:spcBef>
-              <a:spcAft>
-                <a:spcPct val="0"/>
-              </a:spcAft>
-              <a:buClr>
-                <a:srgbClr val="000080"/>
-              </a:buClr>
-              <a:buSzTx/>
-              <a:buFont typeface="Times"/>
-              <a:buNone/>
-              <a:tabLst/>
-              <a:defRPr/>
-            </a:pPr>
-            <a:r>
-              <a:rPr kumimoji="1" lang="en-US" sz="1800" b="0" i="0" u="none" strike="noStrike" kern="0" cap="none" spc="0" normalizeH="0" baseline="0" noProof="0" dirty="0" smtClean="0">
-                <a:ln>
-                  <a:noFill/>
-                </a:ln>
-                <a:solidFill>
-                  <a:schemeClr val="tx2"/>
-                </a:solidFill>
-                <a:effectLst/>
-                <a:uLnTx/>
-                <a:uFillTx/>
-                <a:latin typeface="+mn-lt"/>
-                <a:ea typeface="+mn-ea"/>
-                <a:cs typeface="ＭＳ Ｐゴシック"/>
-              </a:rPr>
-              <a:t>	DISUN’</a:t>
-            </a:r>
-          </a:p>
-          <a:p>
-            <a:pPr marL="342900" marR="0" lvl="0" indent="-342900" algn="l" defTabSz="914400" rtl="0" eaLnBrk="0" fontAlgn="base" latinLnBrk="0" hangingPunct="0">
-              <a:lnSpc>
-                <a:spcPct val="100000"/>
-              </a:lnSpc>
-              <a:spcBef>
-                <a:spcPct val="20000"/>
-              </a:spcBef>
-              <a:spcAft>
-                <a:spcPct val="0"/>
-              </a:spcAft>
-              <a:buClr>
-                <a:srgbClr val="000080"/>
-              </a:buClr>
-              <a:buSzTx/>
-              <a:buFont typeface="Times"/>
-              <a:buNone/>
-              <a:tabLst/>
-              <a:defRPr/>
-            </a:pPr>
-            <a:r>
-              <a:rPr kumimoji="1" lang="en-US" sz="1800" b="0" i="0" u="none" strike="noStrike" kern="0" cap="none" spc="0" normalizeH="0" baseline="0" noProof="0" dirty="0" smtClean="0">
-                <a:ln>
-                  <a:noFill/>
-                </a:ln>
-                <a:solidFill>
-                  <a:schemeClr val="tx2"/>
-                </a:solidFill>
-                <a:effectLst/>
-                <a:uLnTx/>
-                <a:uFillTx/>
-                <a:latin typeface="+mn-lt"/>
-                <a:ea typeface="+mn-ea"/>
-                <a:cs typeface="ＭＳ Ｐゴシック"/>
-              </a:rPr>
-              <a:t>	SE Regional Grid</a:t>
-            </a:r>
-          </a:p>
-          <a:p>
-            <a:pPr marL="342900" marR="0" lvl="0" indent="-342900" algn="l" defTabSz="914400" rtl="0" eaLnBrk="0" fontAlgn="base" latinLnBrk="0" hangingPunct="0">
-              <a:lnSpc>
-                <a:spcPct val="100000"/>
-              </a:lnSpc>
-              <a:spcBef>
-                <a:spcPct val="20000"/>
-              </a:spcBef>
-              <a:spcAft>
-                <a:spcPct val="0"/>
-              </a:spcAft>
-              <a:buClr>
-                <a:srgbClr val="000080"/>
-              </a:buClr>
-              <a:buSzTx/>
-              <a:buFont typeface="Times"/>
-              <a:buNone/>
-              <a:tabLst/>
-              <a:defRPr/>
-            </a:pPr>
-            <a:r>
-              <a:rPr kumimoji="1" lang="en-US" sz="1800" b="1" i="0" u="none" strike="noStrike" kern="0" cap="none" spc="0" normalizeH="0" baseline="0" noProof="0" dirty="0" smtClean="0">
-                <a:ln>
-                  <a:noFill/>
-                </a:ln>
-                <a:solidFill>
-                  <a:schemeClr val="tx2"/>
-                </a:solidFill>
-                <a:effectLst/>
-                <a:uLnTx/>
-                <a:uFillTx/>
-                <a:latin typeface="+mn-lt"/>
-                <a:ea typeface="+mn-ea"/>
-                <a:cs typeface="ＭＳ Ｐゴシック"/>
-              </a:rPr>
-              <a:t>Supplements</a:t>
-            </a:r>
-          </a:p>
-          <a:p>
-            <a:pPr marL="342900" marR="0" lvl="0" indent="-342900" algn="l" defTabSz="914400" rtl="0" eaLnBrk="0" fontAlgn="base" latinLnBrk="0" hangingPunct="0">
-              <a:lnSpc>
-                <a:spcPct val="100000"/>
-              </a:lnSpc>
-              <a:spcBef>
-                <a:spcPct val="20000"/>
-              </a:spcBef>
-              <a:spcAft>
-                <a:spcPct val="0"/>
-              </a:spcAft>
-              <a:buClr>
-                <a:srgbClr val="000080"/>
-              </a:buClr>
-              <a:buSzTx/>
-              <a:buFont typeface="Times"/>
-              <a:buNone/>
-              <a:tabLst/>
-              <a:defRPr/>
-            </a:pPr>
-            <a:r>
-              <a:rPr kumimoji="1" lang="en-US" sz="1800" b="0" i="0" u="none" strike="noStrike" kern="0" cap="none" spc="0" normalizeH="0" baseline="0" noProof="0" dirty="0" smtClean="0">
-                <a:ln>
-                  <a:noFill/>
-                </a:ln>
-                <a:solidFill>
-                  <a:schemeClr val="tx2"/>
-                </a:solidFill>
-                <a:effectLst/>
-                <a:uLnTx/>
-                <a:uFillTx/>
-                <a:latin typeface="+mn-lt"/>
-                <a:ea typeface="+mn-ea"/>
-                <a:cs typeface="ＭＳ Ｐゴシック"/>
-              </a:rPr>
-              <a:t>	Condor</a:t>
-            </a:r>
-          </a:p>
-          <a:p>
-            <a:pPr marL="342900" marR="0" lvl="0" indent="-342900" algn="l" defTabSz="914400" rtl="0" eaLnBrk="0" fontAlgn="base" latinLnBrk="0" hangingPunct="0">
-              <a:lnSpc>
-                <a:spcPct val="100000"/>
-              </a:lnSpc>
-              <a:spcBef>
-                <a:spcPct val="20000"/>
-              </a:spcBef>
-              <a:spcAft>
-                <a:spcPct val="0"/>
-              </a:spcAft>
-              <a:buClr>
-                <a:srgbClr val="000080"/>
-              </a:buClr>
-              <a:buSzTx/>
-              <a:buFont typeface="Times"/>
-              <a:buNone/>
-              <a:tabLst/>
-              <a:defRPr/>
-            </a:pPr>
-            <a:r>
-              <a:rPr kumimoji="1" lang="en-US" sz="1800" b="0" i="0" u="none" strike="noStrike" kern="0" cap="none" spc="0" normalizeH="0" baseline="0" noProof="0" dirty="0" smtClean="0">
-                <a:ln>
-                  <a:noFill/>
-                </a:ln>
-                <a:solidFill>
-                  <a:schemeClr val="tx2"/>
-                </a:solidFill>
-                <a:effectLst/>
-                <a:uLnTx/>
-                <a:uFillTx/>
-                <a:latin typeface="+mn-lt"/>
-                <a:ea typeface="+mn-ea"/>
-                <a:cs typeface="ＭＳ Ｐゴシック"/>
-              </a:rPr>
-              <a:t>	Build and Test</a:t>
-            </a:r>
-          </a:p>
-        </p:txBody>
-      </p:sp>
-      <p:sp>
-        <p:nvSpPr>
-          <p:cNvPr id="6" name="Content Placeholder 2"/>
-          <p:cNvSpPr txBox="1">
-            <a:spLocks/>
-          </p:cNvSpPr>
-          <p:nvPr/>
-        </p:nvSpPr>
-        <p:spPr bwMode="auto">
-          <a:xfrm>
-            <a:off x="495300" y="6145122"/>
-            <a:ext cx="4876800" cy="522378"/>
-          </a:xfrm>
-          <a:prstGeom prst="rect">
-            <a:avLst/>
-          </a:prstGeom>
-          <a:noFill/>
-          <a:ln w="9525">
-            <a:noFill/>
-            <a:miter lim="800000"/>
-            <a:headEnd/>
-            <a:tailEnd/>
-          </a:ln>
-        </p:spPr>
-        <p:txBody>
-          <a:bodyPr vert="horz" wrap="square" lIns="91440" tIns="45720" rIns="91440" bIns="45720" numCol="1" anchor="t" anchorCtr="0" compatLnSpc="1">
-            <a:prstTxWarp prst="textNoShape">
-              <a:avLst/>
-            </a:prstTxWarp>
-          </a:bodyPr>
-          <a:lstStyle/>
-          <a:p>
-            <a:pPr marL="342900" marR="0" lvl="0" indent="-342900" algn="l" defTabSz="914400" rtl="0" eaLnBrk="0" fontAlgn="base" latinLnBrk="0" hangingPunct="0">
-              <a:lnSpc>
-                <a:spcPct val="100000"/>
-              </a:lnSpc>
-              <a:spcBef>
-                <a:spcPct val="20000"/>
-              </a:spcBef>
-              <a:spcAft>
-                <a:spcPct val="0"/>
-              </a:spcAft>
-              <a:buClr>
-                <a:srgbClr val="000080"/>
-              </a:buClr>
-              <a:buSzTx/>
-              <a:buFont typeface="Times"/>
-              <a:buNone/>
-              <a:tabLst/>
-              <a:defRPr/>
-            </a:pPr>
-            <a:r>
-              <a:rPr kumimoji="1" lang="en-US" sz="1600" b="0" i="0" u="none" strike="noStrike" kern="0" cap="none" spc="0" normalizeH="0" baseline="0" noProof="0" dirty="0" smtClean="0">
-                <a:ln>
-                  <a:noFill/>
-                </a:ln>
-                <a:solidFill>
-                  <a:schemeClr val="tx2"/>
-                </a:solidFill>
-                <a:effectLst/>
-                <a:uLnTx/>
-                <a:uFillTx/>
-                <a:latin typeface="+mn-lt"/>
-                <a:ea typeface="+mn-ea"/>
-                <a:cs typeface="ＭＳ Ｐゴシック"/>
-              </a:rPr>
-              <a:t>Overhead to the Cross-organizational staff effort (at Council or Project layer) &lt;~1 month/Satellite.</a:t>
-            </a:r>
           </a:p>
         </p:txBody>
       </p:sp>
@@ -6693,21 +5799,46 @@
             <p:ph type="title"/>
           </p:nvPr>
         </p:nvSpPr>
+        <p:spPr/>
+        <p:txBody>
+          <a:bodyPr/>
+          <a:lstStyle/>
+          <a:p>
+            <a:r>
+              <a:rPr lang="en-US" dirty="0" smtClean="0"/>
+              <a:t>Satellites</a:t>
+            </a:r>
+            <a:endParaRPr lang="en-US" dirty="0"/>
+          </a:p>
+        </p:txBody>
+      </p:sp>
+      <p:sp>
+        <p:nvSpPr>
+          <p:cNvPr id="3" name="Content Placeholder 2"/>
+          <p:cNvSpPr>
+            <a:spLocks noGrp="1"/>
+          </p:cNvSpPr>
+          <p:nvPr>
+            <p:ph idx="1"/>
+          </p:nvPr>
+        </p:nvSpPr>
         <p:spPr>
           <a:xfrm>
-            <a:off x="765751" y="2641600"/>
-            <a:ext cx="7657613" cy="560345"/>
+            <a:off x="571500" y="722222"/>
+            <a:ext cx="8369300" cy="649378"/>
           </a:xfrm>
         </p:spPr>
         <p:txBody>
-          <a:bodyPr/>
+          <a:bodyPr numCol="1"/>
           <a:lstStyle/>
           <a:p>
-            <a:r>
-              <a:rPr lang="en-US" dirty="0" smtClean="0"/>
-              <a:t>From Aug 2009 &amp; Mar 2010</a:t>
-            </a:r>
-            <a:endParaRPr lang="en-US" dirty="0"/>
+            <a:pPr>
+              <a:buNone/>
+            </a:pPr>
+            <a:r>
+              <a:rPr lang="en-US" sz="2000" dirty="0" smtClean="0"/>
+              <a:t>Contributing specific services and deliverables to the mission of the OSG Consortium. </a:t>
+            </a:r>
           </a:p>
         </p:txBody>
       </p:sp>
@@ -6737,6 +5868,1104 @@
               <a:t>19</a:t>
             </a:fld>
             <a:endParaRPr lang="en-US" dirty="0"/>
+          </a:p>
+        </p:txBody>
+      </p:sp>
+      <p:sp>
+        <p:nvSpPr>
+          <p:cNvPr id="5" name="Content Placeholder 2"/>
+          <p:cNvSpPr txBox="1">
+            <a:spLocks/>
+          </p:cNvSpPr>
+          <p:nvPr/>
+        </p:nvSpPr>
+        <p:spPr bwMode="auto">
+          <a:xfrm>
+            <a:off x="495300" y="1585822"/>
+            <a:ext cx="8369300" cy="3075078"/>
+          </a:xfrm>
+          <a:prstGeom prst="rect">
+            <a:avLst/>
+          </a:prstGeom>
+          <a:noFill/>
+          <a:ln w="9525">
+            <a:noFill/>
+            <a:miter lim="800000"/>
+            <a:headEnd/>
+            <a:tailEnd/>
+          </a:ln>
+        </p:spPr>
+        <p:txBody>
+          <a:bodyPr vert="horz" wrap="square" lIns="91440" tIns="45720" rIns="91440" bIns="45720" numCol="2" anchor="t" anchorCtr="0" compatLnSpc="1">
+            <a:prstTxWarp prst="textNoShape">
+              <a:avLst/>
+            </a:prstTxWarp>
+          </a:bodyPr>
+          <a:lstStyle/>
+          <a:p>
+            <a:pPr marL="342900" marR="0" lvl="0" indent="-342900" algn="l" defTabSz="914400" rtl="0" eaLnBrk="0" fontAlgn="base" latinLnBrk="0" hangingPunct="0">
+              <a:lnSpc>
+                <a:spcPct val="100000"/>
+              </a:lnSpc>
+              <a:spcBef>
+                <a:spcPct val="20000"/>
+              </a:spcBef>
+              <a:spcAft>
+                <a:spcPct val="0"/>
+              </a:spcAft>
+              <a:buClr>
+                <a:srgbClr val="000080"/>
+              </a:buClr>
+              <a:buSzTx/>
+              <a:buFont typeface="Times"/>
+              <a:buNone/>
+              <a:tabLst/>
+              <a:defRPr/>
+            </a:pPr>
+            <a:r>
+              <a:rPr kumimoji="1" lang="en-US" sz="1800" b="1" i="0" u="none" strike="noStrike" kern="0" cap="none" spc="0" normalizeH="0" baseline="0" noProof="0" dirty="0" smtClean="0">
+                <a:ln>
+                  <a:noFill/>
+                </a:ln>
+                <a:solidFill>
+                  <a:schemeClr val="tx2"/>
+                </a:solidFill>
+                <a:effectLst/>
+                <a:uLnTx/>
+                <a:uFillTx/>
+                <a:latin typeface="+mn-lt"/>
+                <a:ea typeface="+mn-ea"/>
+                <a:cs typeface="ＭＳ Ｐゴシック"/>
+              </a:rPr>
+              <a:t>Existing:</a:t>
+            </a:r>
+          </a:p>
+          <a:p>
+            <a:pPr marL="342900" marR="0" lvl="0" indent="-342900" algn="l" defTabSz="914400" rtl="0" eaLnBrk="0" fontAlgn="base" latinLnBrk="0" hangingPunct="0">
+              <a:lnSpc>
+                <a:spcPct val="100000"/>
+              </a:lnSpc>
+              <a:spcBef>
+                <a:spcPct val="20000"/>
+              </a:spcBef>
+              <a:spcAft>
+                <a:spcPct val="0"/>
+              </a:spcAft>
+              <a:buClr>
+                <a:srgbClr val="000080"/>
+              </a:buClr>
+              <a:buSzTx/>
+              <a:buFont typeface="Times"/>
+              <a:buNone/>
+              <a:tabLst/>
+              <a:defRPr/>
+            </a:pPr>
+            <a:r>
+              <a:rPr kumimoji="1" lang="en-US" sz="1800" b="0" i="0" u="none" strike="noStrike" kern="0" cap="none" spc="0" normalizeH="0" baseline="0" noProof="0" dirty="0" smtClean="0">
+                <a:ln>
+                  <a:noFill/>
+                </a:ln>
+                <a:solidFill>
+                  <a:schemeClr val="tx2"/>
+                </a:solidFill>
+                <a:effectLst/>
+                <a:uLnTx/>
+                <a:uFillTx/>
+                <a:latin typeface="+mn-lt"/>
+                <a:ea typeface="+mn-ea"/>
+                <a:cs typeface="ＭＳ Ｐゴシック"/>
+              </a:rPr>
+              <a:t>	CI team</a:t>
+            </a:r>
+          </a:p>
+          <a:p>
+            <a:pPr marL="342900" marR="0" lvl="0" indent="-342900" algn="l" defTabSz="914400" rtl="0" eaLnBrk="0" fontAlgn="base" latinLnBrk="0" hangingPunct="0">
+              <a:lnSpc>
+                <a:spcPct val="100000"/>
+              </a:lnSpc>
+              <a:spcBef>
+                <a:spcPct val="20000"/>
+              </a:spcBef>
+              <a:spcAft>
+                <a:spcPct val="0"/>
+              </a:spcAft>
+              <a:buClr>
+                <a:srgbClr val="000080"/>
+              </a:buClr>
+              <a:buSzTx/>
+              <a:buFont typeface="Times"/>
+              <a:buNone/>
+              <a:tabLst/>
+              <a:defRPr/>
+            </a:pPr>
+            <a:r>
+              <a:rPr kumimoji="1" lang="en-US" sz="1800" b="0" i="0" u="none" strike="noStrike" kern="0" cap="none" spc="0" normalizeH="0" baseline="0" noProof="0" dirty="0" smtClean="0">
+                <a:ln>
+                  <a:noFill/>
+                </a:ln>
+                <a:solidFill>
+                  <a:schemeClr val="tx2"/>
+                </a:solidFill>
+                <a:effectLst/>
+                <a:uLnTx/>
+                <a:uFillTx/>
+                <a:latin typeface="+mn-lt"/>
+                <a:ea typeface="+mn-ea"/>
+                <a:cs typeface="ＭＳ Ｐゴシック"/>
+              </a:rPr>
+              <a:t>	</a:t>
+            </a:r>
+            <a:r>
+              <a:rPr kumimoji="1" lang="en-US" sz="1800" b="0" i="0" u="none" strike="noStrike" kern="0" cap="none" spc="0" normalizeH="0" baseline="0" noProof="0" dirty="0" err="1" smtClean="0">
+                <a:ln>
+                  <a:noFill/>
+                </a:ln>
+                <a:solidFill>
+                  <a:schemeClr val="tx2"/>
+                </a:solidFill>
+                <a:effectLst/>
+                <a:uLnTx/>
+                <a:uFillTx/>
+                <a:latin typeface="+mn-lt"/>
+                <a:ea typeface="+mn-ea"/>
+                <a:cs typeface="ＭＳ Ｐゴシック"/>
+              </a:rPr>
+              <a:t>CorralWMS</a:t>
+            </a:r>
+            <a:r>
+              <a:rPr kumimoji="1" lang="en-US" sz="1800" b="0" i="0" u="none" strike="noStrike" kern="0" cap="none" spc="0" normalizeH="0" baseline="0" noProof="0" dirty="0" smtClean="0">
+                <a:ln>
+                  <a:noFill/>
+                </a:ln>
+                <a:solidFill>
+                  <a:schemeClr val="tx2"/>
+                </a:solidFill>
+                <a:effectLst/>
+                <a:uLnTx/>
+                <a:uFillTx/>
+                <a:latin typeface="+mn-lt"/>
+                <a:ea typeface="+mn-ea"/>
+                <a:cs typeface="ＭＳ Ｐゴシック"/>
+              </a:rPr>
+              <a:t>, </a:t>
+            </a:r>
+          </a:p>
+          <a:p>
+            <a:pPr marL="342900" marR="0" lvl="0" indent="-342900" algn="l" defTabSz="914400" rtl="0" eaLnBrk="0" fontAlgn="base" latinLnBrk="0" hangingPunct="0">
+              <a:lnSpc>
+                <a:spcPct val="100000"/>
+              </a:lnSpc>
+              <a:spcBef>
+                <a:spcPct val="20000"/>
+              </a:spcBef>
+              <a:spcAft>
+                <a:spcPct val="0"/>
+              </a:spcAft>
+              <a:buClr>
+                <a:srgbClr val="000080"/>
+              </a:buClr>
+              <a:buSzTx/>
+              <a:buFont typeface="Times"/>
+              <a:buNone/>
+              <a:tabLst/>
+              <a:defRPr/>
+            </a:pPr>
+            <a:r>
+              <a:rPr kumimoji="1" lang="en-US" sz="1800" b="0" i="0" u="none" strike="noStrike" kern="0" cap="none" spc="0" normalizeH="0" baseline="0" noProof="0" dirty="0" smtClean="0">
+                <a:ln>
+                  <a:noFill/>
+                </a:ln>
+                <a:solidFill>
+                  <a:schemeClr val="tx2"/>
+                </a:solidFill>
+                <a:effectLst/>
+                <a:uLnTx/>
+                <a:uFillTx/>
+                <a:latin typeface="+mn-lt"/>
+                <a:ea typeface="+mn-ea"/>
+                <a:cs typeface="ＭＳ Ｐゴシック"/>
+              </a:rPr>
+              <a:t>	</a:t>
+            </a:r>
+            <a:r>
+              <a:rPr kumimoji="1" lang="en-US" sz="1800" b="0" i="0" u="none" strike="noStrike" kern="0" cap="none" spc="0" normalizeH="0" baseline="0" noProof="0" dirty="0" err="1" smtClean="0">
+                <a:ln>
+                  <a:noFill/>
+                </a:ln>
+                <a:solidFill>
+                  <a:schemeClr val="tx2"/>
+                </a:solidFill>
+                <a:effectLst/>
+                <a:uLnTx/>
+                <a:uFillTx/>
+                <a:latin typeface="+mn-lt"/>
+                <a:ea typeface="+mn-ea"/>
+                <a:cs typeface="ＭＳ Ｐゴシック"/>
+              </a:rPr>
+              <a:t>ExTENCI</a:t>
+            </a:r>
+            <a:r>
+              <a:rPr kumimoji="1" lang="en-US" sz="1800" b="0" i="0" u="none" strike="noStrike" kern="0" cap="none" spc="0" normalizeH="0" baseline="0" noProof="0" dirty="0" smtClean="0">
+                <a:ln>
+                  <a:noFill/>
+                </a:ln>
+                <a:solidFill>
+                  <a:schemeClr val="tx2"/>
+                </a:solidFill>
+                <a:effectLst/>
+                <a:uLnTx/>
+                <a:uFillTx/>
+                <a:latin typeface="+mn-lt"/>
+                <a:ea typeface="+mn-ea"/>
+                <a:cs typeface="ＭＳ Ｐゴシック"/>
+              </a:rPr>
+              <a:t>, 	</a:t>
+            </a:r>
+          </a:p>
+          <a:p>
+            <a:pPr marL="342900" marR="0" lvl="0" indent="-342900" algn="l" defTabSz="914400" rtl="0" eaLnBrk="0" fontAlgn="base" latinLnBrk="0" hangingPunct="0">
+              <a:lnSpc>
+                <a:spcPct val="100000"/>
+              </a:lnSpc>
+              <a:spcBef>
+                <a:spcPct val="20000"/>
+              </a:spcBef>
+              <a:spcAft>
+                <a:spcPct val="0"/>
+              </a:spcAft>
+              <a:buClr>
+                <a:srgbClr val="000080"/>
+              </a:buClr>
+              <a:buSzTx/>
+              <a:buFont typeface="Times"/>
+              <a:buNone/>
+              <a:tabLst/>
+              <a:defRPr/>
+            </a:pPr>
+            <a:r>
+              <a:rPr kumimoji="1" lang="en-US" sz="1800" b="0" i="0" u="none" strike="noStrike" kern="0" cap="none" spc="0" normalizeH="0" baseline="0" noProof="0" dirty="0" smtClean="0">
+                <a:ln>
+                  <a:noFill/>
+                </a:ln>
+                <a:solidFill>
+                  <a:schemeClr val="tx2"/>
+                </a:solidFill>
+                <a:effectLst/>
+                <a:uLnTx/>
+                <a:uFillTx/>
+                <a:latin typeface="+mn-lt"/>
+                <a:ea typeface="+mn-ea"/>
+                <a:cs typeface="ＭＳ Ｐゴシック"/>
+              </a:rPr>
+              <a:t>	HTPC, </a:t>
+            </a:r>
+          </a:p>
+          <a:p>
+            <a:pPr marL="342900" marR="0" lvl="0" indent="-342900" algn="l" defTabSz="914400" rtl="0" eaLnBrk="0" fontAlgn="base" latinLnBrk="0" hangingPunct="0">
+              <a:lnSpc>
+                <a:spcPct val="100000"/>
+              </a:lnSpc>
+              <a:spcBef>
+                <a:spcPct val="20000"/>
+              </a:spcBef>
+              <a:spcAft>
+                <a:spcPct val="0"/>
+              </a:spcAft>
+              <a:buClr>
+                <a:srgbClr val="000080"/>
+              </a:buClr>
+              <a:buSzTx/>
+              <a:buFont typeface="Times"/>
+              <a:buNone/>
+              <a:tabLst/>
+              <a:defRPr/>
+            </a:pPr>
+            <a:r>
+              <a:rPr kumimoji="1" lang="en-US" sz="1800" b="0" i="0" u="none" strike="noStrike" kern="0" cap="none" spc="0" normalizeH="0" baseline="0" noProof="0" dirty="0" smtClean="0">
+                <a:ln>
+                  <a:noFill/>
+                </a:ln>
+                <a:solidFill>
+                  <a:schemeClr val="tx2"/>
+                </a:solidFill>
+                <a:effectLst/>
+                <a:uLnTx/>
+                <a:uFillTx/>
+                <a:latin typeface="+mn-lt"/>
+                <a:ea typeface="+mn-ea"/>
+                <a:cs typeface="ＭＳ Ｐゴシック"/>
+              </a:rPr>
+              <a:t>	ANI, </a:t>
+            </a:r>
+          </a:p>
+          <a:p>
+            <a:pPr marL="342900" marR="0" lvl="0" indent="-342900" algn="l" defTabSz="914400" rtl="0" eaLnBrk="0" fontAlgn="base" latinLnBrk="0" hangingPunct="0">
+              <a:lnSpc>
+                <a:spcPct val="100000"/>
+              </a:lnSpc>
+              <a:spcBef>
+                <a:spcPct val="20000"/>
+              </a:spcBef>
+              <a:spcAft>
+                <a:spcPct val="0"/>
+              </a:spcAft>
+              <a:buClr>
+                <a:srgbClr val="000080"/>
+              </a:buClr>
+              <a:buSzTx/>
+              <a:buFont typeface="Times"/>
+              <a:buNone/>
+              <a:tabLst/>
+              <a:defRPr/>
+            </a:pPr>
+            <a:r>
+              <a:rPr kumimoji="1" lang="en-US" sz="1800" b="0" i="0" u="none" strike="noStrike" kern="0" cap="none" spc="0" normalizeH="0" baseline="0" noProof="0" dirty="0" smtClean="0">
+                <a:ln>
+                  <a:noFill/>
+                </a:ln>
+                <a:solidFill>
+                  <a:schemeClr val="tx2"/>
+                </a:solidFill>
+                <a:effectLst/>
+                <a:uLnTx/>
+                <a:uFillTx/>
+                <a:latin typeface="+mn-lt"/>
+                <a:ea typeface="+mn-ea"/>
+                <a:cs typeface="ＭＳ Ｐゴシック"/>
+              </a:rPr>
+              <a:t>	LIGO		</a:t>
+            </a:r>
+          </a:p>
+          <a:p>
+            <a:pPr marL="342900" marR="0" lvl="0" indent="-342900" algn="l" defTabSz="914400" rtl="0" eaLnBrk="0" fontAlgn="base" latinLnBrk="0" hangingPunct="0">
+              <a:lnSpc>
+                <a:spcPct val="100000"/>
+              </a:lnSpc>
+              <a:spcBef>
+                <a:spcPct val="20000"/>
+              </a:spcBef>
+              <a:spcAft>
+                <a:spcPct val="0"/>
+              </a:spcAft>
+              <a:buClr>
+                <a:srgbClr val="000080"/>
+              </a:buClr>
+              <a:buSzTx/>
+              <a:buFont typeface="Times"/>
+              <a:buNone/>
+              <a:tabLst/>
+              <a:defRPr/>
+            </a:pPr>
+            <a:r>
+              <a:rPr kumimoji="1" lang="en-US" sz="1800" b="0" i="0" u="none" strike="noStrike" kern="0" cap="none" spc="0" normalizeH="0" baseline="0" noProof="0" dirty="0" smtClean="0">
+                <a:ln>
+                  <a:noFill/>
+                </a:ln>
+                <a:solidFill>
+                  <a:schemeClr val="tx2"/>
+                </a:solidFill>
+                <a:effectLst/>
+                <a:uLnTx/>
+                <a:uFillTx/>
+                <a:latin typeface="+mn-lt"/>
+                <a:ea typeface="+mn-ea"/>
+                <a:cs typeface="ＭＳ Ｐゴシック"/>
+              </a:rPr>
+              <a:t>	PIF, </a:t>
+            </a:r>
+          </a:p>
+          <a:p>
+            <a:pPr marL="342900" marR="0" lvl="0" indent="-342900" algn="l" defTabSz="914400" rtl="0" eaLnBrk="0" fontAlgn="base" latinLnBrk="0" hangingPunct="0">
+              <a:lnSpc>
+                <a:spcPct val="100000"/>
+              </a:lnSpc>
+              <a:spcBef>
+                <a:spcPct val="20000"/>
+              </a:spcBef>
+              <a:spcAft>
+                <a:spcPct val="0"/>
+              </a:spcAft>
+              <a:buClr>
+                <a:srgbClr val="000080"/>
+              </a:buClr>
+              <a:buSzTx/>
+              <a:buFont typeface="Times"/>
+              <a:buNone/>
+              <a:tabLst/>
+              <a:defRPr/>
+            </a:pPr>
+            <a:r>
+              <a:rPr kumimoji="1" lang="en-US" sz="1800" b="0" i="0" u="none" strike="noStrike" kern="0" cap="none" spc="0" normalizeH="0" baseline="0" noProof="0" dirty="0" smtClean="0">
+                <a:ln>
+                  <a:noFill/>
+                </a:ln>
+                <a:solidFill>
+                  <a:schemeClr val="tx2"/>
+                </a:solidFill>
+                <a:effectLst/>
+                <a:uLnTx/>
+                <a:uFillTx/>
+                <a:latin typeface="+mn-lt"/>
+                <a:ea typeface="+mn-ea"/>
+                <a:cs typeface="ＭＳ Ｐゴシック"/>
+              </a:rPr>
+              <a:t>	DISUN</a:t>
+            </a:r>
+          </a:p>
+          <a:p>
+            <a:pPr marL="342900" marR="0" lvl="0" indent="-342900" algn="l" defTabSz="914400" rtl="0" eaLnBrk="0" fontAlgn="base" latinLnBrk="0" hangingPunct="0">
+              <a:lnSpc>
+                <a:spcPct val="100000"/>
+              </a:lnSpc>
+              <a:spcBef>
+                <a:spcPct val="20000"/>
+              </a:spcBef>
+              <a:spcAft>
+                <a:spcPct val="0"/>
+              </a:spcAft>
+              <a:buClr>
+                <a:srgbClr val="000080"/>
+              </a:buClr>
+              <a:buSzTx/>
+              <a:buFont typeface="Times"/>
+              <a:buNone/>
+              <a:tabLst/>
+              <a:defRPr/>
+            </a:pPr>
+            <a:r>
+              <a:rPr kumimoji="1" lang="en-US" sz="1800" b="1" i="0" u="none" strike="noStrike" kern="0" cap="none" spc="0" normalizeH="0" baseline="0" noProof="0" dirty="0" smtClean="0">
+                <a:ln>
+                  <a:noFill/>
+                </a:ln>
+                <a:solidFill>
+                  <a:schemeClr val="tx2"/>
+                </a:solidFill>
+                <a:effectLst/>
+                <a:uLnTx/>
+                <a:uFillTx/>
+                <a:latin typeface="+mn-lt"/>
+                <a:ea typeface="+mn-ea"/>
+                <a:cs typeface="ＭＳ Ｐゴシック"/>
+              </a:rPr>
+              <a:t>Proposed</a:t>
+            </a:r>
+          </a:p>
+          <a:p>
+            <a:pPr marL="342900" marR="0" lvl="0" indent="-342900" algn="l" defTabSz="914400" rtl="0" eaLnBrk="0" fontAlgn="base" latinLnBrk="0" hangingPunct="0">
+              <a:lnSpc>
+                <a:spcPct val="100000"/>
+              </a:lnSpc>
+              <a:spcBef>
+                <a:spcPct val="20000"/>
+              </a:spcBef>
+              <a:spcAft>
+                <a:spcPct val="0"/>
+              </a:spcAft>
+              <a:buClr>
+                <a:srgbClr val="000080"/>
+              </a:buClr>
+              <a:buSzTx/>
+              <a:buFont typeface="Times"/>
+              <a:buNone/>
+              <a:tabLst/>
+              <a:defRPr/>
+            </a:pPr>
+            <a:r>
+              <a:rPr kumimoji="1" lang="en-US" sz="1800" b="0" i="0" u="none" strike="noStrike" kern="0" cap="none" spc="0" normalizeH="0" baseline="0" noProof="0" dirty="0" smtClean="0">
+                <a:ln>
+                  <a:noFill/>
+                </a:ln>
+                <a:solidFill>
+                  <a:schemeClr val="tx2"/>
+                </a:solidFill>
+                <a:effectLst/>
+                <a:uLnTx/>
+                <a:uFillTx/>
+                <a:latin typeface="+mn-lt"/>
+                <a:ea typeface="+mn-ea"/>
+                <a:cs typeface="ＭＳ Ｐゴシック"/>
+              </a:rPr>
+              <a:t>	Condor/ATLAS/CMS/LIGO (submitted)</a:t>
+            </a:r>
+          </a:p>
+          <a:p>
+            <a:pPr marL="342900" marR="0" lvl="0" indent="-342900" algn="l" defTabSz="914400" rtl="0" eaLnBrk="0" fontAlgn="base" latinLnBrk="0" hangingPunct="0">
+              <a:lnSpc>
+                <a:spcPct val="100000"/>
+              </a:lnSpc>
+              <a:spcBef>
+                <a:spcPct val="20000"/>
+              </a:spcBef>
+              <a:spcAft>
+                <a:spcPct val="0"/>
+              </a:spcAft>
+              <a:buClr>
+                <a:srgbClr val="000080"/>
+              </a:buClr>
+              <a:buSzTx/>
+              <a:buFont typeface="Times"/>
+              <a:buNone/>
+              <a:tabLst/>
+              <a:defRPr/>
+            </a:pPr>
+            <a:r>
+              <a:rPr kumimoji="1" lang="en-US" sz="1800" b="0" i="0" u="none" strike="noStrike" kern="0" cap="none" spc="0" normalizeH="0" baseline="0" noProof="0" dirty="0" smtClean="0">
+                <a:ln>
+                  <a:noFill/>
+                </a:ln>
+                <a:solidFill>
+                  <a:schemeClr val="tx2"/>
+                </a:solidFill>
+                <a:effectLst/>
+                <a:uLnTx/>
+                <a:uFillTx/>
+                <a:latin typeface="+mn-lt"/>
+                <a:ea typeface="+mn-ea"/>
+                <a:cs typeface="ＭＳ Ｐゴシック"/>
+              </a:rPr>
+              <a:t>	?</a:t>
+            </a:r>
+            <a:r>
+              <a:rPr kumimoji="1" lang="en-US" sz="1800" b="0" i="0" u="none" strike="noStrike" kern="0" cap="none" spc="0" normalizeH="0" baseline="0" noProof="0" dirty="0" err="1" smtClean="0">
+                <a:ln>
+                  <a:noFill/>
+                </a:ln>
+                <a:solidFill>
+                  <a:schemeClr val="tx2"/>
+                </a:solidFill>
+                <a:effectLst/>
+                <a:uLnTx/>
+                <a:uFillTx/>
+                <a:latin typeface="+mn-lt"/>
+                <a:ea typeface="+mn-ea"/>
+                <a:cs typeface="ＭＳ Ｐゴシック"/>
+              </a:rPr>
+              <a:t>Nano@UNL</a:t>
+            </a:r>
+            <a:r>
+              <a:rPr kumimoji="1" lang="en-US" sz="1800" b="0" i="0" u="none" strike="noStrike" kern="0" cap="none" spc="0" normalizeH="0" baseline="0" noProof="0" dirty="0" smtClean="0">
+                <a:ln>
+                  <a:noFill/>
+                </a:ln>
+                <a:solidFill>
+                  <a:schemeClr val="tx2"/>
+                </a:solidFill>
+                <a:effectLst/>
+                <a:uLnTx/>
+                <a:uFillTx/>
+                <a:latin typeface="+mn-lt"/>
+                <a:ea typeface="+mn-ea"/>
+                <a:cs typeface="ＭＳ Ｐゴシック"/>
+              </a:rPr>
+              <a:t> (submitted)	</a:t>
+            </a:r>
+          </a:p>
+          <a:p>
+            <a:pPr marL="342900" marR="0" lvl="0" indent="-342900" algn="l" defTabSz="914400" rtl="0" eaLnBrk="0" fontAlgn="base" latinLnBrk="0" hangingPunct="0">
+              <a:lnSpc>
+                <a:spcPct val="100000"/>
+              </a:lnSpc>
+              <a:spcBef>
+                <a:spcPct val="20000"/>
+              </a:spcBef>
+              <a:spcAft>
+                <a:spcPct val="0"/>
+              </a:spcAft>
+              <a:buClr>
+                <a:srgbClr val="000080"/>
+              </a:buClr>
+              <a:buSzTx/>
+              <a:buFont typeface="Times"/>
+              <a:buNone/>
+              <a:tabLst/>
+              <a:defRPr/>
+            </a:pPr>
+            <a:r>
+              <a:rPr kumimoji="1" lang="en-US" sz="1800" b="0" i="0" u="none" strike="noStrike" kern="0" cap="none" spc="0" normalizeH="0" baseline="0" noProof="0" dirty="0" smtClean="0">
+                <a:ln>
+                  <a:noFill/>
+                </a:ln>
+                <a:solidFill>
+                  <a:schemeClr val="tx2"/>
+                </a:solidFill>
+                <a:effectLst/>
+                <a:uLnTx/>
+                <a:uFillTx/>
+                <a:latin typeface="+mn-lt"/>
+                <a:ea typeface="+mn-ea"/>
+                <a:cs typeface="ＭＳ Ｐゴシック"/>
+              </a:rPr>
+              <a:t>	Education/AIM/Summer</a:t>
+            </a:r>
+            <a:r>
+              <a:rPr kumimoji="1" lang="en-US" sz="1800" b="0" i="0" u="none" strike="noStrike" kern="0" cap="none" spc="0" normalizeH="0" noProof="0" dirty="0" smtClean="0">
+                <a:ln>
+                  <a:noFill/>
+                </a:ln>
+                <a:solidFill>
+                  <a:schemeClr val="tx2"/>
+                </a:solidFill>
+                <a:effectLst/>
+                <a:uLnTx/>
+                <a:uFillTx/>
+                <a:latin typeface="+mn-lt"/>
+                <a:ea typeface="+mn-ea"/>
+                <a:cs typeface="ＭＳ Ｐゴシック"/>
+              </a:rPr>
+              <a:t> School</a:t>
+            </a:r>
+            <a:endParaRPr kumimoji="1" lang="en-US" sz="1800" b="0" i="0" u="none" strike="noStrike" kern="0" cap="none" spc="0" normalizeH="0" baseline="0" noProof="0" dirty="0" smtClean="0">
+              <a:ln>
+                <a:noFill/>
+              </a:ln>
+              <a:solidFill>
+                <a:schemeClr val="tx2"/>
+              </a:solidFill>
+              <a:effectLst/>
+              <a:uLnTx/>
+              <a:uFillTx/>
+              <a:latin typeface="+mn-lt"/>
+              <a:ea typeface="+mn-ea"/>
+              <a:cs typeface="ＭＳ Ｐゴシック"/>
+            </a:endParaRPr>
+          </a:p>
+          <a:p>
+            <a:pPr marL="342900" marR="0" lvl="0" indent="-342900" algn="l" defTabSz="914400" rtl="0" eaLnBrk="0" fontAlgn="base" latinLnBrk="0" hangingPunct="0">
+              <a:lnSpc>
+                <a:spcPct val="100000"/>
+              </a:lnSpc>
+              <a:spcBef>
+                <a:spcPct val="20000"/>
+              </a:spcBef>
+              <a:spcAft>
+                <a:spcPct val="0"/>
+              </a:spcAft>
+              <a:buClr>
+                <a:srgbClr val="000080"/>
+              </a:buClr>
+              <a:buSzTx/>
+              <a:buFont typeface="Times"/>
+              <a:buNone/>
+              <a:tabLst/>
+              <a:defRPr/>
+            </a:pPr>
+            <a:r>
+              <a:rPr kumimoji="1" lang="en-US" sz="1800" b="0" i="0" u="none" strike="noStrike" kern="0" cap="none" spc="0" normalizeH="0" baseline="0" noProof="0" dirty="0" smtClean="0">
+                <a:ln>
+                  <a:noFill/>
+                </a:ln>
+                <a:solidFill>
+                  <a:schemeClr val="tx2"/>
+                </a:solidFill>
+                <a:effectLst/>
+                <a:uLnTx/>
+                <a:uFillTx/>
+                <a:latin typeface="+mn-lt"/>
+                <a:ea typeface="+mn-ea"/>
+                <a:cs typeface="ＭＳ Ｐゴシック"/>
+              </a:rPr>
+              <a:t>	Integrated Networks</a:t>
+            </a:r>
+          </a:p>
+          <a:p>
+            <a:pPr marL="342900" marR="0" lvl="0" indent="-342900" algn="l" defTabSz="914400" rtl="0" eaLnBrk="0" fontAlgn="base" latinLnBrk="0" hangingPunct="0">
+              <a:lnSpc>
+                <a:spcPct val="100000"/>
+              </a:lnSpc>
+              <a:spcBef>
+                <a:spcPct val="20000"/>
+              </a:spcBef>
+              <a:spcAft>
+                <a:spcPct val="0"/>
+              </a:spcAft>
+              <a:buClr>
+                <a:srgbClr val="000080"/>
+              </a:buClr>
+              <a:buSzTx/>
+              <a:buFont typeface="Times"/>
+              <a:buNone/>
+              <a:tabLst/>
+              <a:defRPr/>
+            </a:pPr>
+            <a:r>
+              <a:rPr kumimoji="1" lang="en-US" sz="1800" b="0" i="0" u="none" strike="noStrike" kern="0" cap="none" spc="0" normalizeH="0" baseline="0" noProof="0" dirty="0" smtClean="0">
+                <a:ln>
+                  <a:noFill/>
+                </a:ln>
+                <a:solidFill>
+                  <a:schemeClr val="tx2"/>
+                </a:solidFill>
+                <a:effectLst/>
+                <a:uLnTx/>
+                <a:uFillTx/>
+                <a:latin typeface="+mn-lt"/>
+                <a:ea typeface="+mn-ea"/>
+                <a:cs typeface="ＭＳ Ｐゴシック"/>
+              </a:rPr>
+              <a:t>	</a:t>
+            </a:r>
+            <a:r>
+              <a:rPr kumimoji="1" lang="en-US" sz="1800" b="0" i="0" u="none" strike="noStrike" kern="0" cap="none" spc="0" normalizeH="0" baseline="0" noProof="0" dirty="0" err="1" smtClean="0">
+                <a:ln>
+                  <a:noFill/>
+                </a:ln>
+                <a:solidFill>
+                  <a:schemeClr val="tx2"/>
+                </a:solidFill>
+                <a:effectLst/>
+                <a:uLnTx/>
+                <a:uFillTx/>
+                <a:latin typeface="+mn-lt"/>
+                <a:ea typeface="+mn-ea"/>
+                <a:cs typeface="ＭＳ Ｐゴシック"/>
+              </a:rPr>
+              <a:t>SBGrid</a:t>
+            </a:r>
+            <a:endParaRPr kumimoji="1" lang="en-US" sz="1800" b="0" i="0" u="none" strike="noStrike" kern="0" cap="none" spc="0" normalizeH="0" baseline="0" noProof="0" dirty="0" smtClean="0">
+              <a:ln>
+                <a:noFill/>
+              </a:ln>
+              <a:solidFill>
+                <a:schemeClr val="tx2"/>
+              </a:solidFill>
+              <a:effectLst/>
+              <a:uLnTx/>
+              <a:uFillTx/>
+              <a:latin typeface="+mn-lt"/>
+              <a:ea typeface="+mn-ea"/>
+              <a:cs typeface="ＭＳ Ｐゴシック"/>
+            </a:endParaRPr>
+          </a:p>
+          <a:p>
+            <a:pPr marL="342900" lvl="0" indent="-342900" eaLnBrk="0" hangingPunct="0">
+              <a:spcBef>
+                <a:spcPct val="20000"/>
+              </a:spcBef>
+              <a:buClr>
+                <a:srgbClr val="000080"/>
+              </a:buClr>
+            </a:pPr>
+            <a:r>
+              <a:rPr kumimoji="1" lang="en-US" sz="1800" kern="0" dirty="0" smtClean="0">
+                <a:solidFill>
+                  <a:schemeClr val="tx2"/>
+                </a:solidFill>
+              </a:rPr>
+              <a:t>	ISGTW</a:t>
+            </a:r>
+            <a:endParaRPr kumimoji="1" lang="en-US" sz="1800" b="0" i="0" u="none" strike="noStrike" kern="0" cap="none" spc="0" normalizeH="0" baseline="0" noProof="0" dirty="0" smtClean="0">
+              <a:ln>
+                <a:noFill/>
+              </a:ln>
+              <a:solidFill>
+                <a:schemeClr val="tx2"/>
+              </a:solidFill>
+              <a:effectLst/>
+              <a:uLnTx/>
+              <a:uFillTx/>
+              <a:latin typeface="+mn-lt"/>
+              <a:ea typeface="+mn-ea"/>
+              <a:cs typeface="ＭＳ Ｐゴシック"/>
+            </a:endParaRPr>
+          </a:p>
+          <a:p>
+            <a:pPr marL="342900" marR="0" lvl="0" indent="-342900" algn="l" defTabSz="914400" rtl="0" eaLnBrk="0" fontAlgn="base" latinLnBrk="0" hangingPunct="0">
+              <a:lnSpc>
+                <a:spcPct val="100000"/>
+              </a:lnSpc>
+              <a:spcBef>
+                <a:spcPct val="20000"/>
+              </a:spcBef>
+              <a:spcAft>
+                <a:spcPct val="0"/>
+              </a:spcAft>
+              <a:buClr>
+                <a:srgbClr val="000080"/>
+              </a:buClr>
+              <a:buSzTx/>
+              <a:buFont typeface="Times"/>
+              <a:buNone/>
+              <a:tabLst/>
+              <a:defRPr/>
+            </a:pPr>
+            <a:r>
+              <a:rPr kumimoji="1" lang="en-US" sz="1800" b="0" i="0" u="none" strike="noStrike" kern="0" cap="none" spc="0" normalizeH="0" baseline="0" noProof="0" dirty="0" smtClean="0">
+                <a:ln>
+                  <a:noFill/>
+                </a:ln>
+                <a:solidFill>
+                  <a:schemeClr val="tx2"/>
+                </a:solidFill>
+                <a:effectLst/>
+                <a:uLnTx/>
+                <a:uFillTx/>
+                <a:latin typeface="+mn-lt"/>
+                <a:ea typeface="+mn-ea"/>
+                <a:cs typeface="ＭＳ Ｐゴシック"/>
+              </a:rPr>
+              <a:t>	LIGO PIF’</a:t>
+            </a:r>
+          </a:p>
+          <a:p>
+            <a:pPr marL="342900" marR="0" lvl="0" indent="-342900" algn="l" defTabSz="914400" rtl="0" eaLnBrk="0" fontAlgn="base" latinLnBrk="0" hangingPunct="0">
+              <a:lnSpc>
+                <a:spcPct val="100000"/>
+              </a:lnSpc>
+              <a:spcBef>
+                <a:spcPct val="20000"/>
+              </a:spcBef>
+              <a:spcAft>
+                <a:spcPct val="0"/>
+              </a:spcAft>
+              <a:buClr>
+                <a:srgbClr val="000080"/>
+              </a:buClr>
+              <a:buSzTx/>
+              <a:buFont typeface="Times"/>
+              <a:buNone/>
+              <a:tabLst/>
+              <a:defRPr/>
+            </a:pPr>
+            <a:r>
+              <a:rPr kumimoji="1" lang="en-US" sz="1800" b="0" i="0" u="none" strike="noStrike" kern="0" cap="none" spc="0" normalizeH="0" baseline="0" noProof="0" dirty="0" smtClean="0">
+                <a:ln>
+                  <a:noFill/>
+                </a:ln>
+                <a:solidFill>
+                  <a:schemeClr val="tx2"/>
+                </a:solidFill>
+                <a:effectLst/>
+                <a:uLnTx/>
+                <a:uFillTx/>
+                <a:latin typeface="+mn-lt"/>
+                <a:ea typeface="+mn-ea"/>
+                <a:cs typeface="ＭＳ Ｐゴシック"/>
+              </a:rPr>
+              <a:t>	DISUN’</a:t>
+            </a:r>
+          </a:p>
+          <a:p>
+            <a:pPr marL="342900" marR="0" lvl="0" indent="-342900" algn="l" defTabSz="914400" rtl="0" eaLnBrk="0" fontAlgn="base" latinLnBrk="0" hangingPunct="0">
+              <a:lnSpc>
+                <a:spcPct val="100000"/>
+              </a:lnSpc>
+              <a:spcBef>
+                <a:spcPct val="20000"/>
+              </a:spcBef>
+              <a:spcAft>
+                <a:spcPct val="0"/>
+              </a:spcAft>
+              <a:buClr>
+                <a:srgbClr val="000080"/>
+              </a:buClr>
+              <a:buSzTx/>
+              <a:buFont typeface="Times"/>
+              <a:buNone/>
+              <a:tabLst/>
+              <a:defRPr/>
+            </a:pPr>
+            <a:r>
+              <a:rPr kumimoji="1" lang="en-US" sz="1800" b="0" i="0" u="none" strike="noStrike" kern="0" cap="none" spc="0" normalizeH="0" baseline="0" noProof="0" dirty="0" smtClean="0">
+                <a:ln>
+                  <a:noFill/>
+                </a:ln>
+                <a:solidFill>
+                  <a:schemeClr val="tx2"/>
+                </a:solidFill>
+                <a:effectLst/>
+                <a:uLnTx/>
+                <a:uFillTx/>
+                <a:latin typeface="+mn-lt"/>
+                <a:ea typeface="+mn-ea"/>
+                <a:cs typeface="ＭＳ Ｐゴシック"/>
+              </a:rPr>
+              <a:t>	SE Regional Grid</a:t>
+            </a:r>
+          </a:p>
+          <a:p>
+            <a:pPr marL="342900" marR="0" lvl="0" indent="-342900" algn="l" defTabSz="914400" rtl="0" eaLnBrk="0" fontAlgn="base" latinLnBrk="0" hangingPunct="0">
+              <a:lnSpc>
+                <a:spcPct val="100000"/>
+              </a:lnSpc>
+              <a:spcBef>
+                <a:spcPct val="20000"/>
+              </a:spcBef>
+              <a:spcAft>
+                <a:spcPct val="0"/>
+              </a:spcAft>
+              <a:buClr>
+                <a:srgbClr val="000080"/>
+              </a:buClr>
+              <a:buSzTx/>
+              <a:buFont typeface="Times"/>
+              <a:buNone/>
+              <a:tabLst/>
+              <a:defRPr/>
+            </a:pPr>
+            <a:r>
+              <a:rPr kumimoji="1" lang="en-US" sz="1800" b="1" i="0" u="none" strike="noStrike" kern="0" cap="none" spc="0" normalizeH="0" baseline="0" noProof="0" dirty="0" smtClean="0">
+                <a:ln>
+                  <a:noFill/>
+                </a:ln>
+                <a:solidFill>
+                  <a:schemeClr val="tx2"/>
+                </a:solidFill>
+                <a:effectLst/>
+                <a:uLnTx/>
+                <a:uFillTx/>
+                <a:latin typeface="+mn-lt"/>
+                <a:ea typeface="+mn-ea"/>
+                <a:cs typeface="ＭＳ Ｐゴシック"/>
+              </a:rPr>
+              <a:t>Supplements</a:t>
+            </a:r>
+          </a:p>
+          <a:p>
+            <a:pPr marL="342900" marR="0" lvl="0" indent="-342900" algn="l" defTabSz="914400" rtl="0" eaLnBrk="0" fontAlgn="base" latinLnBrk="0" hangingPunct="0">
+              <a:lnSpc>
+                <a:spcPct val="100000"/>
+              </a:lnSpc>
+              <a:spcBef>
+                <a:spcPct val="20000"/>
+              </a:spcBef>
+              <a:spcAft>
+                <a:spcPct val="0"/>
+              </a:spcAft>
+              <a:buClr>
+                <a:srgbClr val="000080"/>
+              </a:buClr>
+              <a:buSzTx/>
+              <a:buFont typeface="Times"/>
+              <a:buNone/>
+              <a:tabLst/>
+              <a:defRPr/>
+            </a:pPr>
+            <a:r>
+              <a:rPr kumimoji="1" lang="en-US" sz="1800" b="0" i="0" u="none" strike="noStrike" kern="0" cap="none" spc="0" normalizeH="0" baseline="0" noProof="0" dirty="0" smtClean="0">
+                <a:ln>
+                  <a:noFill/>
+                </a:ln>
+                <a:solidFill>
+                  <a:schemeClr val="tx2"/>
+                </a:solidFill>
+                <a:effectLst/>
+                <a:uLnTx/>
+                <a:uFillTx/>
+                <a:latin typeface="+mn-lt"/>
+                <a:ea typeface="+mn-ea"/>
+                <a:cs typeface="ＭＳ Ｐゴシック"/>
+              </a:rPr>
+              <a:t>	Condor</a:t>
+            </a:r>
+          </a:p>
+          <a:p>
+            <a:pPr marL="342900" marR="0" lvl="0" indent="-342900" algn="l" defTabSz="914400" rtl="0" eaLnBrk="0" fontAlgn="base" latinLnBrk="0" hangingPunct="0">
+              <a:lnSpc>
+                <a:spcPct val="100000"/>
+              </a:lnSpc>
+              <a:spcBef>
+                <a:spcPct val="20000"/>
+              </a:spcBef>
+              <a:spcAft>
+                <a:spcPct val="0"/>
+              </a:spcAft>
+              <a:buClr>
+                <a:srgbClr val="000080"/>
+              </a:buClr>
+              <a:buSzTx/>
+              <a:buFont typeface="Times"/>
+              <a:buNone/>
+              <a:tabLst/>
+              <a:defRPr/>
+            </a:pPr>
+            <a:r>
+              <a:rPr kumimoji="1" lang="en-US" sz="1800" b="0" i="0" u="none" strike="noStrike" kern="0" cap="none" spc="0" normalizeH="0" baseline="0" noProof="0" dirty="0" smtClean="0">
+                <a:ln>
+                  <a:noFill/>
+                </a:ln>
+                <a:solidFill>
+                  <a:schemeClr val="tx2"/>
+                </a:solidFill>
+                <a:effectLst/>
+                <a:uLnTx/>
+                <a:uFillTx/>
+                <a:latin typeface="+mn-lt"/>
+                <a:ea typeface="+mn-ea"/>
+                <a:cs typeface="ＭＳ Ｐゴシック"/>
+              </a:rPr>
+              <a:t>	Build and Test</a:t>
+            </a:r>
+          </a:p>
+        </p:txBody>
+      </p:sp>
+      <p:sp>
+        <p:nvSpPr>
+          <p:cNvPr id="6" name="Content Placeholder 2"/>
+          <p:cNvSpPr txBox="1">
+            <a:spLocks/>
+          </p:cNvSpPr>
+          <p:nvPr/>
+        </p:nvSpPr>
+        <p:spPr bwMode="auto">
+          <a:xfrm>
+            <a:off x="495300" y="6145122"/>
+            <a:ext cx="4876800" cy="522378"/>
+          </a:xfrm>
+          <a:prstGeom prst="rect">
+            <a:avLst/>
+          </a:prstGeom>
+          <a:noFill/>
+          <a:ln w="9525">
+            <a:noFill/>
+            <a:miter lim="800000"/>
+            <a:headEnd/>
+            <a:tailEnd/>
+          </a:ln>
+        </p:spPr>
+        <p:txBody>
+          <a:bodyPr vert="horz" wrap="square" lIns="91440" tIns="45720" rIns="91440" bIns="45720" numCol="1" anchor="t" anchorCtr="0" compatLnSpc="1">
+            <a:prstTxWarp prst="textNoShape">
+              <a:avLst/>
+            </a:prstTxWarp>
+          </a:bodyPr>
+          <a:lstStyle/>
+          <a:p>
+            <a:pPr marL="342900" marR="0" lvl="0" indent="-342900" algn="l" defTabSz="914400" rtl="0" eaLnBrk="0" fontAlgn="base" latinLnBrk="0" hangingPunct="0">
+              <a:lnSpc>
+                <a:spcPct val="100000"/>
+              </a:lnSpc>
+              <a:spcBef>
+                <a:spcPct val="20000"/>
+              </a:spcBef>
+              <a:spcAft>
+                <a:spcPct val="0"/>
+              </a:spcAft>
+              <a:buClr>
+                <a:srgbClr val="000080"/>
+              </a:buClr>
+              <a:buSzTx/>
+              <a:buFont typeface="Times"/>
+              <a:buNone/>
+              <a:tabLst/>
+              <a:defRPr/>
+            </a:pPr>
+            <a:r>
+              <a:rPr kumimoji="1" lang="en-US" sz="1600" b="0" i="0" u="none" strike="noStrike" kern="0" cap="none" spc="0" normalizeH="0" baseline="0" noProof="0" dirty="0" smtClean="0">
+                <a:ln>
+                  <a:noFill/>
+                </a:ln>
+                <a:solidFill>
+                  <a:schemeClr val="tx2"/>
+                </a:solidFill>
+                <a:effectLst/>
+                <a:uLnTx/>
+                <a:uFillTx/>
+                <a:latin typeface="+mn-lt"/>
+                <a:ea typeface="+mn-ea"/>
+                <a:cs typeface="ＭＳ Ｐゴシック"/>
+              </a:rPr>
+              <a:t>Overhead to the Cross-organizational staff effort (at Council or Project layer) &lt;~1 month/Satellite.</a:t>
+            </a:r>
           </a:p>
         </p:txBody>
       </p:sp>
@@ -6943,96 +7172,21 @@
             <p:ph type="title"/>
           </p:nvPr>
         </p:nvSpPr>
-        <p:spPr/>
-        <p:txBody>
-          <a:bodyPr/>
-          <a:lstStyle/>
-          <a:p>
-            <a:r>
-              <a:rPr lang="en-US"/>
-              <a:t>Core Mission - 1</a:t>
-            </a:r>
-          </a:p>
-        </p:txBody>
-      </p:sp>
-      <p:sp>
-        <p:nvSpPr>
-          <p:cNvPr id="3" name="Content Placeholder 2"/>
-          <p:cNvSpPr>
-            <a:spLocks noGrp="1"/>
-          </p:cNvSpPr>
-          <p:nvPr>
-            <p:ph idx="1"/>
-          </p:nvPr>
-        </p:nvSpPr>
         <p:spPr>
           <a:xfrm>
-            <a:off x="373528" y="1333500"/>
-            <a:ext cx="8516471" cy="5300382"/>
+            <a:off x="765751" y="2641600"/>
+            <a:ext cx="7657613" cy="560345"/>
           </a:xfrm>
         </p:spPr>
         <p:txBody>
           <a:bodyPr/>
           <a:lstStyle/>
           <a:p>
-            <a:pPr>
-              <a:buNone/>
-            </a:pPr>
-            <a:r>
-              <a:rPr lang="en-US" b="1">
-                <a:solidFill>
-                  <a:srgbClr val="C70000"/>
-                </a:solidFill>
-              </a:rPr>
-              <a:t>Continue operations of the production infrastructure:</a:t>
-            </a:r>
-            <a:endParaRPr lang="en-US">
-              <a:solidFill>
-                <a:srgbClr val="C70000"/>
-              </a:solidFill>
-            </a:endParaRPr>
-          </a:p>
-          <a:p>
-            <a:pPr lvl="0">
-              <a:buNone/>
-            </a:pPr>
-            <a:r>
-              <a:rPr lang="en-US"/>
-              <a:t>Improve the usability and reduce the effort to operate at all levels. </a:t>
-            </a:r>
-          </a:p>
-          <a:p>
-            <a:pPr lvl="0">
-              <a:buNone/>
-            </a:pPr>
-            <a:r>
-              <a:rPr lang="en-US"/>
-              <a:t>Maintain a usable, secure, robust, distributed facility open to all contributors (resources and applications) in the scientific, research, and education domains. (No commercial use).</a:t>
-            </a:r>
-          </a:p>
-          <a:p>
-            <a:pPr lvl="0">
-              <a:buNone/>
-            </a:pPr>
-            <a:r>
-              <a:rPr lang="en-US"/>
-              <a:t>Continue support for the OSG Virtual Data Toolkit for the OSG Consortium and other projects, including the evolution of WLCG and EGI.</a:t>
-            </a:r>
-          </a:p>
-          <a:p>
-            <a:pPr lvl="0">
-              <a:buNone/>
-            </a:pPr>
-            <a:r>
-              <a:rPr lang="en-US"/>
-              <a:t>Solidify presence and usability of shared cyberinfrastructure within the US University campuses and transparent use of local and wide area cyberinfrastructure nationally.</a:t>
-            </a:r>
-          </a:p>
-          <a:p>
-            <a:pPr>
-              <a:buNone/>
-            </a:pPr>
-            <a:endParaRPr lang="en-US"/>
+            <a:r>
+              <a:rPr lang="en-US" dirty="0" smtClean="0"/>
+              <a:t>From Aug 2009 &amp; Mar 2010</a:t>
+            </a:r>
+            <a:endParaRPr lang="en-US" dirty="0"/>
           </a:p>
         </p:txBody>
       </p:sp>
@@ -7055,7 +7209,7 @@
               <a:defRPr/>
             </a:pPr>
             <a:fld id="{038AB4BC-D760-449D-A975-B1B41586F3D1}" type="slidenum">
-              <a:rPr lang="en-US"/>
+              <a:rPr lang="en-US" smtClean="0"/>
               <a:pPr>
                 <a:defRPr/>
               </a:pPr>
@@ -7107,7 +7261,7 @@
           <a:p>
             <a:r>
               <a:rPr lang="en-US"/>
-              <a:t>Core Misson - 2</a:t>
+              <a:t>Core Mission - 1</a:t>
             </a:r>
           </a:p>
         </p:txBody>
@@ -7124,8 +7278,8 @@
         </p:nvSpPr>
         <p:spPr>
           <a:xfrm>
-            <a:off x="283882" y="1333500"/>
-            <a:ext cx="8860118" cy="4686300"/>
+            <a:off x="373528" y="1333500"/>
+            <a:ext cx="8516471" cy="5300382"/>
           </a:xfrm>
         </p:spPr>
         <p:txBody>
@@ -7141,7 +7295,7 @@
                   <a:srgbClr val="C70000"/>
                 </a:solidFill>
               </a:rPr>
-              <a:t>Extend:</a:t>
+              <a:t>Continue operations of the production infrastructure:</a:t>
             </a:r>
             <a:endParaRPr lang="en-US">
               <a:solidFill>
@@ -7155,7 +7309,7 @@
             </a:pPr>
             <a:r>
               <a:rPr lang="en-US"/>
-              <a:t>The capabilities and capacities offered for the stakeholders at the table, including those represented on the OSG Consortium Council, VOs represented by the “at-large” Council member, and users through the Campus, Engagement, Education and Outreach activities.</a:t>
+              <a:t>Improve the usability and reduce the effort to operate at all levels. </a:t>
             </a:r>
           </a:p>
           <a:p>
@@ -7164,19 +7318,31 @@
             </a:pPr>
             <a:r>
               <a:rPr lang="en-US"/>
-              <a:t>Strengthen organizational, operational and technical gateways between OSG and other peer infrastructures including the TeraGrid and XD, and EGI and NGIs in Europe, Campus and regional grids in the US and off-shore, and commercial cloud resource providers. </a:t>
+              <a:t>Maintain a usable, secure, robust, distributed facility open to all contributors (resources and applications) in the scientific, research, and education domains. (No commercial use).</a:t>
+            </a:r>
+          </a:p>
+          <a:p>
+            <a:pPr lvl="0">
+              <a:buNone/>
+            </a:pPr>
+            <a:r>
+              <a:rPr lang="en-US"/>
+              <a:t>Continue support for the OSG Virtual Data Toolkit for the OSG Consortium and other projects, including the evolution of WLCG and EGI.</a:t>
+            </a:r>
+          </a:p>
+          <a:p>
+            <a:pPr lvl="0">
+              <a:buNone/>
+            </a:pPr>
+            <a:r>
+              <a:rPr lang="en-US"/>
+              <a:t>Solidify presence and usability of shared cyberinfrastructure within the US University campuses and transparent use of local and wide area cyberinfrastructure nationally.</a:t>
             </a:r>
           </a:p>
           <a:p>
             <a:pPr>
               <a:buNone/>
             </a:pPr>
-            <a:r>
-              <a:rPr lang="en-US"/>
-              <a:t>Workforce training for the future…TBA. </a:t>
-            </a:r>
-          </a:p>
-          <a:p>
             <a:endParaRPr lang="en-US"/>
           </a:p>
         </p:txBody>
@@ -7252,6 +7418,151 @@
           <a:p>
             <a:r>
               <a:rPr lang="en-US"/>
+              <a:t>Core Misson - 2</a:t>
+            </a:r>
+          </a:p>
+        </p:txBody>
+      </p:sp>
+      <p:sp>
+        <p:nvSpPr>
+          <p:cNvPr id="3" name="Content Placeholder 2"/>
+          <p:cNvSpPr>
+            <a:spLocks noGrp="1"/>
+          </p:cNvSpPr>
+          <p:nvPr>
+            <p:ph idx="1"/>
+          </p:nvPr>
+        </p:nvSpPr>
+        <p:spPr>
+          <a:xfrm>
+            <a:off x="283882" y="1333500"/>
+            <a:ext cx="8860118" cy="4686300"/>
+          </a:xfrm>
+        </p:spPr>
+        <p:txBody>
+          <a:bodyPr/>
+          <a:lstStyle/>
+          <a:p>
+            <a:pPr>
+              <a:buNone/>
+            </a:pPr>
+            <a:r>
+              <a:rPr lang="en-US" b="1">
+                <a:solidFill>
+                  <a:srgbClr val="C70000"/>
+                </a:solidFill>
+              </a:rPr>
+              <a:t>Extend:</a:t>
+            </a:r>
+            <a:endParaRPr lang="en-US">
+              <a:solidFill>
+                <a:srgbClr val="C70000"/>
+              </a:solidFill>
+            </a:endParaRPr>
+          </a:p>
+          <a:p>
+            <a:pPr lvl="0">
+              <a:buNone/>
+            </a:pPr>
+            <a:r>
+              <a:rPr lang="en-US"/>
+              <a:t>The capabilities and capacities offered for the stakeholders at the table, including those represented on the OSG Consortium Council, VOs represented by the “at-large” Council member, and users through the Campus, Engagement, Education and Outreach activities.</a:t>
+            </a:r>
+          </a:p>
+          <a:p>
+            <a:pPr lvl="0">
+              <a:buNone/>
+            </a:pPr>
+            <a:r>
+              <a:rPr lang="en-US"/>
+              <a:t>Strengthen organizational, operational and technical gateways between OSG and other peer infrastructures including the TeraGrid and XD, and EGI and NGIs in Europe, Campus and regional grids in the US and off-shore, and commercial cloud resource providers. </a:t>
+            </a:r>
+          </a:p>
+          <a:p>
+            <a:pPr>
+              <a:buNone/>
+            </a:pPr>
+            <a:r>
+              <a:rPr lang="en-US"/>
+              <a:t>Workforce training for the future…TBA. </a:t>
+            </a:r>
+          </a:p>
+          <a:p>
+            <a:endParaRPr lang="en-US"/>
+          </a:p>
+        </p:txBody>
+      </p:sp>
+      <p:sp>
+        <p:nvSpPr>
+          <p:cNvPr id="4" name="Slide Number Placeholder 3"/>
+          <p:cNvSpPr>
+            <a:spLocks noGrp="1"/>
+          </p:cNvSpPr>
+          <p:nvPr>
+            <p:ph type="sldNum" sz="quarter" idx="10"/>
+          </p:nvPr>
+        </p:nvSpPr>
+        <p:spPr/>
+        <p:txBody>
+          <a:bodyPr/>
+          <a:lstStyle/>
+          <a:p>
+            <a:pPr>
+              <a:defRPr/>
+            </a:pPr>
+            <a:fld id="{038AB4BC-D760-449D-A975-B1B41586F3D1}" type="slidenum">
+              <a:rPr lang="en-US"/>
+              <a:pPr>
+                <a:defRPr/>
+              </a:pPr>
+              <a:t>22</a:t>
+            </a:fld>
+            <a:endParaRPr lang="en-US" dirty="0"/>
+          </a:p>
+        </p:txBody>
+      </p:sp>
+    </p:spTree>
+  </p:cSld>
+  <p:clrMapOvr>
+    <a:masterClrMapping/>
+  </p:clrMapOvr>
+</p:sld>
+</file>
+
+<file path=ppt/slides/slide23.xml><?xml version="1.0" encoding="utf-8"?>
+<p:sld xmlns:a="http://schemas.openxmlformats.org/drawingml/2006/main" xmlns:r="http://schemas.openxmlformats.org/officeDocument/2006/relationships" xmlns:mc="http://schemas.openxmlformats.org/markup-compatibility/2006" xmlns:mv="urn:schemas-microsoft-com:mac:vml" xmlns:p="http://schemas.openxmlformats.org/presentationml/2006/main" mc:Ignorable="mv" mc:PreserveAttributes="mv:*">
+  <p:cSld>
+    <p:spTree>
+      <p:nvGrpSpPr>
+        <p:cNvPr id="1" name=""/>
+        <p:cNvGrpSpPr/>
+        <p:nvPr/>
+      </p:nvGrpSpPr>
+      <p:grpSpPr>
+        <a:xfrm>
+          <a:off x="0" y="0"/>
+          <a:ext cx="0" cy="0"/>
+          <a:chOff x="0" y="0"/>
+          <a:chExt cx="0" cy="0"/>
+        </a:xfrm>
+      </p:grpSpPr>
+      <p:sp>
+        <p:nvSpPr>
+          <p:cNvPr id="2" name="Title 1"/>
+          <p:cNvSpPr>
+            <a:spLocks noGrp="1"/>
+          </p:cNvSpPr>
+          <p:nvPr>
+            <p:ph type="title"/>
+          </p:nvPr>
+        </p:nvSpPr>
+        <p:spPr/>
+        <p:txBody>
+          <a:bodyPr/>
+          <a:lstStyle/>
+          <a:p>
+            <a:r>
+              <a:rPr lang="en-US"/>
               <a:t>Operations Services, Security, Sites</a:t>
             </a:r>
           </a:p>
@@ -7400,7 +7711,7 @@
               <a:pPr>
                 <a:defRPr/>
               </a:pPr>
-              <a:t>22</a:t>
+              <a:t>23</a:t>
             </a:fld>
             <a:endParaRPr lang="en-US" dirty="0"/>
           </a:p>

--- a/pub/Council/Agenda2010Aug18/OSG-Planning-Aug2010-V5.pptx
+++ b/pub/Council/Agenda2010Aug18/OSG-Planning-Aug2010-V5.pptx
@@ -5,10 +5,10 @@
     <p:sldMasterId id="2147483692" r:id="rId1"/>
   </p:sldMasterIdLst>
   <p:notesMasterIdLst>
-    <p:notesMasterId r:id="rId25"/>
+    <p:notesMasterId r:id="rId24"/>
   </p:notesMasterIdLst>
   <p:handoutMasterIdLst>
-    <p:handoutMasterId r:id="rId26"/>
+    <p:handoutMasterId r:id="rId25"/>
   </p:handoutMasterIdLst>
   <p:sldIdLst>
     <p:sldId id="256" r:id="rId2"/>
@@ -27,13 +27,12 @@
     <p:sldId id="287" r:id="rId15"/>
     <p:sldId id="289" r:id="rId16"/>
     <p:sldId id="290" r:id="rId17"/>
-    <p:sldId id="298" r:id="rId18"/>
-    <p:sldId id="291" r:id="rId19"/>
-    <p:sldId id="297" r:id="rId20"/>
-    <p:sldId id="292" r:id="rId21"/>
-    <p:sldId id="273" r:id="rId22"/>
-    <p:sldId id="274" r:id="rId23"/>
-    <p:sldId id="277" r:id="rId24"/>
+    <p:sldId id="291" r:id="rId18"/>
+    <p:sldId id="297" r:id="rId19"/>
+    <p:sldId id="292" r:id="rId20"/>
+    <p:sldId id="273" r:id="rId21"/>
+    <p:sldId id="274" r:id="rId22"/>
+    <p:sldId id="277" r:id="rId23"/>
   </p:sldIdLst>
   <p:sldSz cx="9144000" cy="6858000" type="screen4x3"/>
   <p:notesSz cx="7010400" cy="9296400"/>
@@ -4504,10 +4503,10 @@
                 <a:ea typeface="+mn-ea"/>
                 <a:cs typeface="ＭＳ Ｐゴシック"/>
               </a:rPr>
-              <a:t>Connecting </a:t>
-            </a:r>
-            <a:r>
-              <a:rPr kumimoji="1" lang="en-US" sz="1600" b="0" i="0" u="none" strike="noStrike" kern="0" cap="none" spc="0" normalizeH="0" baseline="0" noProof="0" dirty="0" smtClean="0">
+              <a:t>Connecting organizational staff including cross-cutting Security (oversight, compliance, auditing), Architecture and Technology Group, Assessment and policies/economic model,  Council</a:t>
+            </a:r>
+            <a:r>
+              <a:rPr kumimoji="1" lang="en-US" sz="1600" b="0" i="0" u="none" strike="noStrike" kern="0" cap="none" spc="0" normalizeH="0" noProof="0" dirty="0" smtClean="0">
                 <a:ln>
                   <a:noFill/>
                 </a:ln>
@@ -4521,7 +4520,7 @@
                 <a:ea typeface="+mn-ea"/>
                 <a:cs typeface="ＭＳ Ｐゴシック"/>
               </a:rPr>
-              <a:t>organizational staff including cross-cutting Security (oversight, compliance, auditing), Architecture and Technology Group, Assessment and policies/economic model, </a:t>
+              <a:t> staff</a:t>
             </a:r>
             <a:r>
               <a:rPr kumimoji="1" lang="en-US" sz="1600" b="0" i="0" u="none" strike="noStrike" kern="0" cap="none" spc="0" normalizeH="0" baseline="0" noProof="0" dirty="0" smtClean="0">
@@ -4538,10 +4537,20 @@
                 <a:ea typeface="+mn-ea"/>
                 <a:cs typeface="ＭＳ Ｐゴシック"/>
               </a:rPr>
-              <a:t> Council</a:t>
-            </a:r>
-            <a:r>
-              <a:rPr kumimoji="1" lang="en-US" sz="1600" b="0" i="0" u="none" strike="noStrike" kern="0" cap="none" spc="0" normalizeH="0" noProof="0" dirty="0" smtClean="0">
+              <a:t>, Project Management, Satellite </a:t>
+            </a:r>
+            <a:r>
+              <a:rPr kumimoji="1" lang="en-US" sz="1600" kern="0" dirty="0" smtClean="0">
+                <a:solidFill>
+                  <a:schemeClr val="tx2"/>
+                </a:solidFill>
+                <a:latin typeface="+mn-lt"/>
+                <a:ea typeface="+mn-ea"/>
+              </a:rPr>
+              <a:t>I</a:t>
+            </a:r>
+            <a:r>
+              <a:rPr kumimoji="1" lang="en-US" sz="1600" b="0" i="0" u="none" strike="noStrike" kern="0" cap="none" spc="0" normalizeH="0" baseline="0" noProof="0" dirty="0" err="1" smtClean="0">
                 <a:ln>
                   <a:noFill/>
                 </a:ln>
@@ -4555,7 +4564,7 @@
                 <a:ea typeface="+mn-ea"/>
                 <a:cs typeface="ＭＳ Ｐゴシック"/>
               </a:rPr>
-              <a:t> staff</a:t>
+              <a:t>nterfaces</a:t>
             </a:r>
             <a:r>
               <a:rPr kumimoji="1" lang="en-US" sz="1600" b="0" i="0" u="none" strike="noStrike" kern="0" cap="none" spc="0" normalizeH="0" baseline="0" noProof="0" dirty="0" smtClean="0">
@@ -4572,10 +4581,10 @@
                 <a:ea typeface="+mn-ea"/>
                 <a:cs typeface="ＭＳ Ｐゴシック"/>
               </a:rPr>
-              <a:t>, Project </a:t>
-            </a:r>
-            <a:r>
-              <a:rPr kumimoji="1" lang="en-US" sz="1600" b="0" i="0" u="none" strike="noStrike" kern="0" cap="none" spc="0" normalizeH="0" baseline="0" noProof="0" dirty="0" smtClean="0">
+              <a:t>, Communications and External Relations, Documentation</a:t>
+            </a:r>
+            <a:r>
+              <a:rPr kumimoji="1" lang="en-US" sz="1600" b="0" i="0" u="none" strike="noStrike" kern="0" cap="none" spc="0" normalizeH="0" baseline="0" noProof="0" smtClean="0">
                 <a:ln>
                   <a:noFill/>
                 </a:ln>
@@ -4589,85 +4598,7 @@
                 <a:ea typeface="+mn-ea"/>
                 <a:cs typeface="ＭＳ Ｐゴシック"/>
               </a:rPr>
-              <a:t>Management, Satellite </a:t>
-            </a:r>
-            <a:r>
-              <a:rPr kumimoji="1" lang="en-US" sz="1600" kern="0" dirty="0" smtClean="0">
-                <a:solidFill>
-                  <a:schemeClr val="tx2"/>
-                </a:solidFill>
-                <a:latin typeface="+mn-lt"/>
-                <a:ea typeface="+mn-ea"/>
-              </a:rPr>
-              <a:t>I</a:t>
-            </a:r>
-            <a:r>
-              <a:rPr kumimoji="1" lang="en-US" sz="1600" b="0" i="0" u="none" strike="noStrike" kern="0" cap="none" spc="0" normalizeH="0" baseline="0" noProof="0" dirty="0" err="1" smtClean="0">
-                <a:ln>
-                  <a:noFill/>
-                </a:ln>
-                <a:solidFill>
-                  <a:schemeClr val="tx2"/>
-                </a:solidFill>
-                <a:effectLst/>
-                <a:uLnTx/>
-                <a:uFillTx/>
-                <a:latin typeface="+mn-lt"/>
-                <a:ea typeface="+mn-ea"/>
-                <a:cs typeface="ＭＳ Ｐゴシック"/>
-              </a:rPr>
-              <a:t>nterfaces</a:t>
-            </a:r>
-            <a:r>
-              <a:rPr kumimoji="1" lang="en-US" sz="1600" b="0" i="0" u="none" strike="noStrike" kern="0" cap="none" spc="0" normalizeH="0" baseline="0" noProof="0" dirty="0" smtClean="0">
-                <a:ln>
-                  <a:noFill/>
-                </a:ln>
-                <a:solidFill>
-                  <a:schemeClr val="tx2"/>
-                </a:solidFill>
-                <a:effectLst/>
-                <a:uLnTx/>
-                <a:uFillTx/>
-                <a:latin typeface="+mn-lt"/>
-                <a:ea typeface="+mn-ea"/>
-                <a:cs typeface="ＭＳ Ｐゴシック"/>
-              </a:rPr>
-              <a:t>, Communications and External Relations, Documentation</a:t>
-            </a:r>
-            <a:r>
-              <a:rPr kumimoji="1" lang="en-US" sz="1600" b="0" i="0" u="none" strike="noStrike" kern="0" cap="none" spc="0" normalizeH="0" baseline="0" noProof="0" smtClean="0">
-                <a:ln>
-                  <a:noFill/>
-                </a:ln>
-                <a:solidFill>
-                  <a:schemeClr val="tx2"/>
-                </a:solidFill>
-                <a:effectLst/>
-                <a:uLnTx/>
-                <a:uFillTx/>
-                <a:latin typeface="+mn-lt"/>
-                <a:ea typeface="+mn-ea"/>
-                <a:cs typeface="ＭＳ Ｐゴシック"/>
-              </a:rPr>
-              <a:t>.</a:t>
-            </a:r>
-            <a:r>
-              <a:rPr kumimoji="1" lang="en-US" sz="1600" b="0" i="0" u="none" strike="noStrike" kern="0" cap="none" spc="0" normalizeH="0" baseline="0" noProof="0" smtClean="0">
-                <a:ln>
-                  <a:noFill/>
-                </a:ln>
-                <a:solidFill>
-                  <a:schemeClr val="tx2"/>
-                </a:solidFill>
-                <a:effectLst/>
-                <a:uLnTx/>
-                <a:uFillTx/>
-                <a:latin typeface="+mn-lt"/>
-                <a:ea typeface="+mn-ea"/>
-                <a:cs typeface="ＭＳ Ｐゴシック"/>
-              </a:rPr>
-              <a:t> </a:t>
+              <a:t>. </a:t>
             </a:r>
             <a:r>
               <a:rPr kumimoji="1" lang="en-US" sz="1600" kern="0" smtClean="0">
@@ -5150,24 +5081,7 @@
                 <a:ea typeface="+mn-ea"/>
                 <a:cs typeface="ＭＳ Ｐゴシック"/>
               </a:rPr>
-              <a:t>Project </a:t>
-            </a:r>
-            <a:r>
-              <a:rPr kumimoji="1" lang="en-US" sz="1600" b="1" i="1" u="none" strike="noStrike" kern="0" cap="none" spc="0" normalizeH="0" baseline="0" noProof="0" dirty="0" smtClean="0">
-                <a:ln>
-                  <a:noFill/>
-                </a:ln>
-                <a:solidFill>
-                  <a:schemeClr val="tx2"/>
-                </a:solidFill>
-                <a:effectLst/>
-                <a:uLnTx/>
-                <a:uFillTx/>
-                <a:latin typeface="+mn-lt"/>
-                <a:ea typeface="+mn-ea"/>
-                <a:cs typeface="ＭＳ Ｐゴシック"/>
-              </a:rPr>
-              <a:t>Management improvements</a:t>
+              <a:t>Project Management improvements</a:t>
             </a:r>
           </a:p>
           <a:p>
@@ -5433,7 +5347,20 @@
           <a:bodyPr/>
           <a:lstStyle/>
           <a:p>
-            <a:endParaRPr lang="en-US"/>
+            <a:pPr algn="l"/>
+            <a:r>
+              <a:rPr lang="en-US" dirty="0" smtClean="0"/>
+              <a:t>Program </a:t>
+            </a:r>
+            <a:r>
+              <a:rPr lang="en-US" b="1" dirty="0" smtClean="0"/>
+              <a:t>of</a:t>
+            </a:r>
+            <a:r>
+              <a:rPr lang="en-US" dirty="0" smtClean="0"/>
+              <a:t> Work</a:t>
+            </a:r>
+            <a:endParaRPr lang="en-US" dirty="0"/>
           </a:p>
         </p:txBody>
       </p:sp>
@@ -5447,12 +5374,186 @@
             <p:ph idx="1"/>
           </p:nvPr>
         </p:nvSpPr>
-        <p:spPr/>
+        <p:spPr>
+          <a:xfrm>
+            <a:off x="0" y="546100"/>
+            <a:ext cx="9144000" cy="6311900"/>
+          </a:xfrm>
+        </p:spPr>
         <p:txBody>
           <a:bodyPr/>
           <a:lstStyle/>
           <a:p>
-            <a:endParaRPr lang="en-US"/>
+            <a:pPr lvl="0">
+              <a:buNone/>
+            </a:pPr>
+            <a:r>
+              <a:rPr lang="en-US" sz="1600" dirty="0" smtClean="0"/>
+              <a:t>US ATLAS, US CMS, (US ALICE), WLCG Operations (see assessment document). LIGO, standard customer operations.</a:t>
+            </a:r>
+          </a:p>
+          <a:p>
+            <a:pPr lvl="0">
+              <a:buNone/>
+            </a:pPr>
+            <a:r>
+              <a:rPr lang="en-US" sz="1600" dirty="0" smtClean="0"/>
+              <a:t>Production and User Support.</a:t>
+            </a:r>
+          </a:p>
+          <a:p>
+            <a:pPr lvl="0">
+              <a:buNone/>
+            </a:pPr>
+            <a:r>
+              <a:rPr lang="en-US" sz="1600" dirty="0" smtClean="0"/>
+              <a:t>Software &amp; Security.</a:t>
+            </a:r>
+          </a:p>
+          <a:p>
+            <a:pPr lvl="0">
+              <a:buNone/>
+            </a:pPr>
+            <a:r>
+              <a:rPr lang="en-US" sz="1600" dirty="0" smtClean="0"/>
+              <a:t>Create campus societies, core from the Tier-3s.</a:t>
+            </a:r>
+          </a:p>
+          <a:p>
+            <a:pPr lvl="0">
+              <a:buNone/>
+            </a:pPr>
+            <a:r>
+              <a:rPr lang="en-US" sz="1600" dirty="0" smtClean="0"/>
+              <a:t>Provide access to  greater diversity of resources as they become available including commercial and scientific clouds, federated infrastructures.</a:t>
+            </a:r>
+          </a:p>
+          <a:p>
+            <a:pPr>
+              <a:buNone/>
+            </a:pPr>
+            <a:r>
+              <a:rPr lang="en-US" sz="1600" dirty="0" smtClean="0"/>
+              <a:t>International collaborations..</a:t>
+            </a:r>
+          </a:p>
+          <a:p>
+            <a:pPr>
+              <a:buNone/>
+            </a:pPr>
+            <a:r>
+              <a:rPr lang="en-US" sz="1600" b="1" i="1" dirty="0" smtClean="0"/>
+              <a:t>Distributed and layered data center of unique scale and reach: (&gt;100 universities, &gt;5 national labs, &gt;5 organizational peers).</a:t>
+            </a:r>
+          </a:p>
+          <a:p>
+            <a:pPr lvl="1"/>
+            <a:r>
+              <a:rPr lang="en-US" sz="1600" dirty="0" smtClean="0"/>
+              <a:t>Adopt recognized methodology (ITIL, </a:t>
+            </a:r>
+            <a:r>
+              <a:rPr lang="en-US" sz="1600" dirty="0" err="1" smtClean="0"/>
+              <a:t>eTOM</a:t>
+            </a:r>
+            <a:r>
+              <a:rPr lang="en-US" sz="1600" dirty="0" smtClean="0"/>
+              <a:t>, ISO20K, other..).</a:t>
+            </a:r>
+          </a:p>
+          <a:p>
+            <a:pPr lvl="1"/>
+            <a:r>
+              <a:rPr lang="en-US" sz="1600" dirty="0" smtClean="0"/>
+              <a:t>Continuous improvement.</a:t>
+            </a:r>
+          </a:p>
+          <a:p>
+            <a:pPr lvl="1"/>
+            <a:r>
+              <a:rPr lang="en-US" sz="1600" dirty="0" smtClean="0"/>
+              <a:t>Management of change.</a:t>
+            </a:r>
+          </a:p>
+          <a:p>
+            <a:pPr lvl="1"/>
+            <a:r>
+              <a:rPr lang="en-US" sz="1600" dirty="0" smtClean="0"/>
+              <a:t>Transform and innovate.</a:t>
+            </a:r>
+          </a:p>
+          <a:p>
+            <a:pPr lvl="1"/>
+            <a:r>
+              <a:rPr lang="en-US" sz="1600" dirty="0" smtClean="0"/>
+              <a:t>Investigate outsourcing by the end of the project</a:t>
+            </a:r>
+          </a:p>
+          <a:p>
+            <a:pPr lvl="0">
+              <a:buNone/>
+            </a:pPr>
+            <a:r>
+              <a:rPr lang="en-US" sz="1600" b="1" i="1" dirty="0" smtClean="0"/>
+              <a:t>Collaborate with/contribute to open source projects we. (do or might) depend on:</a:t>
+            </a:r>
+          </a:p>
+          <a:p>
+            <a:pPr>
+              <a:buNone/>
+            </a:pPr>
+            <a:r>
+              <a:rPr lang="en-US" sz="1600" b="1" i="1" dirty="0" smtClean="0"/>
+              <a:t>Additional capabilities seen as on the community roadmap (not yet explicit):</a:t>
+            </a:r>
+          </a:p>
+          <a:p>
+            <a:pPr lvl="1"/>
+            <a:r>
+              <a:rPr lang="en-US" sz="1600" dirty="0" smtClean="0"/>
+              <a:t>Integration with dynamic network provisioning and overlays.</a:t>
+            </a:r>
+          </a:p>
+          <a:p>
+            <a:pPr lvl="1"/>
+            <a:r>
+              <a:rPr lang="en-US" sz="1600" dirty="0" smtClean="0"/>
+              <a:t>More complex workflows.</a:t>
+            </a:r>
+          </a:p>
+          <a:p>
+            <a:pPr lvl="1"/>
+            <a:r>
+              <a:rPr lang="en-US" sz="1600" dirty="0" smtClean="0"/>
+              <a:t>Data </a:t>
+            </a:r>
+            <a:r>
+              <a:rPr lang="en-US" sz="1600" dirty="0" err="1" smtClean="0"/>
+              <a:t>curation</a:t>
+            </a:r>
+            <a:r>
+              <a:rPr lang="en-US" sz="1600" dirty="0" smtClean="0"/>
+              <a:t>.</a:t>
+            </a:r>
+          </a:p>
+          <a:p>
+            <a:pPr lvl="1"/>
+            <a:r>
+              <a:rPr lang="en-US" sz="1600" dirty="0" smtClean="0"/>
+              <a:t>Integration with other security /privacy/management services.</a:t>
+            </a:r>
+          </a:p>
+          <a:p>
+            <a:pPr lvl="0">
+              <a:buNone/>
+            </a:pPr>
+            <a:r>
+              <a:rPr lang="en-US" sz="1600" b="1" dirty="0" smtClean="0"/>
+              <a:t>International Collaborations through existing OSG communities: e.g. European clients</a:t>
+            </a:r>
+          </a:p>
+          <a:p>
+            <a:endParaRPr lang="en-US" sz="1800" dirty="0"/>
           </a:p>
         </p:txBody>
       </p:sp>
@@ -5525,18 +5626,9 @@
           <a:bodyPr/>
           <a:lstStyle/>
           <a:p>
-            <a:pPr algn="l"/>
             <a:r>
               <a:rPr lang="en-US" dirty="0" smtClean="0"/>
-              <a:t>Program </a:t>
-            </a:r>
-            <a:r>
-              <a:rPr lang="en-US" b="1" dirty="0" smtClean="0"/>
-              <a:t>of</a:t>
-            </a:r>
-            <a:r>
-              <a:rPr lang="en-US" dirty="0" smtClean="0"/>
-              <a:t> Work</a:t>
+              <a:t>Satellites</a:t>
             </a:r>
             <a:endParaRPr lang="en-US" dirty="0"/>
           </a:p>
@@ -5554,184 +5646,21 @@
         </p:nvSpPr>
         <p:spPr>
           <a:xfrm>
-            <a:off x="0" y="546100"/>
-            <a:ext cx="9144000" cy="6311900"/>
+            <a:off x="571500" y="722222"/>
+            <a:ext cx="8369300" cy="649378"/>
           </a:xfrm>
         </p:spPr>
         <p:txBody>
-          <a:bodyPr/>
+          <a:bodyPr numCol="1"/>
           <a:lstStyle/>
-          <a:p>
-            <a:pPr lvl="0">
-              <a:buNone/>
-            </a:pPr>
-            <a:r>
-              <a:rPr lang="en-US" sz="1600" dirty="0" smtClean="0"/>
-              <a:t>US ATLAS, US CMS, (US ALICE), WLCG Operations (see assessment document). LIGO, standard customer operations.</a:t>
-            </a:r>
-          </a:p>
-          <a:p>
-            <a:pPr lvl="0">
-              <a:buNone/>
-            </a:pPr>
-            <a:r>
-              <a:rPr lang="en-US" sz="1600" dirty="0" smtClean="0"/>
-              <a:t>Production and User Support.</a:t>
-            </a:r>
-          </a:p>
-          <a:p>
-            <a:pPr lvl="0">
-              <a:buNone/>
-            </a:pPr>
-            <a:r>
-              <a:rPr lang="en-US" sz="1600" dirty="0" smtClean="0"/>
-              <a:t>Software &amp; Security.</a:t>
-            </a:r>
-          </a:p>
-          <a:p>
-            <a:pPr lvl="0">
-              <a:buNone/>
-            </a:pPr>
-            <a:r>
-              <a:rPr lang="en-US" sz="1600" dirty="0" smtClean="0"/>
-              <a:t>Create campus societies, core from the Tier-3s.</a:t>
-            </a:r>
-          </a:p>
-          <a:p>
-            <a:pPr lvl="0">
-              <a:buNone/>
-            </a:pPr>
-            <a:r>
-              <a:rPr lang="en-US" sz="1600" dirty="0" smtClean="0"/>
-              <a:t>Provide access to  greater diversity of resources as they become available including commercial and scientific clouds, federated infrastructures.</a:t>
-            </a:r>
-          </a:p>
           <a:p>
             <a:pPr>
               <a:buNone/>
             </a:pPr>
             <a:r>
-              <a:rPr lang="en-US" sz="1600" dirty="0" smtClean="0"/>
-              <a:t>International collaborations..</a:t>
-            </a:r>
-          </a:p>
-          <a:p>
-            <a:pPr>
-              <a:buNone/>
-            </a:pPr>
-            <a:r>
-              <a:rPr lang="en-US" sz="1600" b="1" i="1" dirty="0" smtClean="0"/>
-              <a:t>Distributed and layered data center of unique scale and reach: (&gt;100 universities, &gt;5 national labs, &gt;5 organizational peers).</a:t>
-            </a:r>
-          </a:p>
-          <a:p>
-            <a:pPr lvl="1"/>
-            <a:r>
-              <a:rPr lang="en-US" sz="1600" dirty="0" smtClean="0"/>
-              <a:t>Adopt recognized methodology (ITIL, </a:t>
-            </a:r>
-            <a:r>
-              <a:rPr lang="en-US" sz="1600" dirty="0" err="1" smtClean="0"/>
-              <a:t>eTOM</a:t>
-            </a:r>
-            <a:r>
-              <a:rPr lang="en-US" sz="1600" dirty="0" smtClean="0"/>
-              <a:t>, ISO20K, other..).</a:t>
-            </a:r>
-          </a:p>
-          <a:p>
-            <a:pPr lvl="1"/>
-            <a:r>
-              <a:rPr lang="en-US" sz="1600" dirty="0" smtClean="0"/>
-              <a:t>Continuous improvement.</a:t>
-            </a:r>
-          </a:p>
-          <a:p>
-            <a:pPr lvl="1"/>
-            <a:r>
-              <a:rPr lang="en-US" sz="1600" dirty="0" smtClean="0"/>
-              <a:t>Management of change.</a:t>
-            </a:r>
-          </a:p>
-          <a:p>
-            <a:pPr lvl="1"/>
-            <a:r>
-              <a:rPr lang="en-US" sz="1600" dirty="0" smtClean="0"/>
-              <a:t>Transform and innovate.</a:t>
-            </a:r>
-          </a:p>
-          <a:p>
-            <a:pPr lvl="1"/>
-            <a:r>
-              <a:rPr lang="en-US" sz="1600" dirty="0" smtClean="0"/>
-              <a:t>Investigate outsourcing by the end of the project</a:t>
-            </a:r>
-          </a:p>
-          <a:p>
-            <a:pPr lvl="0">
-              <a:buNone/>
-            </a:pPr>
-            <a:r>
-              <a:rPr lang="en-US" sz="1600" b="1" i="1" dirty="0" smtClean="0"/>
-              <a:t>Collaborate with/contribute to open source projects we. (do or might) depend on:</a:t>
-            </a:r>
-          </a:p>
-          <a:p>
-            <a:pPr>
-              <a:buNone/>
-            </a:pPr>
-            <a:r>
-              <a:rPr lang="en-US" sz="1600" b="1" i="1" dirty="0" smtClean="0"/>
-              <a:t>Additional capabilities seen as on the community roadmap (not yet explicit):</a:t>
-            </a:r>
-          </a:p>
-          <a:p>
-            <a:pPr lvl="1"/>
-            <a:r>
-              <a:rPr lang="en-US" sz="1600" dirty="0" smtClean="0"/>
-              <a:t>Integration with dynamic network provisioning and overlays.</a:t>
-            </a:r>
-          </a:p>
-          <a:p>
-            <a:pPr lvl="1"/>
-            <a:r>
-              <a:rPr lang="en-US" sz="1600" dirty="0" smtClean="0"/>
-              <a:t>More complex workflows.</a:t>
-            </a:r>
-          </a:p>
-          <a:p>
-            <a:pPr lvl="1"/>
-            <a:r>
-              <a:rPr lang="en-US" sz="1600" dirty="0" smtClean="0"/>
-              <a:t>Data </a:t>
-            </a:r>
-            <a:r>
-              <a:rPr lang="en-US" sz="1600" dirty="0" err="1" smtClean="0"/>
-              <a:t>curation</a:t>
-            </a:r>
-            <a:r>
-              <a:rPr lang="en-US" sz="1600" dirty="0" smtClean="0"/>
-              <a:t>.</a:t>
-            </a:r>
-          </a:p>
-          <a:p>
-            <a:pPr lvl="1"/>
-            <a:r>
-              <a:rPr lang="en-US" sz="1600" dirty="0" smtClean="0"/>
-              <a:t>Integration with other security /privacy/management services.</a:t>
-            </a:r>
-          </a:p>
-          <a:p>
-            <a:pPr lvl="0">
-              <a:buNone/>
-            </a:pPr>
-            <a:r>
-              <a:rPr lang="en-US" sz="1600" b="1" dirty="0" smtClean="0"/>
-              <a:t>International Collaborations through existing OSG communities: e.g. European clients</a:t>
-            </a:r>
-          </a:p>
-          <a:p>
-            <a:endParaRPr lang="en-US" sz="1800" dirty="0"/>
+              <a:rPr lang="en-US" sz="2000" dirty="0" smtClean="0"/>
+              <a:t>Contributing specific services and deliverables to the mission of the OSG Consortium. </a:t>
+            </a:r>
           </a:p>
         </p:txBody>
       </p:sp>
@@ -5761,6 +5690,1104 @@
               <a:t>18</a:t>
             </a:fld>
             <a:endParaRPr lang="en-US" dirty="0"/>
+          </a:p>
+        </p:txBody>
+      </p:sp>
+      <p:sp>
+        <p:nvSpPr>
+          <p:cNvPr id="5" name="Content Placeholder 2"/>
+          <p:cNvSpPr txBox="1">
+            <a:spLocks/>
+          </p:cNvSpPr>
+          <p:nvPr/>
+        </p:nvSpPr>
+        <p:spPr bwMode="auto">
+          <a:xfrm>
+            <a:off x="495300" y="1585822"/>
+            <a:ext cx="8369300" cy="3075078"/>
+          </a:xfrm>
+          <a:prstGeom prst="rect">
+            <a:avLst/>
+          </a:prstGeom>
+          <a:noFill/>
+          <a:ln w="9525">
+            <a:noFill/>
+            <a:miter lim="800000"/>
+            <a:headEnd/>
+            <a:tailEnd/>
+          </a:ln>
+        </p:spPr>
+        <p:txBody>
+          <a:bodyPr vert="horz" wrap="square" lIns="91440" tIns="45720" rIns="91440" bIns="45720" numCol="2" anchor="t" anchorCtr="0" compatLnSpc="1">
+            <a:prstTxWarp prst="textNoShape">
+              <a:avLst/>
+            </a:prstTxWarp>
+          </a:bodyPr>
+          <a:lstStyle/>
+          <a:p>
+            <a:pPr marL="342900" marR="0" lvl="0" indent="-342900" algn="l" defTabSz="914400" rtl="0" eaLnBrk="0" fontAlgn="base" latinLnBrk="0" hangingPunct="0">
+              <a:lnSpc>
+                <a:spcPct val="100000"/>
+              </a:lnSpc>
+              <a:spcBef>
+                <a:spcPct val="20000"/>
+              </a:spcBef>
+              <a:spcAft>
+                <a:spcPct val="0"/>
+              </a:spcAft>
+              <a:buClr>
+                <a:srgbClr val="000080"/>
+              </a:buClr>
+              <a:buSzTx/>
+              <a:buFont typeface="Times"/>
+              <a:buNone/>
+              <a:tabLst/>
+              <a:defRPr/>
+            </a:pPr>
+            <a:r>
+              <a:rPr kumimoji="1" lang="en-US" sz="1800" b="1" i="0" u="none" strike="noStrike" kern="0" cap="none" spc="0" normalizeH="0" baseline="0" noProof="0" dirty="0" smtClean="0">
+                <a:ln>
+                  <a:noFill/>
+                </a:ln>
+                <a:solidFill>
+                  <a:schemeClr val="tx2"/>
+                </a:solidFill>
+                <a:effectLst/>
+                <a:uLnTx/>
+                <a:uFillTx/>
+                <a:latin typeface="+mn-lt"/>
+                <a:ea typeface="+mn-ea"/>
+                <a:cs typeface="ＭＳ Ｐゴシック"/>
+              </a:rPr>
+              <a:t>Existing:</a:t>
+            </a:r>
+          </a:p>
+          <a:p>
+            <a:pPr marL="342900" marR="0" lvl="0" indent="-342900" algn="l" defTabSz="914400" rtl="0" eaLnBrk="0" fontAlgn="base" latinLnBrk="0" hangingPunct="0">
+              <a:lnSpc>
+                <a:spcPct val="100000"/>
+              </a:lnSpc>
+              <a:spcBef>
+                <a:spcPct val="20000"/>
+              </a:spcBef>
+              <a:spcAft>
+                <a:spcPct val="0"/>
+              </a:spcAft>
+              <a:buClr>
+                <a:srgbClr val="000080"/>
+              </a:buClr>
+              <a:buSzTx/>
+              <a:buFont typeface="Times"/>
+              <a:buNone/>
+              <a:tabLst/>
+              <a:defRPr/>
+            </a:pPr>
+            <a:r>
+              <a:rPr kumimoji="1" lang="en-US" sz="1800" b="0" i="0" u="none" strike="noStrike" kern="0" cap="none" spc="0" normalizeH="0" baseline="0" noProof="0" dirty="0" smtClean="0">
+                <a:ln>
+                  <a:noFill/>
+                </a:ln>
+                <a:solidFill>
+                  <a:schemeClr val="tx2"/>
+                </a:solidFill>
+                <a:effectLst/>
+                <a:uLnTx/>
+                <a:uFillTx/>
+                <a:latin typeface="+mn-lt"/>
+                <a:ea typeface="+mn-ea"/>
+                <a:cs typeface="ＭＳ Ｐゴシック"/>
+              </a:rPr>
+              <a:t>	CI team</a:t>
+            </a:r>
+          </a:p>
+          <a:p>
+            <a:pPr marL="342900" marR="0" lvl="0" indent="-342900" algn="l" defTabSz="914400" rtl="0" eaLnBrk="0" fontAlgn="base" latinLnBrk="0" hangingPunct="0">
+              <a:lnSpc>
+                <a:spcPct val="100000"/>
+              </a:lnSpc>
+              <a:spcBef>
+                <a:spcPct val="20000"/>
+              </a:spcBef>
+              <a:spcAft>
+                <a:spcPct val="0"/>
+              </a:spcAft>
+              <a:buClr>
+                <a:srgbClr val="000080"/>
+              </a:buClr>
+              <a:buSzTx/>
+              <a:buFont typeface="Times"/>
+              <a:buNone/>
+              <a:tabLst/>
+              <a:defRPr/>
+            </a:pPr>
+            <a:r>
+              <a:rPr kumimoji="1" lang="en-US" sz="1800" b="0" i="0" u="none" strike="noStrike" kern="0" cap="none" spc="0" normalizeH="0" baseline="0" noProof="0" dirty="0" smtClean="0">
+                <a:ln>
+                  <a:noFill/>
+                </a:ln>
+                <a:solidFill>
+                  <a:schemeClr val="tx2"/>
+                </a:solidFill>
+                <a:effectLst/>
+                <a:uLnTx/>
+                <a:uFillTx/>
+                <a:latin typeface="+mn-lt"/>
+                <a:ea typeface="+mn-ea"/>
+                <a:cs typeface="ＭＳ Ｐゴシック"/>
+              </a:rPr>
+              <a:t>	</a:t>
+            </a:r>
+            <a:r>
+              <a:rPr kumimoji="1" lang="en-US" sz="1800" b="0" i="0" u="none" strike="noStrike" kern="0" cap="none" spc="0" normalizeH="0" baseline="0" noProof="0" dirty="0" err="1" smtClean="0">
+                <a:ln>
+                  <a:noFill/>
+                </a:ln>
+                <a:solidFill>
+                  <a:schemeClr val="tx2"/>
+                </a:solidFill>
+                <a:effectLst/>
+                <a:uLnTx/>
+                <a:uFillTx/>
+                <a:latin typeface="+mn-lt"/>
+                <a:ea typeface="+mn-ea"/>
+                <a:cs typeface="ＭＳ Ｐゴシック"/>
+              </a:rPr>
+              <a:t>CorralWMS</a:t>
+            </a:r>
+            <a:r>
+              <a:rPr kumimoji="1" lang="en-US" sz="1800" b="0" i="0" u="none" strike="noStrike" kern="0" cap="none" spc="0" normalizeH="0" baseline="0" noProof="0" dirty="0" smtClean="0">
+                <a:ln>
+                  <a:noFill/>
+                </a:ln>
+                <a:solidFill>
+                  <a:schemeClr val="tx2"/>
+                </a:solidFill>
+                <a:effectLst/>
+                <a:uLnTx/>
+                <a:uFillTx/>
+                <a:latin typeface="+mn-lt"/>
+                <a:ea typeface="+mn-ea"/>
+                <a:cs typeface="ＭＳ Ｐゴシック"/>
+              </a:rPr>
+              <a:t>, </a:t>
+            </a:r>
+          </a:p>
+          <a:p>
+            <a:pPr marL="342900" marR="0" lvl="0" indent="-342900" algn="l" defTabSz="914400" rtl="0" eaLnBrk="0" fontAlgn="base" latinLnBrk="0" hangingPunct="0">
+              <a:lnSpc>
+                <a:spcPct val="100000"/>
+              </a:lnSpc>
+              <a:spcBef>
+                <a:spcPct val="20000"/>
+              </a:spcBef>
+              <a:spcAft>
+                <a:spcPct val="0"/>
+              </a:spcAft>
+              <a:buClr>
+                <a:srgbClr val="000080"/>
+              </a:buClr>
+              <a:buSzTx/>
+              <a:buFont typeface="Times"/>
+              <a:buNone/>
+              <a:tabLst/>
+              <a:defRPr/>
+            </a:pPr>
+            <a:r>
+              <a:rPr kumimoji="1" lang="en-US" sz="1800" b="0" i="0" u="none" strike="noStrike" kern="0" cap="none" spc="0" normalizeH="0" baseline="0" noProof="0" dirty="0" smtClean="0">
+                <a:ln>
+                  <a:noFill/>
+                </a:ln>
+                <a:solidFill>
+                  <a:schemeClr val="tx2"/>
+                </a:solidFill>
+                <a:effectLst/>
+                <a:uLnTx/>
+                <a:uFillTx/>
+                <a:latin typeface="+mn-lt"/>
+                <a:ea typeface="+mn-ea"/>
+                <a:cs typeface="ＭＳ Ｐゴシック"/>
+              </a:rPr>
+              <a:t>	</a:t>
+            </a:r>
+            <a:r>
+              <a:rPr kumimoji="1" lang="en-US" sz="1800" b="0" i="0" u="none" strike="noStrike" kern="0" cap="none" spc="0" normalizeH="0" baseline="0" noProof="0" dirty="0" err="1" smtClean="0">
+                <a:ln>
+                  <a:noFill/>
+                </a:ln>
+                <a:solidFill>
+                  <a:schemeClr val="tx2"/>
+                </a:solidFill>
+                <a:effectLst/>
+                <a:uLnTx/>
+                <a:uFillTx/>
+                <a:latin typeface="+mn-lt"/>
+                <a:ea typeface="+mn-ea"/>
+                <a:cs typeface="ＭＳ Ｐゴシック"/>
+              </a:rPr>
+              <a:t>ExTENCI</a:t>
+            </a:r>
+            <a:r>
+              <a:rPr kumimoji="1" lang="en-US" sz="1800" b="0" i="0" u="none" strike="noStrike" kern="0" cap="none" spc="0" normalizeH="0" baseline="0" noProof="0" dirty="0" smtClean="0">
+                <a:ln>
+                  <a:noFill/>
+                </a:ln>
+                <a:solidFill>
+                  <a:schemeClr val="tx2"/>
+                </a:solidFill>
+                <a:effectLst/>
+                <a:uLnTx/>
+                <a:uFillTx/>
+                <a:latin typeface="+mn-lt"/>
+                <a:ea typeface="+mn-ea"/>
+                <a:cs typeface="ＭＳ Ｐゴシック"/>
+              </a:rPr>
+              <a:t>, 	</a:t>
+            </a:r>
+          </a:p>
+          <a:p>
+            <a:pPr marL="342900" marR="0" lvl="0" indent="-342900" algn="l" defTabSz="914400" rtl="0" eaLnBrk="0" fontAlgn="base" latinLnBrk="0" hangingPunct="0">
+              <a:lnSpc>
+                <a:spcPct val="100000"/>
+              </a:lnSpc>
+              <a:spcBef>
+                <a:spcPct val="20000"/>
+              </a:spcBef>
+              <a:spcAft>
+                <a:spcPct val="0"/>
+              </a:spcAft>
+              <a:buClr>
+                <a:srgbClr val="000080"/>
+              </a:buClr>
+              <a:buSzTx/>
+              <a:buFont typeface="Times"/>
+              <a:buNone/>
+              <a:tabLst/>
+              <a:defRPr/>
+            </a:pPr>
+            <a:r>
+              <a:rPr kumimoji="1" lang="en-US" sz="1800" b="0" i="0" u="none" strike="noStrike" kern="0" cap="none" spc="0" normalizeH="0" baseline="0" noProof="0" dirty="0" smtClean="0">
+                <a:ln>
+                  <a:noFill/>
+                </a:ln>
+                <a:solidFill>
+                  <a:schemeClr val="tx2"/>
+                </a:solidFill>
+                <a:effectLst/>
+                <a:uLnTx/>
+                <a:uFillTx/>
+                <a:latin typeface="+mn-lt"/>
+                <a:ea typeface="+mn-ea"/>
+                <a:cs typeface="ＭＳ Ｐゴシック"/>
+              </a:rPr>
+              <a:t>	HTPC, </a:t>
+            </a:r>
+          </a:p>
+          <a:p>
+            <a:pPr marL="342900" marR="0" lvl="0" indent="-342900" algn="l" defTabSz="914400" rtl="0" eaLnBrk="0" fontAlgn="base" latinLnBrk="0" hangingPunct="0">
+              <a:lnSpc>
+                <a:spcPct val="100000"/>
+              </a:lnSpc>
+              <a:spcBef>
+                <a:spcPct val="20000"/>
+              </a:spcBef>
+              <a:spcAft>
+                <a:spcPct val="0"/>
+              </a:spcAft>
+              <a:buClr>
+                <a:srgbClr val="000080"/>
+              </a:buClr>
+              <a:buSzTx/>
+              <a:buFont typeface="Times"/>
+              <a:buNone/>
+              <a:tabLst/>
+              <a:defRPr/>
+            </a:pPr>
+            <a:r>
+              <a:rPr kumimoji="1" lang="en-US" sz="1800" b="0" i="0" u="none" strike="noStrike" kern="0" cap="none" spc="0" normalizeH="0" baseline="0" noProof="0" dirty="0" smtClean="0">
+                <a:ln>
+                  <a:noFill/>
+                </a:ln>
+                <a:solidFill>
+                  <a:schemeClr val="tx2"/>
+                </a:solidFill>
+                <a:effectLst/>
+                <a:uLnTx/>
+                <a:uFillTx/>
+                <a:latin typeface="+mn-lt"/>
+                <a:ea typeface="+mn-ea"/>
+                <a:cs typeface="ＭＳ Ｐゴシック"/>
+              </a:rPr>
+              <a:t>	ANI, </a:t>
+            </a:r>
+          </a:p>
+          <a:p>
+            <a:pPr marL="342900" marR="0" lvl="0" indent="-342900" algn="l" defTabSz="914400" rtl="0" eaLnBrk="0" fontAlgn="base" latinLnBrk="0" hangingPunct="0">
+              <a:lnSpc>
+                <a:spcPct val="100000"/>
+              </a:lnSpc>
+              <a:spcBef>
+                <a:spcPct val="20000"/>
+              </a:spcBef>
+              <a:spcAft>
+                <a:spcPct val="0"/>
+              </a:spcAft>
+              <a:buClr>
+                <a:srgbClr val="000080"/>
+              </a:buClr>
+              <a:buSzTx/>
+              <a:buFont typeface="Times"/>
+              <a:buNone/>
+              <a:tabLst/>
+              <a:defRPr/>
+            </a:pPr>
+            <a:r>
+              <a:rPr kumimoji="1" lang="en-US" sz="1800" b="0" i="0" u="none" strike="noStrike" kern="0" cap="none" spc="0" normalizeH="0" baseline="0" noProof="0" dirty="0" smtClean="0">
+                <a:ln>
+                  <a:noFill/>
+                </a:ln>
+                <a:solidFill>
+                  <a:schemeClr val="tx2"/>
+                </a:solidFill>
+                <a:effectLst/>
+                <a:uLnTx/>
+                <a:uFillTx/>
+                <a:latin typeface="+mn-lt"/>
+                <a:ea typeface="+mn-ea"/>
+                <a:cs typeface="ＭＳ Ｐゴシック"/>
+              </a:rPr>
+              <a:t>	LIGO		</a:t>
+            </a:r>
+          </a:p>
+          <a:p>
+            <a:pPr marL="342900" marR="0" lvl="0" indent="-342900" algn="l" defTabSz="914400" rtl="0" eaLnBrk="0" fontAlgn="base" latinLnBrk="0" hangingPunct="0">
+              <a:lnSpc>
+                <a:spcPct val="100000"/>
+              </a:lnSpc>
+              <a:spcBef>
+                <a:spcPct val="20000"/>
+              </a:spcBef>
+              <a:spcAft>
+                <a:spcPct val="0"/>
+              </a:spcAft>
+              <a:buClr>
+                <a:srgbClr val="000080"/>
+              </a:buClr>
+              <a:buSzTx/>
+              <a:buFont typeface="Times"/>
+              <a:buNone/>
+              <a:tabLst/>
+              <a:defRPr/>
+            </a:pPr>
+            <a:r>
+              <a:rPr kumimoji="1" lang="en-US" sz="1800" b="0" i="0" u="none" strike="noStrike" kern="0" cap="none" spc="0" normalizeH="0" baseline="0" noProof="0" dirty="0" smtClean="0">
+                <a:ln>
+                  <a:noFill/>
+                </a:ln>
+                <a:solidFill>
+                  <a:schemeClr val="tx2"/>
+                </a:solidFill>
+                <a:effectLst/>
+                <a:uLnTx/>
+                <a:uFillTx/>
+                <a:latin typeface="+mn-lt"/>
+                <a:ea typeface="+mn-ea"/>
+                <a:cs typeface="ＭＳ Ｐゴシック"/>
+              </a:rPr>
+              <a:t>	PIF, </a:t>
+            </a:r>
+          </a:p>
+          <a:p>
+            <a:pPr marL="342900" marR="0" lvl="0" indent="-342900" algn="l" defTabSz="914400" rtl="0" eaLnBrk="0" fontAlgn="base" latinLnBrk="0" hangingPunct="0">
+              <a:lnSpc>
+                <a:spcPct val="100000"/>
+              </a:lnSpc>
+              <a:spcBef>
+                <a:spcPct val="20000"/>
+              </a:spcBef>
+              <a:spcAft>
+                <a:spcPct val="0"/>
+              </a:spcAft>
+              <a:buClr>
+                <a:srgbClr val="000080"/>
+              </a:buClr>
+              <a:buSzTx/>
+              <a:buFont typeface="Times"/>
+              <a:buNone/>
+              <a:tabLst/>
+              <a:defRPr/>
+            </a:pPr>
+            <a:r>
+              <a:rPr kumimoji="1" lang="en-US" sz="1800" b="0" i="0" u="none" strike="noStrike" kern="0" cap="none" spc="0" normalizeH="0" baseline="0" noProof="0" dirty="0" smtClean="0">
+                <a:ln>
+                  <a:noFill/>
+                </a:ln>
+                <a:solidFill>
+                  <a:schemeClr val="tx2"/>
+                </a:solidFill>
+                <a:effectLst/>
+                <a:uLnTx/>
+                <a:uFillTx/>
+                <a:latin typeface="+mn-lt"/>
+                <a:ea typeface="+mn-ea"/>
+                <a:cs typeface="ＭＳ Ｐゴシック"/>
+              </a:rPr>
+              <a:t>	DISUN</a:t>
+            </a:r>
+          </a:p>
+          <a:p>
+            <a:pPr marL="342900" marR="0" lvl="0" indent="-342900" algn="l" defTabSz="914400" rtl="0" eaLnBrk="0" fontAlgn="base" latinLnBrk="0" hangingPunct="0">
+              <a:lnSpc>
+                <a:spcPct val="100000"/>
+              </a:lnSpc>
+              <a:spcBef>
+                <a:spcPct val="20000"/>
+              </a:spcBef>
+              <a:spcAft>
+                <a:spcPct val="0"/>
+              </a:spcAft>
+              <a:buClr>
+                <a:srgbClr val="000080"/>
+              </a:buClr>
+              <a:buSzTx/>
+              <a:buFont typeface="Times"/>
+              <a:buNone/>
+              <a:tabLst/>
+              <a:defRPr/>
+            </a:pPr>
+            <a:r>
+              <a:rPr kumimoji="1" lang="en-US" sz="1800" b="1" i="0" u="none" strike="noStrike" kern="0" cap="none" spc="0" normalizeH="0" baseline="0" noProof="0" dirty="0" smtClean="0">
+                <a:ln>
+                  <a:noFill/>
+                </a:ln>
+                <a:solidFill>
+                  <a:schemeClr val="tx2"/>
+                </a:solidFill>
+                <a:effectLst/>
+                <a:uLnTx/>
+                <a:uFillTx/>
+                <a:latin typeface="+mn-lt"/>
+                <a:ea typeface="+mn-ea"/>
+                <a:cs typeface="ＭＳ Ｐゴシック"/>
+              </a:rPr>
+              <a:t>Proposed</a:t>
+            </a:r>
+          </a:p>
+          <a:p>
+            <a:pPr marL="342900" marR="0" lvl="0" indent="-342900" algn="l" defTabSz="914400" rtl="0" eaLnBrk="0" fontAlgn="base" latinLnBrk="0" hangingPunct="0">
+              <a:lnSpc>
+                <a:spcPct val="100000"/>
+              </a:lnSpc>
+              <a:spcBef>
+                <a:spcPct val="20000"/>
+              </a:spcBef>
+              <a:spcAft>
+                <a:spcPct val="0"/>
+              </a:spcAft>
+              <a:buClr>
+                <a:srgbClr val="000080"/>
+              </a:buClr>
+              <a:buSzTx/>
+              <a:buFont typeface="Times"/>
+              <a:buNone/>
+              <a:tabLst/>
+              <a:defRPr/>
+            </a:pPr>
+            <a:r>
+              <a:rPr kumimoji="1" lang="en-US" sz="1800" b="0" i="0" u="none" strike="noStrike" kern="0" cap="none" spc="0" normalizeH="0" baseline="0" noProof="0" dirty="0" smtClean="0">
+                <a:ln>
+                  <a:noFill/>
+                </a:ln>
+                <a:solidFill>
+                  <a:schemeClr val="tx2"/>
+                </a:solidFill>
+                <a:effectLst/>
+                <a:uLnTx/>
+                <a:uFillTx/>
+                <a:latin typeface="+mn-lt"/>
+                <a:ea typeface="+mn-ea"/>
+                <a:cs typeface="ＭＳ Ｐゴシック"/>
+              </a:rPr>
+              <a:t>	Condor/ATLAS/CMS/LIGO (submitted)</a:t>
+            </a:r>
+          </a:p>
+          <a:p>
+            <a:pPr marL="342900" marR="0" lvl="0" indent="-342900" algn="l" defTabSz="914400" rtl="0" eaLnBrk="0" fontAlgn="base" latinLnBrk="0" hangingPunct="0">
+              <a:lnSpc>
+                <a:spcPct val="100000"/>
+              </a:lnSpc>
+              <a:spcBef>
+                <a:spcPct val="20000"/>
+              </a:spcBef>
+              <a:spcAft>
+                <a:spcPct val="0"/>
+              </a:spcAft>
+              <a:buClr>
+                <a:srgbClr val="000080"/>
+              </a:buClr>
+              <a:buSzTx/>
+              <a:buFont typeface="Times"/>
+              <a:buNone/>
+              <a:tabLst/>
+              <a:defRPr/>
+            </a:pPr>
+            <a:r>
+              <a:rPr kumimoji="1" lang="en-US" sz="1800" b="0" i="0" u="none" strike="noStrike" kern="0" cap="none" spc="0" normalizeH="0" baseline="0" noProof="0" dirty="0" smtClean="0">
+                <a:ln>
+                  <a:noFill/>
+                </a:ln>
+                <a:solidFill>
+                  <a:schemeClr val="tx2"/>
+                </a:solidFill>
+                <a:effectLst/>
+                <a:uLnTx/>
+                <a:uFillTx/>
+                <a:latin typeface="+mn-lt"/>
+                <a:ea typeface="+mn-ea"/>
+                <a:cs typeface="ＭＳ Ｐゴシック"/>
+              </a:rPr>
+              <a:t>	?</a:t>
+            </a:r>
+            <a:r>
+              <a:rPr kumimoji="1" lang="en-US" sz="1800" b="0" i="0" u="none" strike="noStrike" kern="0" cap="none" spc="0" normalizeH="0" baseline="0" noProof="0" dirty="0" err="1" smtClean="0">
+                <a:ln>
+                  <a:noFill/>
+                </a:ln>
+                <a:solidFill>
+                  <a:schemeClr val="tx2"/>
+                </a:solidFill>
+                <a:effectLst/>
+                <a:uLnTx/>
+                <a:uFillTx/>
+                <a:latin typeface="+mn-lt"/>
+                <a:ea typeface="+mn-ea"/>
+                <a:cs typeface="ＭＳ Ｐゴシック"/>
+              </a:rPr>
+              <a:t>Nano@UNL</a:t>
+            </a:r>
+            <a:r>
+              <a:rPr kumimoji="1" lang="en-US" sz="1800" b="0" i="0" u="none" strike="noStrike" kern="0" cap="none" spc="0" normalizeH="0" baseline="0" noProof="0" dirty="0" smtClean="0">
+                <a:ln>
+                  <a:noFill/>
+                </a:ln>
+                <a:solidFill>
+                  <a:schemeClr val="tx2"/>
+                </a:solidFill>
+                <a:effectLst/>
+                <a:uLnTx/>
+                <a:uFillTx/>
+                <a:latin typeface="+mn-lt"/>
+                <a:ea typeface="+mn-ea"/>
+                <a:cs typeface="ＭＳ Ｐゴシック"/>
+              </a:rPr>
+              <a:t> (submitted)	</a:t>
+            </a:r>
+          </a:p>
+          <a:p>
+            <a:pPr marL="342900" marR="0" lvl="0" indent="-342900" algn="l" defTabSz="914400" rtl="0" eaLnBrk="0" fontAlgn="base" latinLnBrk="0" hangingPunct="0">
+              <a:lnSpc>
+                <a:spcPct val="100000"/>
+              </a:lnSpc>
+              <a:spcBef>
+                <a:spcPct val="20000"/>
+              </a:spcBef>
+              <a:spcAft>
+                <a:spcPct val="0"/>
+              </a:spcAft>
+              <a:buClr>
+                <a:srgbClr val="000080"/>
+              </a:buClr>
+              <a:buSzTx/>
+              <a:buFont typeface="Times"/>
+              <a:buNone/>
+              <a:tabLst/>
+              <a:defRPr/>
+            </a:pPr>
+            <a:r>
+              <a:rPr kumimoji="1" lang="en-US" sz="1800" b="0" i="0" u="none" strike="noStrike" kern="0" cap="none" spc="0" normalizeH="0" baseline="0" noProof="0" dirty="0" smtClean="0">
+                <a:ln>
+                  <a:noFill/>
+                </a:ln>
+                <a:solidFill>
+                  <a:schemeClr val="tx2"/>
+                </a:solidFill>
+                <a:effectLst/>
+                <a:uLnTx/>
+                <a:uFillTx/>
+                <a:latin typeface="+mn-lt"/>
+                <a:ea typeface="+mn-ea"/>
+                <a:cs typeface="ＭＳ Ｐゴシック"/>
+              </a:rPr>
+              <a:t>	Education/AIM/Summer</a:t>
+            </a:r>
+            <a:r>
+              <a:rPr kumimoji="1" lang="en-US" sz="1800" b="0" i="0" u="none" strike="noStrike" kern="0" cap="none" spc="0" normalizeH="0" noProof="0" dirty="0" smtClean="0">
+                <a:ln>
+                  <a:noFill/>
+                </a:ln>
+                <a:solidFill>
+                  <a:schemeClr val="tx2"/>
+                </a:solidFill>
+                <a:effectLst/>
+                <a:uLnTx/>
+                <a:uFillTx/>
+                <a:latin typeface="+mn-lt"/>
+                <a:ea typeface="+mn-ea"/>
+                <a:cs typeface="ＭＳ Ｐゴシック"/>
+              </a:rPr>
+              <a:t> School</a:t>
+            </a:r>
+            <a:endParaRPr kumimoji="1" lang="en-US" sz="1800" b="0" i="0" u="none" strike="noStrike" kern="0" cap="none" spc="0" normalizeH="0" baseline="0" noProof="0" dirty="0" smtClean="0">
+              <a:ln>
+                <a:noFill/>
+              </a:ln>
+              <a:solidFill>
+                <a:schemeClr val="tx2"/>
+              </a:solidFill>
+              <a:effectLst/>
+              <a:uLnTx/>
+              <a:uFillTx/>
+              <a:latin typeface="+mn-lt"/>
+              <a:ea typeface="+mn-ea"/>
+              <a:cs typeface="ＭＳ Ｐゴシック"/>
+            </a:endParaRPr>
+          </a:p>
+          <a:p>
+            <a:pPr marL="342900" marR="0" lvl="0" indent="-342900" algn="l" defTabSz="914400" rtl="0" eaLnBrk="0" fontAlgn="base" latinLnBrk="0" hangingPunct="0">
+              <a:lnSpc>
+                <a:spcPct val="100000"/>
+              </a:lnSpc>
+              <a:spcBef>
+                <a:spcPct val="20000"/>
+              </a:spcBef>
+              <a:spcAft>
+                <a:spcPct val="0"/>
+              </a:spcAft>
+              <a:buClr>
+                <a:srgbClr val="000080"/>
+              </a:buClr>
+              <a:buSzTx/>
+              <a:buFont typeface="Times"/>
+              <a:buNone/>
+              <a:tabLst/>
+              <a:defRPr/>
+            </a:pPr>
+            <a:r>
+              <a:rPr kumimoji="1" lang="en-US" sz="1800" b="0" i="0" u="none" strike="noStrike" kern="0" cap="none" spc="0" normalizeH="0" baseline="0" noProof="0" dirty="0" smtClean="0">
+                <a:ln>
+                  <a:noFill/>
+                </a:ln>
+                <a:solidFill>
+                  <a:schemeClr val="tx2"/>
+                </a:solidFill>
+                <a:effectLst/>
+                <a:uLnTx/>
+                <a:uFillTx/>
+                <a:latin typeface="+mn-lt"/>
+                <a:ea typeface="+mn-ea"/>
+                <a:cs typeface="ＭＳ Ｐゴシック"/>
+              </a:rPr>
+              <a:t>	Integrated Networks</a:t>
+            </a:r>
+          </a:p>
+          <a:p>
+            <a:pPr marL="342900" marR="0" lvl="0" indent="-342900" algn="l" defTabSz="914400" rtl="0" eaLnBrk="0" fontAlgn="base" latinLnBrk="0" hangingPunct="0">
+              <a:lnSpc>
+                <a:spcPct val="100000"/>
+              </a:lnSpc>
+              <a:spcBef>
+                <a:spcPct val="20000"/>
+              </a:spcBef>
+              <a:spcAft>
+                <a:spcPct val="0"/>
+              </a:spcAft>
+              <a:buClr>
+                <a:srgbClr val="000080"/>
+              </a:buClr>
+              <a:buSzTx/>
+              <a:buFont typeface="Times"/>
+              <a:buNone/>
+              <a:tabLst/>
+              <a:defRPr/>
+            </a:pPr>
+            <a:r>
+              <a:rPr kumimoji="1" lang="en-US" sz="1800" b="0" i="0" u="none" strike="noStrike" kern="0" cap="none" spc="0" normalizeH="0" baseline="0" noProof="0" dirty="0" smtClean="0">
+                <a:ln>
+                  <a:noFill/>
+                </a:ln>
+                <a:solidFill>
+                  <a:schemeClr val="tx2"/>
+                </a:solidFill>
+                <a:effectLst/>
+                <a:uLnTx/>
+                <a:uFillTx/>
+                <a:latin typeface="+mn-lt"/>
+                <a:ea typeface="+mn-ea"/>
+                <a:cs typeface="ＭＳ Ｐゴシック"/>
+              </a:rPr>
+              <a:t>	</a:t>
+            </a:r>
+            <a:r>
+              <a:rPr kumimoji="1" lang="en-US" sz="1800" b="0" i="0" u="none" strike="noStrike" kern="0" cap="none" spc="0" normalizeH="0" baseline="0" noProof="0" dirty="0" err="1" smtClean="0">
+                <a:ln>
+                  <a:noFill/>
+                </a:ln>
+                <a:solidFill>
+                  <a:schemeClr val="tx2"/>
+                </a:solidFill>
+                <a:effectLst/>
+                <a:uLnTx/>
+                <a:uFillTx/>
+                <a:latin typeface="+mn-lt"/>
+                <a:ea typeface="+mn-ea"/>
+                <a:cs typeface="ＭＳ Ｐゴシック"/>
+              </a:rPr>
+              <a:t>SBGrid</a:t>
+            </a:r>
+            <a:endParaRPr kumimoji="1" lang="en-US" sz="1800" b="0" i="0" u="none" strike="noStrike" kern="0" cap="none" spc="0" normalizeH="0" baseline="0" noProof="0" dirty="0" smtClean="0">
+              <a:ln>
+                <a:noFill/>
+              </a:ln>
+              <a:solidFill>
+                <a:schemeClr val="tx2"/>
+              </a:solidFill>
+              <a:effectLst/>
+              <a:uLnTx/>
+              <a:uFillTx/>
+              <a:latin typeface="+mn-lt"/>
+              <a:ea typeface="+mn-ea"/>
+              <a:cs typeface="ＭＳ Ｐゴシック"/>
+            </a:endParaRPr>
+          </a:p>
+          <a:p>
+            <a:pPr marL="342900" lvl="0" indent="-342900" eaLnBrk="0" hangingPunct="0">
+              <a:spcBef>
+                <a:spcPct val="20000"/>
+              </a:spcBef>
+              <a:buClr>
+                <a:srgbClr val="000080"/>
+              </a:buClr>
+            </a:pPr>
+            <a:r>
+              <a:rPr kumimoji="1" lang="en-US" sz="1800" kern="0" dirty="0" smtClean="0">
+                <a:solidFill>
+                  <a:schemeClr val="tx2"/>
+                </a:solidFill>
+              </a:rPr>
+              <a:t>	ISGTW</a:t>
+            </a:r>
+            <a:endParaRPr kumimoji="1" lang="en-US" sz="1800" b="0" i="0" u="none" strike="noStrike" kern="0" cap="none" spc="0" normalizeH="0" baseline="0" noProof="0" dirty="0" smtClean="0">
+              <a:ln>
+                <a:noFill/>
+              </a:ln>
+              <a:solidFill>
+                <a:schemeClr val="tx2"/>
+              </a:solidFill>
+              <a:effectLst/>
+              <a:uLnTx/>
+              <a:uFillTx/>
+              <a:latin typeface="+mn-lt"/>
+              <a:ea typeface="+mn-ea"/>
+              <a:cs typeface="ＭＳ Ｐゴシック"/>
+            </a:endParaRPr>
+          </a:p>
+          <a:p>
+            <a:pPr marL="342900" marR="0" lvl="0" indent="-342900" algn="l" defTabSz="914400" rtl="0" eaLnBrk="0" fontAlgn="base" latinLnBrk="0" hangingPunct="0">
+              <a:lnSpc>
+                <a:spcPct val="100000"/>
+              </a:lnSpc>
+              <a:spcBef>
+                <a:spcPct val="20000"/>
+              </a:spcBef>
+              <a:spcAft>
+                <a:spcPct val="0"/>
+              </a:spcAft>
+              <a:buClr>
+                <a:srgbClr val="000080"/>
+              </a:buClr>
+              <a:buSzTx/>
+              <a:buFont typeface="Times"/>
+              <a:buNone/>
+              <a:tabLst/>
+              <a:defRPr/>
+            </a:pPr>
+            <a:r>
+              <a:rPr kumimoji="1" lang="en-US" sz="1800" b="0" i="0" u="none" strike="noStrike" kern="0" cap="none" spc="0" normalizeH="0" baseline="0" noProof="0" dirty="0" smtClean="0">
+                <a:ln>
+                  <a:noFill/>
+                </a:ln>
+                <a:solidFill>
+                  <a:schemeClr val="tx2"/>
+                </a:solidFill>
+                <a:effectLst/>
+                <a:uLnTx/>
+                <a:uFillTx/>
+                <a:latin typeface="+mn-lt"/>
+                <a:ea typeface="+mn-ea"/>
+                <a:cs typeface="ＭＳ Ｐゴシック"/>
+              </a:rPr>
+              <a:t>	LIGO PIF’</a:t>
+            </a:r>
+          </a:p>
+          <a:p>
+            <a:pPr marL="342900" marR="0" lvl="0" indent="-342900" algn="l" defTabSz="914400" rtl="0" eaLnBrk="0" fontAlgn="base" latinLnBrk="0" hangingPunct="0">
+              <a:lnSpc>
+                <a:spcPct val="100000"/>
+              </a:lnSpc>
+              <a:spcBef>
+                <a:spcPct val="20000"/>
+              </a:spcBef>
+              <a:spcAft>
+                <a:spcPct val="0"/>
+              </a:spcAft>
+              <a:buClr>
+                <a:srgbClr val="000080"/>
+              </a:buClr>
+              <a:buSzTx/>
+              <a:buFont typeface="Times"/>
+              <a:buNone/>
+              <a:tabLst/>
+              <a:defRPr/>
+            </a:pPr>
+            <a:r>
+              <a:rPr kumimoji="1" lang="en-US" sz="1800" b="0" i="0" u="none" strike="noStrike" kern="0" cap="none" spc="0" normalizeH="0" baseline="0" noProof="0" dirty="0" smtClean="0">
+                <a:ln>
+                  <a:noFill/>
+                </a:ln>
+                <a:solidFill>
+                  <a:schemeClr val="tx2"/>
+                </a:solidFill>
+                <a:effectLst/>
+                <a:uLnTx/>
+                <a:uFillTx/>
+                <a:latin typeface="+mn-lt"/>
+                <a:ea typeface="+mn-ea"/>
+                <a:cs typeface="ＭＳ Ｐゴシック"/>
+              </a:rPr>
+              <a:t>	DISUN’</a:t>
+            </a:r>
+          </a:p>
+          <a:p>
+            <a:pPr marL="342900" marR="0" lvl="0" indent="-342900" algn="l" defTabSz="914400" rtl="0" eaLnBrk="0" fontAlgn="base" latinLnBrk="0" hangingPunct="0">
+              <a:lnSpc>
+                <a:spcPct val="100000"/>
+              </a:lnSpc>
+              <a:spcBef>
+                <a:spcPct val="20000"/>
+              </a:spcBef>
+              <a:spcAft>
+                <a:spcPct val="0"/>
+              </a:spcAft>
+              <a:buClr>
+                <a:srgbClr val="000080"/>
+              </a:buClr>
+              <a:buSzTx/>
+              <a:buFont typeface="Times"/>
+              <a:buNone/>
+              <a:tabLst/>
+              <a:defRPr/>
+            </a:pPr>
+            <a:r>
+              <a:rPr kumimoji="1" lang="en-US" sz="1800" b="0" i="0" u="none" strike="noStrike" kern="0" cap="none" spc="0" normalizeH="0" baseline="0" noProof="0" dirty="0" smtClean="0">
+                <a:ln>
+                  <a:noFill/>
+                </a:ln>
+                <a:solidFill>
+                  <a:schemeClr val="tx2"/>
+                </a:solidFill>
+                <a:effectLst/>
+                <a:uLnTx/>
+                <a:uFillTx/>
+                <a:latin typeface="+mn-lt"/>
+                <a:ea typeface="+mn-ea"/>
+                <a:cs typeface="ＭＳ Ｐゴシック"/>
+              </a:rPr>
+              <a:t>	SE Regional Grid</a:t>
+            </a:r>
+          </a:p>
+          <a:p>
+            <a:pPr marL="342900" marR="0" lvl="0" indent="-342900" algn="l" defTabSz="914400" rtl="0" eaLnBrk="0" fontAlgn="base" latinLnBrk="0" hangingPunct="0">
+              <a:lnSpc>
+                <a:spcPct val="100000"/>
+              </a:lnSpc>
+              <a:spcBef>
+                <a:spcPct val="20000"/>
+              </a:spcBef>
+              <a:spcAft>
+                <a:spcPct val="0"/>
+              </a:spcAft>
+              <a:buClr>
+                <a:srgbClr val="000080"/>
+              </a:buClr>
+              <a:buSzTx/>
+              <a:buFont typeface="Times"/>
+              <a:buNone/>
+              <a:tabLst/>
+              <a:defRPr/>
+            </a:pPr>
+            <a:r>
+              <a:rPr kumimoji="1" lang="en-US" sz="1800" b="1" i="0" u="none" strike="noStrike" kern="0" cap="none" spc="0" normalizeH="0" baseline="0" noProof="0" dirty="0" smtClean="0">
+                <a:ln>
+                  <a:noFill/>
+                </a:ln>
+                <a:solidFill>
+                  <a:schemeClr val="tx2"/>
+                </a:solidFill>
+                <a:effectLst/>
+                <a:uLnTx/>
+                <a:uFillTx/>
+                <a:latin typeface="+mn-lt"/>
+                <a:ea typeface="+mn-ea"/>
+                <a:cs typeface="ＭＳ Ｐゴシック"/>
+              </a:rPr>
+              <a:t>Supplements</a:t>
+            </a:r>
+          </a:p>
+          <a:p>
+            <a:pPr marL="342900" marR="0" lvl="0" indent="-342900" algn="l" defTabSz="914400" rtl="0" eaLnBrk="0" fontAlgn="base" latinLnBrk="0" hangingPunct="0">
+              <a:lnSpc>
+                <a:spcPct val="100000"/>
+              </a:lnSpc>
+              <a:spcBef>
+                <a:spcPct val="20000"/>
+              </a:spcBef>
+              <a:spcAft>
+                <a:spcPct val="0"/>
+              </a:spcAft>
+              <a:buClr>
+                <a:srgbClr val="000080"/>
+              </a:buClr>
+              <a:buSzTx/>
+              <a:buFont typeface="Times"/>
+              <a:buNone/>
+              <a:tabLst/>
+              <a:defRPr/>
+            </a:pPr>
+            <a:r>
+              <a:rPr kumimoji="1" lang="en-US" sz="1800" b="0" i="0" u="none" strike="noStrike" kern="0" cap="none" spc="0" normalizeH="0" baseline="0" noProof="0" dirty="0" smtClean="0">
+                <a:ln>
+                  <a:noFill/>
+                </a:ln>
+                <a:solidFill>
+                  <a:schemeClr val="tx2"/>
+                </a:solidFill>
+                <a:effectLst/>
+                <a:uLnTx/>
+                <a:uFillTx/>
+                <a:latin typeface="+mn-lt"/>
+                <a:ea typeface="+mn-ea"/>
+                <a:cs typeface="ＭＳ Ｐゴシック"/>
+              </a:rPr>
+              <a:t>	Condor</a:t>
+            </a:r>
+          </a:p>
+          <a:p>
+            <a:pPr marL="342900" marR="0" lvl="0" indent="-342900" algn="l" defTabSz="914400" rtl="0" eaLnBrk="0" fontAlgn="base" latinLnBrk="0" hangingPunct="0">
+              <a:lnSpc>
+                <a:spcPct val="100000"/>
+              </a:lnSpc>
+              <a:spcBef>
+                <a:spcPct val="20000"/>
+              </a:spcBef>
+              <a:spcAft>
+                <a:spcPct val="0"/>
+              </a:spcAft>
+              <a:buClr>
+                <a:srgbClr val="000080"/>
+              </a:buClr>
+              <a:buSzTx/>
+              <a:buFont typeface="Times"/>
+              <a:buNone/>
+              <a:tabLst/>
+              <a:defRPr/>
+            </a:pPr>
+            <a:r>
+              <a:rPr kumimoji="1" lang="en-US" sz="1800" b="0" i="0" u="none" strike="noStrike" kern="0" cap="none" spc="0" normalizeH="0" baseline="0" noProof="0" dirty="0" smtClean="0">
+                <a:ln>
+                  <a:noFill/>
+                </a:ln>
+                <a:solidFill>
+                  <a:schemeClr val="tx2"/>
+                </a:solidFill>
+                <a:effectLst/>
+                <a:uLnTx/>
+                <a:uFillTx/>
+                <a:latin typeface="+mn-lt"/>
+                <a:ea typeface="+mn-ea"/>
+                <a:cs typeface="ＭＳ Ｐゴシック"/>
+              </a:rPr>
+              <a:t>	Build and Test</a:t>
+            </a:r>
+          </a:p>
+        </p:txBody>
+      </p:sp>
+      <p:sp>
+        <p:nvSpPr>
+          <p:cNvPr id="6" name="Content Placeholder 2"/>
+          <p:cNvSpPr txBox="1">
+            <a:spLocks/>
+          </p:cNvSpPr>
+          <p:nvPr/>
+        </p:nvSpPr>
+        <p:spPr bwMode="auto">
+          <a:xfrm>
+            <a:off x="495300" y="6145122"/>
+            <a:ext cx="4876800" cy="522378"/>
+          </a:xfrm>
+          <a:prstGeom prst="rect">
+            <a:avLst/>
+          </a:prstGeom>
+          <a:noFill/>
+          <a:ln w="9525">
+            <a:noFill/>
+            <a:miter lim="800000"/>
+            <a:headEnd/>
+            <a:tailEnd/>
+          </a:ln>
+        </p:spPr>
+        <p:txBody>
+          <a:bodyPr vert="horz" wrap="square" lIns="91440" tIns="45720" rIns="91440" bIns="45720" numCol="1" anchor="t" anchorCtr="0" compatLnSpc="1">
+            <a:prstTxWarp prst="textNoShape">
+              <a:avLst/>
+            </a:prstTxWarp>
+          </a:bodyPr>
+          <a:lstStyle/>
+          <a:p>
+            <a:pPr marL="342900" marR="0" lvl="0" indent="-342900" algn="l" defTabSz="914400" rtl="0" eaLnBrk="0" fontAlgn="base" latinLnBrk="0" hangingPunct="0">
+              <a:lnSpc>
+                <a:spcPct val="100000"/>
+              </a:lnSpc>
+              <a:spcBef>
+                <a:spcPct val="20000"/>
+              </a:spcBef>
+              <a:spcAft>
+                <a:spcPct val="0"/>
+              </a:spcAft>
+              <a:buClr>
+                <a:srgbClr val="000080"/>
+              </a:buClr>
+              <a:buSzTx/>
+              <a:buFont typeface="Times"/>
+              <a:buNone/>
+              <a:tabLst/>
+              <a:defRPr/>
+            </a:pPr>
+            <a:r>
+              <a:rPr kumimoji="1" lang="en-US" sz="1600" b="0" i="0" u="none" strike="noStrike" kern="0" cap="none" spc="0" normalizeH="0" baseline="0" noProof="0" dirty="0" smtClean="0">
+                <a:ln>
+                  <a:noFill/>
+                </a:ln>
+                <a:solidFill>
+                  <a:schemeClr val="tx2"/>
+                </a:solidFill>
+                <a:effectLst/>
+                <a:uLnTx/>
+                <a:uFillTx/>
+                <a:latin typeface="+mn-lt"/>
+                <a:ea typeface="+mn-ea"/>
+                <a:cs typeface="ＭＳ Ｐゴシック"/>
+              </a:rPr>
+              <a:t>Overhead to the Cross-organizational staff effort (at Council or Project layer) &lt;~1 month/Satellite.</a:t>
+            </a:r>
           </a:p>
         </p:txBody>
       </p:sp>
@@ -5799,46 +6826,21 @@
             <p:ph type="title"/>
           </p:nvPr>
         </p:nvSpPr>
-        <p:spPr/>
+        <p:spPr>
+          <a:xfrm>
+            <a:off x="765751" y="2641600"/>
+            <a:ext cx="7657613" cy="560345"/>
+          </a:xfrm>
+        </p:spPr>
         <p:txBody>
           <a:bodyPr/>
           <a:lstStyle/>
           <a:p>
             <a:r>
               <a:rPr lang="en-US" dirty="0" smtClean="0"/>
-              <a:t>Satellites</a:t>
+              <a:t>From Aug 2009 &amp; Mar 2010</a:t>
             </a:r>
             <a:endParaRPr lang="en-US" dirty="0"/>
-          </a:p>
-        </p:txBody>
-      </p:sp>
-      <p:sp>
-        <p:nvSpPr>
-          <p:cNvPr id="3" name="Content Placeholder 2"/>
-          <p:cNvSpPr>
-            <a:spLocks noGrp="1"/>
-          </p:cNvSpPr>
-          <p:nvPr>
-            <p:ph idx="1"/>
-          </p:nvPr>
-        </p:nvSpPr>
-        <p:spPr>
-          <a:xfrm>
-            <a:off x="571500" y="722222"/>
-            <a:ext cx="8369300" cy="649378"/>
-          </a:xfrm>
-        </p:spPr>
-        <p:txBody>
-          <a:bodyPr numCol="1"/>
-          <a:lstStyle/>
-          <a:p>
-            <a:pPr>
-              <a:buNone/>
-            </a:pPr>
-            <a:r>
-              <a:rPr lang="en-US" sz="2000" dirty="0" smtClean="0"/>
-              <a:t>Contributing specific services and deliverables to the mission of the OSG Consortium. </a:t>
-            </a:r>
           </a:p>
         </p:txBody>
       </p:sp>
@@ -5868,1104 +6870,6 @@
               <a:t>19</a:t>
             </a:fld>
             <a:endParaRPr lang="en-US" dirty="0"/>
-          </a:p>
-        </p:txBody>
-      </p:sp>
-      <p:sp>
-        <p:nvSpPr>
-          <p:cNvPr id="5" name="Content Placeholder 2"/>
-          <p:cNvSpPr txBox="1">
-            <a:spLocks/>
-          </p:cNvSpPr>
-          <p:nvPr/>
-        </p:nvSpPr>
-        <p:spPr bwMode="auto">
-          <a:xfrm>
-            <a:off x="495300" y="1585822"/>
-            <a:ext cx="8369300" cy="3075078"/>
-          </a:xfrm>
-          <a:prstGeom prst="rect">
-            <a:avLst/>
-          </a:prstGeom>
-          <a:noFill/>
-          <a:ln w="9525">
-            <a:noFill/>
-            <a:miter lim="800000"/>
-            <a:headEnd/>
-            <a:tailEnd/>
-          </a:ln>
-        </p:spPr>
-        <p:txBody>
-          <a:bodyPr vert="horz" wrap="square" lIns="91440" tIns="45720" rIns="91440" bIns="45720" numCol="2" anchor="t" anchorCtr="0" compatLnSpc="1">
-            <a:prstTxWarp prst="textNoShape">
-              <a:avLst/>
-            </a:prstTxWarp>
-          </a:bodyPr>
-          <a:lstStyle/>
-          <a:p>
-            <a:pPr marL="342900" marR="0" lvl="0" indent="-342900" algn="l" defTabSz="914400" rtl="0" eaLnBrk="0" fontAlgn="base" latinLnBrk="0" hangingPunct="0">
-              <a:lnSpc>
-                <a:spcPct val="100000"/>
-              </a:lnSpc>
-              <a:spcBef>
-                <a:spcPct val="20000"/>
-              </a:spcBef>
-              <a:spcAft>
-                <a:spcPct val="0"/>
-              </a:spcAft>
-              <a:buClr>
-                <a:srgbClr val="000080"/>
-              </a:buClr>
-              <a:buSzTx/>
-              <a:buFont typeface="Times"/>
-              <a:buNone/>
-              <a:tabLst/>
-              <a:defRPr/>
-            </a:pPr>
-            <a:r>
-              <a:rPr kumimoji="1" lang="en-US" sz="1800" b="1" i="0" u="none" strike="noStrike" kern="0" cap="none" spc="0" normalizeH="0" baseline="0" noProof="0" dirty="0" smtClean="0">
-                <a:ln>
-                  <a:noFill/>
-                </a:ln>
-                <a:solidFill>
-                  <a:schemeClr val="tx2"/>
-                </a:solidFill>
-                <a:effectLst/>
-                <a:uLnTx/>
-                <a:uFillTx/>
-                <a:latin typeface="+mn-lt"/>
-                <a:ea typeface="+mn-ea"/>
-                <a:cs typeface="ＭＳ Ｐゴシック"/>
-              </a:rPr>
-              <a:t>Existing:</a:t>
-            </a:r>
-          </a:p>
-          <a:p>
-            <a:pPr marL="342900" marR="0" lvl="0" indent="-342900" algn="l" defTabSz="914400" rtl="0" eaLnBrk="0" fontAlgn="base" latinLnBrk="0" hangingPunct="0">
-              <a:lnSpc>
-                <a:spcPct val="100000"/>
-              </a:lnSpc>
-              <a:spcBef>
-                <a:spcPct val="20000"/>
-              </a:spcBef>
-              <a:spcAft>
-                <a:spcPct val="0"/>
-              </a:spcAft>
-              <a:buClr>
-                <a:srgbClr val="000080"/>
-              </a:buClr>
-              <a:buSzTx/>
-              <a:buFont typeface="Times"/>
-              <a:buNone/>
-              <a:tabLst/>
-              <a:defRPr/>
-            </a:pPr>
-            <a:r>
-              <a:rPr kumimoji="1" lang="en-US" sz="1800" b="0" i="0" u="none" strike="noStrike" kern="0" cap="none" spc="0" normalizeH="0" baseline="0" noProof="0" dirty="0" smtClean="0">
-                <a:ln>
-                  <a:noFill/>
-                </a:ln>
-                <a:solidFill>
-                  <a:schemeClr val="tx2"/>
-                </a:solidFill>
-                <a:effectLst/>
-                <a:uLnTx/>
-                <a:uFillTx/>
-                <a:latin typeface="+mn-lt"/>
-                <a:ea typeface="+mn-ea"/>
-                <a:cs typeface="ＭＳ Ｐゴシック"/>
-              </a:rPr>
-              <a:t>	CI team</a:t>
-            </a:r>
-          </a:p>
-          <a:p>
-            <a:pPr marL="342900" marR="0" lvl="0" indent="-342900" algn="l" defTabSz="914400" rtl="0" eaLnBrk="0" fontAlgn="base" latinLnBrk="0" hangingPunct="0">
-              <a:lnSpc>
-                <a:spcPct val="100000"/>
-              </a:lnSpc>
-              <a:spcBef>
-                <a:spcPct val="20000"/>
-              </a:spcBef>
-              <a:spcAft>
-                <a:spcPct val="0"/>
-              </a:spcAft>
-              <a:buClr>
-                <a:srgbClr val="000080"/>
-              </a:buClr>
-              <a:buSzTx/>
-              <a:buFont typeface="Times"/>
-              <a:buNone/>
-              <a:tabLst/>
-              <a:defRPr/>
-            </a:pPr>
-            <a:r>
-              <a:rPr kumimoji="1" lang="en-US" sz="1800" b="0" i="0" u="none" strike="noStrike" kern="0" cap="none" spc="0" normalizeH="0" baseline="0" noProof="0" dirty="0" smtClean="0">
-                <a:ln>
-                  <a:noFill/>
-                </a:ln>
-                <a:solidFill>
-                  <a:schemeClr val="tx2"/>
-                </a:solidFill>
-                <a:effectLst/>
-                <a:uLnTx/>
-                <a:uFillTx/>
-                <a:latin typeface="+mn-lt"/>
-                <a:ea typeface="+mn-ea"/>
-                <a:cs typeface="ＭＳ Ｐゴシック"/>
-              </a:rPr>
-              <a:t>	</a:t>
-            </a:r>
-            <a:r>
-              <a:rPr kumimoji="1" lang="en-US" sz="1800" b="0" i="0" u="none" strike="noStrike" kern="0" cap="none" spc="0" normalizeH="0" baseline="0" noProof="0" dirty="0" err="1" smtClean="0">
-                <a:ln>
-                  <a:noFill/>
-                </a:ln>
-                <a:solidFill>
-                  <a:schemeClr val="tx2"/>
-                </a:solidFill>
-                <a:effectLst/>
-                <a:uLnTx/>
-                <a:uFillTx/>
-                <a:latin typeface="+mn-lt"/>
-                <a:ea typeface="+mn-ea"/>
-                <a:cs typeface="ＭＳ Ｐゴシック"/>
-              </a:rPr>
-              <a:t>CorralWMS</a:t>
-            </a:r>
-            <a:r>
-              <a:rPr kumimoji="1" lang="en-US" sz="1800" b="0" i="0" u="none" strike="noStrike" kern="0" cap="none" spc="0" normalizeH="0" baseline="0" noProof="0" dirty="0" smtClean="0">
-                <a:ln>
-                  <a:noFill/>
-                </a:ln>
-                <a:solidFill>
-                  <a:schemeClr val="tx2"/>
-                </a:solidFill>
-                <a:effectLst/>
-                <a:uLnTx/>
-                <a:uFillTx/>
-                <a:latin typeface="+mn-lt"/>
-                <a:ea typeface="+mn-ea"/>
-                <a:cs typeface="ＭＳ Ｐゴシック"/>
-              </a:rPr>
-              <a:t>, </a:t>
-            </a:r>
-          </a:p>
-          <a:p>
-            <a:pPr marL="342900" marR="0" lvl="0" indent="-342900" algn="l" defTabSz="914400" rtl="0" eaLnBrk="0" fontAlgn="base" latinLnBrk="0" hangingPunct="0">
-              <a:lnSpc>
-                <a:spcPct val="100000"/>
-              </a:lnSpc>
-              <a:spcBef>
-                <a:spcPct val="20000"/>
-              </a:spcBef>
-              <a:spcAft>
-                <a:spcPct val="0"/>
-              </a:spcAft>
-              <a:buClr>
-                <a:srgbClr val="000080"/>
-              </a:buClr>
-              <a:buSzTx/>
-              <a:buFont typeface="Times"/>
-              <a:buNone/>
-              <a:tabLst/>
-              <a:defRPr/>
-            </a:pPr>
-            <a:r>
-              <a:rPr kumimoji="1" lang="en-US" sz="1800" b="0" i="0" u="none" strike="noStrike" kern="0" cap="none" spc="0" normalizeH="0" baseline="0" noProof="0" dirty="0" smtClean="0">
-                <a:ln>
-                  <a:noFill/>
-                </a:ln>
-                <a:solidFill>
-                  <a:schemeClr val="tx2"/>
-                </a:solidFill>
-                <a:effectLst/>
-                <a:uLnTx/>
-                <a:uFillTx/>
-                <a:latin typeface="+mn-lt"/>
-                <a:ea typeface="+mn-ea"/>
-                <a:cs typeface="ＭＳ Ｐゴシック"/>
-              </a:rPr>
-              <a:t>	</a:t>
-            </a:r>
-            <a:r>
-              <a:rPr kumimoji="1" lang="en-US" sz="1800" b="0" i="0" u="none" strike="noStrike" kern="0" cap="none" spc="0" normalizeH="0" baseline="0" noProof="0" dirty="0" err="1" smtClean="0">
-                <a:ln>
-                  <a:noFill/>
-                </a:ln>
-                <a:solidFill>
-                  <a:schemeClr val="tx2"/>
-                </a:solidFill>
-                <a:effectLst/>
-                <a:uLnTx/>
-                <a:uFillTx/>
-                <a:latin typeface="+mn-lt"/>
-                <a:ea typeface="+mn-ea"/>
-                <a:cs typeface="ＭＳ Ｐゴシック"/>
-              </a:rPr>
-              <a:t>ExTENCI</a:t>
-            </a:r>
-            <a:r>
-              <a:rPr kumimoji="1" lang="en-US" sz="1800" b="0" i="0" u="none" strike="noStrike" kern="0" cap="none" spc="0" normalizeH="0" baseline="0" noProof="0" dirty="0" smtClean="0">
-                <a:ln>
-                  <a:noFill/>
-                </a:ln>
-                <a:solidFill>
-                  <a:schemeClr val="tx2"/>
-                </a:solidFill>
-                <a:effectLst/>
-                <a:uLnTx/>
-                <a:uFillTx/>
-                <a:latin typeface="+mn-lt"/>
-                <a:ea typeface="+mn-ea"/>
-                <a:cs typeface="ＭＳ Ｐゴシック"/>
-              </a:rPr>
-              <a:t>, 	</a:t>
-            </a:r>
-          </a:p>
-          <a:p>
-            <a:pPr marL="342900" marR="0" lvl="0" indent="-342900" algn="l" defTabSz="914400" rtl="0" eaLnBrk="0" fontAlgn="base" latinLnBrk="0" hangingPunct="0">
-              <a:lnSpc>
-                <a:spcPct val="100000"/>
-              </a:lnSpc>
-              <a:spcBef>
-                <a:spcPct val="20000"/>
-              </a:spcBef>
-              <a:spcAft>
-                <a:spcPct val="0"/>
-              </a:spcAft>
-              <a:buClr>
-                <a:srgbClr val="000080"/>
-              </a:buClr>
-              <a:buSzTx/>
-              <a:buFont typeface="Times"/>
-              <a:buNone/>
-              <a:tabLst/>
-              <a:defRPr/>
-            </a:pPr>
-            <a:r>
-              <a:rPr kumimoji="1" lang="en-US" sz="1800" b="0" i="0" u="none" strike="noStrike" kern="0" cap="none" spc="0" normalizeH="0" baseline="0" noProof="0" dirty="0" smtClean="0">
-                <a:ln>
-                  <a:noFill/>
-                </a:ln>
-                <a:solidFill>
-                  <a:schemeClr val="tx2"/>
-                </a:solidFill>
-                <a:effectLst/>
-                <a:uLnTx/>
-                <a:uFillTx/>
-                <a:latin typeface="+mn-lt"/>
-                <a:ea typeface="+mn-ea"/>
-                <a:cs typeface="ＭＳ Ｐゴシック"/>
-              </a:rPr>
-              <a:t>	HTPC, </a:t>
-            </a:r>
-          </a:p>
-          <a:p>
-            <a:pPr marL="342900" marR="0" lvl="0" indent="-342900" algn="l" defTabSz="914400" rtl="0" eaLnBrk="0" fontAlgn="base" latinLnBrk="0" hangingPunct="0">
-              <a:lnSpc>
-                <a:spcPct val="100000"/>
-              </a:lnSpc>
-              <a:spcBef>
-                <a:spcPct val="20000"/>
-              </a:spcBef>
-              <a:spcAft>
-                <a:spcPct val="0"/>
-              </a:spcAft>
-              <a:buClr>
-                <a:srgbClr val="000080"/>
-              </a:buClr>
-              <a:buSzTx/>
-              <a:buFont typeface="Times"/>
-              <a:buNone/>
-              <a:tabLst/>
-              <a:defRPr/>
-            </a:pPr>
-            <a:r>
-              <a:rPr kumimoji="1" lang="en-US" sz="1800" b="0" i="0" u="none" strike="noStrike" kern="0" cap="none" spc="0" normalizeH="0" baseline="0" noProof="0" dirty="0" smtClean="0">
-                <a:ln>
-                  <a:noFill/>
-                </a:ln>
-                <a:solidFill>
-                  <a:schemeClr val="tx2"/>
-                </a:solidFill>
-                <a:effectLst/>
-                <a:uLnTx/>
-                <a:uFillTx/>
-                <a:latin typeface="+mn-lt"/>
-                <a:ea typeface="+mn-ea"/>
-                <a:cs typeface="ＭＳ Ｐゴシック"/>
-              </a:rPr>
-              <a:t>	ANI, </a:t>
-            </a:r>
-          </a:p>
-          <a:p>
-            <a:pPr marL="342900" marR="0" lvl="0" indent="-342900" algn="l" defTabSz="914400" rtl="0" eaLnBrk="0" fontAlgn="base" latinLnBrk="0" hangingPunct="0">
-              <a:lnSpc>
-                <a:spcPct val="100000"/>
-              </a:lnSpc>
-              <a:spcBef>
-                <a:spcPct val="20000"/>
-              </a:spcBef>
-              <a:spcAft>
-                <a:spcPct val="0"/>
-              </a:spcAft>
-              <a:buClr>
-                <a:srgbClr val="000080"/>
-              </a:buClr>
-              <a:buSzTx/>
-              <a:buFont typeface="Times"/>
-              <a:buNone/>
-              <a:tabLst/>
-              <a:defRPr/>
-            </a:pPr>
-            <a:r>
-              <a:rPr kumimoji="1" lang="en-US" sz="1800" b="0" i="0" u="none" strike="noStrike" kern="0" cap="none" spc="0" normalizeH="0" baseline="0" noProof="0" dirty="0" smtClean="0">
-                <a:ln>
-                  <a:noFill/>
-                </a:ln>
-                <a:solidFill>
-                  <a:schemeClr val="tx2"/>
-                </a:solidFill>
-                <a:effectLst/>
-                <a:uLnTx/>
-                <a:uFillTx/>
-                <a:latin typeface="+mn-lt"/>
-                <a:ea typeface="+mn-ea"/>
-                <a:cs typeface="ＭＳ Ｐゴシック"/>
-              </a:rPr>
-              <a:t>	LIGO		</a:t>
-            </a:r>
-          </a:p>
-          <a:p>
-            <a:pPr marL="342900" marR="0" lvl="0" indent="-342900" algn="l" defTabSz="914400" rtl="0" eaLnBrk="0" fontAlgn="base" latinLnBrk="0" hangingPunct="0">
-              <a:lnSpc>
-                <a:spcPct val="100000"/>
-              </a:lnSpc>
-              <a:spcBef>
-                <a:spcPct val="20000"/>
-              </a:spcBef>
-              <a:spcAft>
-                <a:spcPct val="0"/>
-              </a:spcAft>
-              <a:buClr>
-                <a:srgbClr val="000080"/>
-              </a:buClr>
-              <a:buSzTx/>
-              <a:buFont typeface="Times"/>
-              <a:buNone/>
-              <a:tabLst/>
-              <a:defRPr/>
-            </a:pPr>
-            <a:r>
-              <a:rPr kumimoji="1" lang="en-US" sz="1800" b="0" i="0" u="none" strike="noStrike" kern="0" cap="none" spc="0" normalizeH="0" baseline="0" noProof="0" dirty="0" smtClean="0">
-                <a:ln>
-                  <a:noFill/>
-                </a:ln>
-                <a:solidFill>
-                  <a:schemeClr val="tx2"/>
-                </a:solidFill>
-                <a:effectLst/>
-                <a:uLnTx/>
-                <a:uFillTx/>
-                <a:latin typeface="+mn-lt"/>
-                <a:ea typeface="+mn-ea"/>
-                <a:cs typeface="ＭＳ Ｐゴシック"/>
-              </a:rPr>
-              <a:t>	PIF, </a:t>
-            </a:r>
-          </a:p>
-          <a:p>
-            <a:pPr marL="342900" marR="0" lvl="0" indent="-342900" algn="l" defTabSz="914400" rtl="0" eaLnBrk="0" fontAlgn="base" latinLnBrk="0" hangingPunct="0">
-              <a:lnSpc>
-                <a:spcPct val="100000"/>
-              </a:lnSpc>
-              <a:spcBef>
-                <a:spcPct val="20000"/>
-              </a:spcBef>
-              <a:spcAft>
-                <a:spcPct val="0"/>
-              </a:spcAft>
-              <a:buClr>
-                <a:srgbClr val="000080"/>
-              </a:buClr>
-              <a:buSzTx/>
-              <a:buFont typeface="Times"/>
-              <a:buNone/>
-              <a:tabLst/>
-              <a:defRPr/>
-            </a:pPr>
-            <a:r>
-              <a:rPr kumimoji="1" lang="en-US" sz="1800" b="0" i="0" u="none" strike="noStrike" kern="0" cap="none" spc="0" normalizeH="0" baseline="0" noProof="0" dirty="0" smtClean="0">
-                <a:ln>
-                  <a:noFill/>
-                </a:ln>
-                <a:solidFill>
-                  <a:schemeClr val="tx2"/>
-                </a:solidFill>
-                <a:effectLst/>
-                <a:uLnTx/>
-                <a:uFillTx/>
-                <a:latin typeface="+mn-lt"/>
-                <a:ea typeface="+mn-ea"/>
-                <a:cs typeface="ＭＳ Ｐゴシック"/>
-              </a:rPr>
-              <a:t>	DISUN</a:t>
-            </a:r>
-          </a:p>
-          <a:p>
-            <a:pPr marL="342900" marR="0" lvl="0" indent="-342900" algn="l" defTabSz="914400" rtl="0" eaLnBrk="0" fontAlgn="base" latinLnBrk="0" hangingPunct="0">
-              <a:lnSpc>
-                <a:spcPct val="100000"/>
-              </a:lnSpc>
-              <a:spcBef>
-                <a:spcPct val="20000"/>
-              </a:spcBef>
-              <a:spcAft>
-                <a:spcPct val="0"/>
-              </a:spcAft>
-              <a:buClr>
-                <a:srgbClr val="000080"/>
-              </a:buClr>
-              <a:buSzTx/>
-              <a:buFont typeface="Times"/>
-              <a:buNone/>
-              <a:tabLst/>
-              <a:defRPr/>
-            </a:pPr>
-            <a:r>
-              <a:rPr kumimoji="1" lang="en-US" sz="1800" b="1" i="0" u="none" strike="noStrike" kern="0" cap="none" spc="0" normalizeH="0" baseline="0" noProof="0" dirty="0" smtClean="0">
-                <a:ln>
-                  <a:noFill/>
-                </a:ln>
-                <a:solidFill>
-                  <a:schemeClr val="tx2"/>
-                </a:solidFill>
-                <a:effectLst/>
-                <a:uLnTx/>
-                <a:uFillTx/>
-                <a:latin typeface="+mn-lt"/>
-                <a:ea typeface="+mn-ea"/>
-                <a:cs typeface="ＭＳ Ｐゴシック"/>
-              </a:rPr>
-              <a:t>Proposed</a:t>
-            </a:r>
-          </a:p>
-          <a:p>
-            <a:pPr marL="342900" marR="0" lvl="0" indent="-342900" algn="l" defTabSz="914400" rtl="0" eaLnBrk="0" fontAlgn="base" latinLnBrk="0" hangingPunct="0">
-              <a:lnSpc>
-                <a:spcPct val="100000"/>
-              </a:lnSpc>
-              <a:spcBef>
-                <a:spcPct val="20000"/>
-              </a:spcBef>
-              <a:spcAft>
-                <a:spcPct val="0"/>
-              </a:spcAft>
-              <a:buClr>
-                <a:srgbClr val="000080"/>
-              </a:buClr>
-              <a:buSzTx/>
-              <a:buFont typeface="Times"/>
-              <a:buNone/>
-              <a:tabLst/>
-              <a:defRPr/>
-            </a:pPr>
-            <a:r>
-              <a:rPr kumimoji="1" lang="en-US" sz="1800" b="0" i="0" u="none" strike="noStrike" kern="0" cap="none" spc="0" normalizeH="0" baseline="0" noProof="0" dirty="0" smtClean="0">
-                <a:ln>
-                  <a:noFill/>
-                </a:ln>
-                <a:solidFill>
-                  <a:schemeClr val="tx2"/>
-                </a:solidFill>
-                <a:effectLst/>
-                <a:uLnTx/>
-                <a:uFillTx/>
-                <a:latin typeface="+mn-lt"/>
-                <a:ea typeface="+mn-ea"/>
-                <a:cs typeface="ＭＳ Ｐゴシック"/>
-              </a:rPr>
-              <a:t>	Condor/ATLAS/CMS/LIGO (submitted)</a:t>
-            </a:r>
-          </a:p>
-          <a:p>
-            <a:pPr marL="342900" marR="0" lvl="0" indent="-342900" algn="l" defTabSz="914400" rtl="0" eaLnBrk="0" fontAlgn="base" latinLnBrk="0" hangingPunct="0">
-              <a:lnSpc>
-                <a:spcPct val="100000"/>
-              </a:lnSpc>
-              <a:spcBef>
-                <a:spcPct val="20000"/>
-              </a:spcBef>
-              <a:spcAft>
-                <a:spcPct val="0"/>
-              </a:spcAft>
-              <a:buClr>
-                <a:srgbClr val="000080"/>
-              </a:buClr>
-              <a:buSzTx/>
-              <a:buFont typeface="Times"/>
-              <a:buNone/>
-              <a:tabLst/>
-              <a:defRPr/>
-            </a:pPr>
-            <a:r>
-              <a:rPr kumimoji="1" lang="en-US" sz="1800" b="0" i="0" u="none" strike="noStrike" kern="0" cap="none" spc="0" normalizeH="0" baseline="0" noProof="0" dirty="0" smtClean="0">
-                <a:ln>
-                  <a:noFill/>
-                </a:ln>
-                <a:solidFill>
-                  <a:schemeClr val="tx2"/>
-                </a:solidFill>
-                <a:effectLst/>
-                <a:uLnTx/>
-                <a:uFillTx/>
-                <a:latin typeface="+mn-lt"/>
-                <a:ea typeface="+mn-ea"/>
-                <a:cs typeface="ＭＳ Ｐゴシック"/>
-              </a:rPr>
-              <a:t>	?</a:t>
-            </a:r>
-            <a:r>
-              <a:rPr kumimoji="1" lang="en-US" sz="1800" b="0" i="0" u="none" strike="noStrike" kern="0" cap="none" spc="0" normalizeH="0" baseline="0" noProof="0" dirty="0" err="1" smtClean="0">
-                <a:ln>
-                  <a:noFill/>
-                </a:ln>
-                <a:solidFill>
-                  <a:schemeClr val="tx2"/>
-                </a:solidFill>
-                <a:effectLst/>
-                <a:uLnTx/>
-                <a:uFillTx/>
-                <a:latin typeface="+mn-lt"/>
-                <a:ea typeface="+mn-ea"/>
-                <a:cs typeface="ＭＳ Ｐゴシック"/>
-              </a:rPr>
-              <a:t>Nano@UNL</a:t>
-            </a:r>
-            <a:r>
-              <a:rPr kumimoji="1" lang="en-US" sz="1800" b="0" i="0" u="none" strike="noStrike" kern="0" cap="none" spc="0" normalizeH="0" baseline="0" noProof="0" dirty="0" smtClean="0">
-                <a:ln>
-                  <a:noFill/>
-                </a:ln>
-                <a:solidFill>
-                  <a:schemeClr val="tx2"/>
-                </a:solidFill>
-                <a:effectLst/>
-                <a:uLnTx/>
-                <a:uFillTx/>
-                <a:latin typeface="+mn-lt"/>
-                <a:ea typeface="+mn-ea"/>
-                <a:cs typeface="ＭＳ Ｐゴシック"/>
-              </a:rPr>
-              <a:t> (submitted)	</a:t>
-            </a:r>
-          </a:p>
-          <a:p>
-            <a:pPr marL="342900" marR="0" lvl="0" indent="-342900" algn="l" defTabSz="914400" rtl="0" eaLnBrk="0" fontAlgn="base" latinLnBrk="0" hangingPunct="0">
-              <a:lnSpc>
-                <a:spcPct val="100000"/>
-              </a:lnSpc>
-              <a:spcBef>
-                <a:spcPct val="20000"/>
-              </a:spcBef>
-              <a:spcAft>
-                <a:spcPct val="0"/>
-              </a:spcAft>
-              <a:buClr>
-                <a:srgbClr val="000080"/>
-              </a:buClr>
-              <a:buSzTx/>
-              <a:buFont typeface="Times"/>
-              <a:buNone/>
-              <a:tabLst/>
-              <a:defRPr/>
-            </a:pPr>
-            <a:r>
-              <a:rPr kumimoji="1" lang="en-US" sz="1800" b="0" i="0" u="none" strike="noStrike" kern="0" cap="none" spc="0" normalizeH="0" baseline="0" noProof="0" dirty="0" smtClean="0">
-                <a:ln>
-                  <a:noFill/>
-                </a:ln>
-                <a:solidFill>
-                  <a:schemeClr val="tx2"/>
-                </a:solidFill>
-                <a:effectLst/>
-                <a:uLnTx/>
-                <a:uFillTx/>
-                <a:latin typeface="+mn-lt"/>
-                <a:ea typeface="+mn-ea"/>
-                <a:cs typeface="ＭＳ Ｐゴシック"/>
-              </a:rPr>
-              <a:t>	Education/AIM/Summer</a:t>
-            </a:r>
-            <a:r>
-              <a:rPr kumimoji="1" lang="en-US" sz="1800" b="0" i="0" u="none" strike="noStrike" kern="0" cap="none" spc="0" normalizeH="0" noProof="0" dirty="0" smtClean="0">
-                <a:ln>
-                  <a:noFill/>
-                </a:ln>
-                <a:solidFill>
-                  <a:schemeClr val="tx2"/>
-                </a:solidFill>
-                <a:effectLst/>
-                <a:uLnTx/>
-                <a:uFillTx/>
-                <a:latin typeface="+mn-lt"/>
-                <a:ea typeface="+mn-ea"/>
-                <a:cs typeface="ＭＳ Ｐゴシック"/>
-              </a:rPr>
-              <a:t> School</a:t>
-            </a:r>
-            <a:endParaRPr kumimoji="1" lang="en-US" sz="1800" b="0" i="0" u="none" strike="noStrike" kern="0" cap="none" spc="0" normalizeH="0" baseline="0" noProof="0" dirty="0" smtClean="0">
-              <a:ln>
-                <a:noFill/>
-              </a:ln>
-              <a:solidFill>
-                <a:schemeClr val="tx2"/>
-              </a:solidFill>
-              <a:effectLst/>
-              <a:uLnTx/>
-              <a:uFillTx/>
-              <a:latin typeface="+mn-lt"/>
-              <a:ea typeface="+mn-ea"/>
-              <a:cs typeface="ＭＳ Ｐゴシック"/>
-            </a:endParaRPr>
-          </a:p>
-          <a:p>
-            <a:pPr marL="342900" marR="0" lvl="0" indent="-342900" algn="l" defTabSz="914400" rtl="0" eaLnBrk="0" fontAlgn="base" latinLnBrk="0" hangingPunct="0">
-              <a:lnSpc>
-                <a:spcPct val="100000"/>
-              </a:lnSpc>
-              <a:spcBef>
-                <a:spcPct val="20000"/>
-              </a:spcBef>
-              <a:spcAft>
-                <a:spcPct val="0"/>
-              </a:spcAft>
-              <a:buClr>
-                <a:srgbClr val="000080"/>
-              </a:buClr>
-              <a:buSzTx/>
-              <a:buFont typeface="Times"/>
-              <a:buNone/>
-              <a:tabLst/>
-              <a:defRPr/>
-            </a:pPr>
-            <a:r>
-              <a:rPr kumimoji="1" lang="en-US" sz="1800" b="0" i="0" u="none" strike="noStrike" kern="0" cap="none" spc="0" normalizeH="0" baseline="0" noProof="0" dirty="0" smtClean="0">
-                <a:ln>
-                  <a:noFill/>
-                </a:ln>
-                <a:solidFill>
-                  <a:schemeClr val="tx2"/>
-                </a:solidFill>
-                <a:effectLst/>
-                <a:uLnTx/>
-                <a:uFillTx/>
-                <a:latin typeface="+mn-lt"/>
-                <a:ea typeface="+mn-ea"/>
-                <a:cs typeface="ＭＳ Ｐゴシック"/>
-              </a:rPr>
-              <a:t>	Integrated Networks</a:t>
-            </a:r>
-          </a:p>
-          <a:p>
-            <a:pPr marL="342900" marR="0" lvl="0" indent="-342900" algn="l" defTabSz="914400" rtl="0" eaLnBrk="0" fontAlgn="base" latinLnBrk="0" hangingPunct="0">
-              <a:lnSpc>
-                <a:spcPct val="100000"/>
-              </a:lnSpc>
-              <a:spcBef>
-                <a:spcPct val="20000"/>
-              </a:spcBef>
-              <a:spcAft>
-                <a:spcPct val="0"/>
-              </a:spcAft>
-              <a:buClr>
-                <a:srgbClr val="000080"/>
-              </a:buClr>
-              <a:buSzTx/>
-              <a:buFont typeface="Times"/>
-              <a:buNone/>
-              <a:tabLst/>
-              <a:defRPr/>
-            </a:pPr>
-            <a:r>
-              <a:rPr kumimoji="1" lang="en-US" sz="1800" b="0" i="0" u="none" strike="noStrike" kern="0" cap="none" spc="0" normalizeH="0" baseline="0" noProof="0" dirty="0" smtClean="0">
-                <a:ln>
-                  <a:noFill/>
-                </a:ln>
-                <a:solidFill>
-                  <a:schemeClr val="tx2"/>
-                </a:solidFill>
-                <a:effectLst/>
-                <a:uLnTx/>
-                <a:uFillTx/>
-                <a:latin typeface="+mn-lt"/>
-                <a:ea typeface="+mn-ea"/>
-                <a:cs typeface="ＭＳ Ｐゴシック"/>
-              </a:rPr>
-              <a:t>	</a:t>
-            </a:r>
-            <a:r>
-              <a:rPr kumimoji="1" lang="en-US" sz="1800" b="0" i="0" u="none" strike="noStrike" kern="0" cap="none" spc="0" normalizeH="0" baseline="0" noProof="0" dirty="0" err="1" smtClean="0">
-                <a:ln>
-                  <a:noFill/>
-                </a:ln>
-                <a:solidFill>
-                  <a:schemeClr val="tx2"/>
-                </a:solidFill>
-                <a:effectLst/>
-                <a:uLnTx/>
-                <a:uFillTx/>
-                <a:latin typeface="+mn-lt"/>
-                <a:ea typeface="+mn-ea"/>
-                <a:cs typeface="ＭＳ Ｐゴシック"/>
-              </a:rPr>
-              <a:t>SBGrid</a:t>
-            </a:r>
-            <a:endParaRPr kumimoji="1" lang="en-US" sz="1800" b="0" i="0" u="none" strike="noStrike" kern="0" cap="none" spc="0" normalizeH="0" baseline="0" noProof="0" dirty="0" smtClean="0">
-              <a:ln>
-                <a:noFill/>
-              </a:ln>
-              <a:solidFill>
-                <a:schemeClr val="tx2"/>
-              </a:solidFill>
-              <a:effectLst/>
-              <a:uLnTx/>
-              <a:uFillTx/>
-              <a:latin typeface="+mn-lt"/>
-              <a:ea typeface="+mn-ea"/>
-              <a:cs typeface="ＭＳ Ｐゴシック"/>
-            </a:endParaRPr>
-          </a:p>
-          <a:p>
-            <a:pPr marL="342900" lvl="0" indent="-342900" eaLnBrk="0" hangingPunct="0">
-              <a:spcBef>
-                <a:spcPct val="20000"/>
-              </a:spcBef>
-              <a:buClr>
-                <a:srgbClr val="000080"/>
-              </a:buClr>
-            </a:pPr>
-            <a:r>
-              <a:rPr kumimoji="1" lang="en-US" sz="1800" kern="0" dirty="0" smtClean="0">
-                <a:solidFill>
-                  <a:schemeClr val="tx2"/>
-                </a:solidFill>
-              </a:rPr>
-              <a:t>	ISGTW</a:t>
-            </a:r>
-            <a:endParaRPr kumimoji="1" lang="en-US" sz="1800" b="0" i="0" u="none" strike="noStrike" kern="0" cap="none" spc="0" normalizeH="0" baseline="0" noProof="0" dirty="0" smtClean="0">
-              <a:ln>
-                <a:noFill/>
-              </a:ln>
-              <a:solidFill>
-                <a:schemeClr val="tx2"/>
-              </a:solidFill>
-              <a:effectLst/>
-              <a:uLnTx/>
-              <a:uFillTx/>
-              <a:latin typeface="+mn-lt"/>
-              <a:ea typeface="+mn-ea"/>
-              <a:cs typeface="ＭＳ Ｐゴシック"/>
-            </a:endParaRPr>
-          </a:p>
-          <a:p>
-            <a:pPr marL="342900" marR="0" lvl="0" indent="-342900" algn="l" defTabSz="914400" rtl="0" eaLnBrk="0" fontAlgn="base" latinLnBrk="0" hangingPunct="0">
-              <a:lnSpc>
-                <a:spcPct val="100000"/>
-              </a:lnSpc>
-              <a:spcBef>
-                <a:spcPct val="20000"/>
-              </a:spcBef>
-              <a:spcAft>
-                <a:spcPct val="0"/>
-              </a:spcAft>
-              <a:buClr>
-                <a:srgbClr val="000080"/>
-              </a:buClr>
-              <a:buSzTx/>
-              <a:buFont typeface="Times"/>
-              <a:buNone/>
-              <a:tabLst/>
-              <a:defRPr/>
-            </a:pPr>
-            <a:r>
-              <a:rPr kumimoji="1" lang="en-US" sz="1800" b="0" i="0" u="none" strike="noStrike" kern="0" cap="none" spc="0" normalizeH="0" baseline="0" noProof="0" dirty="0" smtClean="0">
-                <a:ln>
-                  <a:noFill/>
-                </a:ln>
-                <a:solidFill>
-                  <a:schemeClr val="tx2"/>
-                </a:solidFill>
-                <a:effectLst/>
-                <a:uLnTx/>
-                <a:uFillTx/>
-                <a:latin typeface="+mn-lt"/>
-                <a:ea typeface="+mn-ea"/>
-                <a:cs typeface="ＭＳ Ｐゴシック"/>
-              </a:rPr>
-              <a:t>	LIGO PIF’</a:t>
-            </a:r>
-          </a:p>
-          <a:p>
-            <a:pPr marL="342900" marR="0" lvl="0" indent="-342900" algn="l" defTabSz="914400" rtl="0" eaLnBrk="0" fontAlgn="base" latinLnBrk="0" hangingPunct="0">
-              <a:lnSpc>
-                <a:spcPct val="100000"/>
-              </a:lnSpc>
-              <a:spcBef>
-                <a:spcPct val="20000"/>
-              </a:spcBef>
-              <a:spcAft>
-                <a:spcPct val="0"/>
-              </a:spcAft>
-              <a:buClr>
-                <a:srgbClr val="000080"/>
-              </a:buClr>
-              <a:buSzTx/>
-              <a:buFont typeface="Times"/>
-              <a:buNone/>
-              <a:tabLst/>
-              <a:defRPr/>
-            </a:pPr>
-            <a:r>
-              <a:rPr kumimoji="1" lang="en-US" sz="1800" b="0" i="0" u="none" strike="noStrike" kern="0" cap="none" spc="0" normalizeH="0" baseline="0" noProof="0" dirty="0" smtClean="0">
-                <a:ln>
-                  <a:noFill/>
-                </a:ln>
-                <a:solidFill>
-                  <a:schemeClr val="tx2"/>
-                </a:solidFill>
-                <a:effectLst/>
-                <a:uLnTx/>
-                <a:uFillTx/>
-                <a:latin typeface="+mn-lt"/>
-                <a:ea typeface="+mn-ea"/>
-                <a:cs typeface="ＭＳ Ｐゴシック"/>
-              </a:rPr>
-              <a:t>	DISUN’</a:t>
-            </a:r>
-          </a:p>
-          <a:p>
-            <a:pPr marL="342900" marR="0" lvl="0" indent="-342900" algn="l" defTabSz="914400" rtl="0" eaLnBrk="0" fontAlgn="base" latinLnBrk="0" hangingPunct="0">
-              <a:lnSpc>
-                <a:spcPct val="100000"/>
-              </a:lnSpc>
-              <a:spcBef>
-                <a:spcPct val="20000"/>
-              </a:spcBef>
-              <a:spcAft>
-                <a:spcPct val="0"/>
-              </a:spcAft>
-              <a:buClr>
-                <a:srgbClr val="000080"/>
-              </a:buClr>
-              <a:buSzTx/>
-              <a:buFont typeface="Times"/>
-              <a:buNone/>
-              <a:tabLst/>
-              <a:defRPr/>
-            </a:pPr>
-            <a:r>
-              <a:rPr kumimoji="1" lang="en-US" sz="1800" b="0" i="0" u="none" strike="noStrike" kern="0" cap="none" spc="0" normalizeH="0" baseline="0" noProof="0" dirty="0" smtClean="0">
-                <a:ln>
-                  <a:noFill/>
-                </a:ln>
-                <a:solidFill>
-                  <a:schemeClr val="tx2"/>
-                </a:solidFill>
-                <a:effectLst/>
-                <a:uLnTx/>
-                <a:uFillTx/>
-                <a:latin typeface="+mn-lt"/>
-                <a:ea typeface="+mn-ea"/>
-                <a:cs typeface="ＭＳ Ｐゴシック"/>
-              </a:rPr>
-              <a:t>	SE Regional Grid</a:t>
-            </a:r>
-          </a:p>
-          <a:p>
-            <a:pPr marL="342900" marR="0" lvl="0" indent="-342900" algn="l" defTabSz="914400" rtl="0" eaLnBrk="0" fontAlgn="base" latinLnBrk="0" hangingPunct="0">
-              <a:lnSpc>
-                <a:spcPct val="100000"/>
-              </a:lnSpc>
-              <a:spcBef>
-                <a:spcPct val="20000"/>
-              </a:spcBef>
-              <a:spcAft>
-                <a:spcPct val="0"/>
-              </a:spcAft>
-              <a:buClr>
-                <a:srgbClr val="000080"/>
-              </a:buClr>
-              <a:buSzTx/>
-              <a:buFont typeface="Times"/>
-              <a:buNone/>
-              <a:tabLst/>
-              <a:defRPr/>
-            </a:pPr>
-            <a:r>
-              <a:rPr kumimoji="1" lang="en-US" sz="1800" b="1" i="0" u="none" strike="noStrike" kern="0" cap="none" spc="0" normalizeH="0" baseline="0" noProof="0" dirty="0" smtClean="0">
-                <a:ln>
-                  <a:noFill/>
-                </a:ln>
-                <a:solidFill>
-                  <a:schemeClr val="tx2"/>
-                </a:solidFill>
-                <a:effectLst/>
-                <a:uLnTx/>
-                <a:uFillTx/>
-                <a:latin typeface="+mn-lt"/>
-                <a:ea typeface="+mn-ea"/>
-                <a:cs typeface="ＭＳ Ｐゴシック"/>
-              </a:rPr>
-              <a:t>Supplements</a:t>
-            </a:r>
-          </a:p>
-          <a:p>
-            <a:pPr marL="342900" marR="0" lvl="0" indent="-342900" algn="l" defTabSz="914400" rtl="0" eaLnBrk="0" fontAlgn="base" latinLnBrk="0" hangingPunct="0">
-              <a:lnSpc>
-                <a:spcPct val="100000"/>
-              </a:lnSpc>
-              <a:spcBef>
-                <a:spcPct val="20000"/>
-              </a:spcBef>
-              <a:spcAft>
-                <a:spcPct val="0"/>
-              </a:spcAft>
-              <a:buClr>
-                <a:srgbClr val="000080"/>
-              </a:buClr>
-              <a:buSzTx/>
-              <a:buFont typeface="Times"/>
-              <a:buNone/>
-              <a:tabLst/>
-              <a:defRPr/>
-            </a:pPr>
-            <a:r>
-              <a:rPr kumimoji="1" lang="en-US" sz="1800" b="0" i="0" u="none" strike="noStrike" kern="0" cap="none" spc="0" normalizeH="0" baseline="0" noProof="0" dirty="0" smtClean="0">
-                <a:ln>
-                  <a:noFill/>
-                </a:ln>
-                <a:solidFill>
-                  <a:schemeClr val="tx2"/>
-                </a:solidFill>
-                <a:effectLst/>
-                <a:uLnTx/>
-                <a:uFillTx/>
-                <a:latin typeface="+mn-lt"/>
-                <a:ea typeface="+mn-ea"/>
-                <a:cs typeface="ＭＳ Ｐゴシック"/>
-              </a:rPr>
-              <a:t>	Condor</a:t>
-            </a:r>
-          </a:p>
-          <a:p>
-            <a:pPr marL="342900" marR="0" lvl="0" indent="-342900" algn="l" defTabSz="914400" rtl="0" eaLnBrk="0" fontAlgn="base" latinLnBrk="0" hangingPunct="0">
-              <a:lnSpc>
-                <a:spcPct val="100000"/>
-              </a:lnSpc>
-              <a:spcBef>
-                <a:spcPct val="20000"/>
-              </a:spcBef>
-              <a:spcAft>
-                <a:spcPct val="0"/>
-              </a:spcAft>
-              <a:buClr>
-                <a:srgbClr val="000080"/>
-              </a:buClr>
-              <a:buSzTx/>
-              <a:buFont typeface="Times"/>
-              <a:buNone/>
-              <a:tabLst/>
-              <a:defRPr/>
-            </a:pPr>
-            <a:r>
-              <a:rPr kumimoji="1" lang="en-US" sz="1800" b="0" i="0" u="none" strike="noStrike" kern="0" cap="none" spc="0" normalizeH="0" baseline="0" noProof="0" dirty="0" smtClean="0">
-                <a:ln>
-                  <a:noFill/>
-                </a:ln>
-                <a:solidFill>
-                  <a:schemeClr val="tx2"/>
-                </a:solidFill>
-                <a:effectLst/>
-                <a:uLnTx/>
-                <a:uFillTx/>
-                <a:latin typeface="+mn-lt"/>
-                <a:ea typeface="+mn-ea"/>
-                <a:cs typeface="ＭＳ Ｐゴシック"/>
-              </a:rPr>
-              <a:t>	Build and Test</a:t>
-            </a:r>
-          </a:p>
-        </p:txBody>
-      </p:sp>
-      <p:sp>
-        <p:nvSpPr>
-          <p:cNvPr id="6" name="Content Placeholder 2"/>
-          <p:cNvSpPr txBox="1">
-            <a:spLocks/>
-          </p:cNvSpPr>
-          <p:nvPr/>
-        </p:nvSpPr>
-        <p:spPr bwMode="auto">
-          <a:xfrm>
-            <a:off x="495300" y="6145122"/>
-            <a:ext cx="4876800" cy="522378"/>
-          </a:xfrm>
-          <a:prstGeom prst="rect">
-            <a:avLst/>
-          </a:prstGeom>
-          <a:noFill/>
-          <a:ln w="9525">
-            <a:noFill/>
-            <a:miter lim="800000"/>
-            <a:headEnd/>
-            <a:tailEnd/>
-          </a:ln>
-        </p:spPr>
-        <p:txBody>
-          <a:bodyPr vert="horz" wrap="square" lIns="91440" tIns="45720" rIns="91440" bIns="45720" numCol="1" anchor="t" anchorCtr="0" compatLnSpc="1">
-            <a:prstTxWarp prst="textNoShape">
-              <a:avLst/>
-            </a:prstTxWarp>
-          </a:bodyPr>
-          <a:lstStyle/>
-          <a:p>
-            <a:pPr marL="342900" marR="0" lvl="0" indent="-342900" algn="l" defTabSz="914400" rtl="0" eaLnBrk="0" fontAlgn="base" latinLnBrk="0" hangingPunct="0">
-              <a:lnSpc>
-                <a:spcPct val="100000"/>
-              </a:lnSpc>
-              <a:spcBef>
-                <a:spcPct val="20000"/>
-              </a:spcBef>
-              <a:spcAft>
-                <a:spcPct val="0"/>
-              </a:spcAft>
-              <a:buClr>
-                <a:srgbClr val="000080"/>
-              </a:buClr>
-              <a:buSzTx/>
-              <a:buFont typeface="Times"/>
-              <a:buNone/>
-              <a:tabLst/>
-              <a:defRPr/>
-            </a:pPr>
-            <a:r>
-              <a:rPr kumimoji="1" lang="en-US" sz="1600" b="0" i="0" u="none" strike="noStrike" kern="0" cap="none" spc="0" normalizeH="0" baseline="0" noProof="0" dirty="0" smtClean="0">
-                <a:ln>
-                  <a:noFill/>
-                </a:ln>
-                <a:solidFill>
-                  <a:schemeClr val="tx2"/>
-                </a:solidFill>
-                <a:effectLst/>
-                <a:uLnTx/>
-                <a:uFillTx/>
-                <a:latin typeface="+mn-lt"/>
-                <a:ea typeface="+mn-ea"/>
-                <a:cs typeface="ＭＳ Ｐゴシック"/>
-              </a:rPr>
-              <a:t>Overhead to the Cross-organizational staff effort (at Council or Project layer) &lt;~1 month/Satellite.</a:t>
-            </a:r>
           </a:p>
         </p:txBody>
       </p:sp>
@@ -7172,21 +7076,96 @@
             <p:ph type="title"/>
           </p:nvPr>
         </p:nvSpPr>
+        <p:spPr/>
+        <p:txBody>
+          <a:bodyPr/>
+          <a:lstStyle/>
+          <a:p>
+            <a:r>
+              <a:rPr lang="en-US"/>
+              <a:t>Core Mission - 1</a:t>
+            </a:r>
+          </a:p>
+        </p:txBody>
+      </p:sp>
+      <p:sp>
+        <p:nvSpPr>
+          <p:cNvPr id="3" name="Content Placeholder 2"/>
+          <p:cNvSpPr>
+            <a:spLocks noGrp="1"/>
+          </p:cNvSpPr>
+          <p:nvPr>
+            <p:ph idx="1"/>
+          </p:nvPr>
+        </p:nvSpPr>
         <p:spPr>
           <a:xfrm>
-            <a:off x="765751" y="2641600"/>
-            <a:ext cx="7657613" cy="560345"/>
+            <a:off x="373528" y="1333500"/>
+            <a:ext cx="8516471" cy="5300382"/>
           </a:xfrm>
         </p:spPr>
         <p:txBody>
           <a:bodyPr/>
           <a:lstStyle/>
           <a:p>
-            <a:r>
-              <a:rPr lang="en-US" dirty="0" smtClean="0"/>
-              <a:t>From Aug 2009 &amp; Mar 2010</a:t>
-            </a:r>
-            <a:endParaRPr lang="en-US" dirty="0"/>
+            <a:pPr>
+              <a:buNone/>
+            </a:pPr>
+            <a:r>
+              <a:rPr lang="en-US" b="1">
+                <a:solidFill>
+                  <a:srgbClr val="C70000"/>
+                </a:solidFill>
+              </a:rPr>
+              <a:t>Continue operations of the production infrastructure:</a:t>
+            </a:r>
+            <a:endParaRPr lang="en-US">
+              <a:solidFill>
+                <a:srgbClr val="C70000"/>
+              </a:solidFill>
+            </a:endParaRPr>
+          </a:p>
+          <a:p>
+            <a:pPr lvl="0">
+              <a:buNone/>
+            </a:pPr>
+            <a:r>
+              <a:rPr lang="en-US"/>
+              <a:t>Improve the usability and reduce the effort to operate at all levels. </a:t>
+            </a:r>
+          </a:p>
+          <a:p>
+            <a:pPr lvl="0">
+              <a:buNone/>
+            </a:pPr>
+            <a:r>
+              <a:rPr lang="en-US"/>
+              <a:t>Maintain a usable, secure, robust, distributed facility open to all contributors (resources and applications) in the scientific, research, and education domains. (No commercial use).</a:t>
+            </a:r>
+          </a:p>
+          <a:p>
+            <a:pPr lvl="0">
+              <a:buNone/>
+            </a:pPr>
+            <a:r>
+              <a:rPr lang="en-US"/>
+              <a:t>Continue support for the OSG Virtual Data Toolkit for the OSG Consortium and other projects, including the evolution of WLCG and EGI.</a:t>
+            </a:r>
+          </a:p>
+          <a:p>
+            <a:pPr lvl="0">
+              <a:buNone/>
+            </a:pPr>
+            <a:r>
+              <a:rPr lang="en-US"/>
+              <a:t>Solidify presence and usability of shared cyberinfrastructure within the US University campuses and transparent use of local and wide area cyberinfrastructure nationally.</a:t>
+            </a:r>
+          </a:p>
+          <a:p>
+            <a:pPr>
+              <a:buNone/>
+            </a:pPr>
+            <a:endParaRPr lang="en-US"/>
           </a:p>
         </p:txBody>
       </p:sp>
@@ -7209,7 +7188,7 @@
               <a:defRPr/>
             </a:pPr>
             <a:fld id="{038AB4BC-D760-449D-A975-B1B41586F3D1}" type="slidenum">
-              <a:rPr lang="en-US" smtClean="0"/>
+              <a:rPr lang="en-US"/>
               <a:pPr>
                 <a:defRPr/>
               </a:pPr>
@@ -7261,7 +7240,7 @@
           <a:p>
             <a:r>
               <a:rPr lang="en-US"/>
-              <a:t>Core Mission - 1</a:t>
+              <a:t>Core Misson - 2</a:t>
             </a:r>
           </a:p>
         </p:txBody>
@@ -7278,8 +7257,8 @@
         </p:nvSpPr>
         <p:spPr>
           <a:xfrm>
-            <a:off x="373528" y="1333500"/>
-            <a:ext cx="8516471" cy="5300382"/>
+            <a:off x="283882" y="1333500"/>
+            <a:ext cx="8860118" cy="4686300"/>
           </a:xfrm>
         </p:spPr>
         <p:txBody>
@@ -7295,7 +7274,7 @@
                   <a:srgbClr val="C70000"/>
                 </a:solidFill>
               </a:rPr>
-              <a:t>Continue operations of the production infrastructure:</a:t>
+              <a:t>Extend:</a:t>
             </a:r>
             <a:endParaRPr lang="en-US">
               <a:solidFill>
@@ -7309,7 +7288,7 @@
             </a:pPr>
             <a:r>
               <a:rPr lang="en-US"/>
-              <a:t>Improve the usability and reduce the effort to operate at all levels. </a:t>
+              <a:t>The capabilities and capacities offered for the stakeholders at the table, including those represented on the OSG Consortium Council, VOs represented by the “at-large” Council member, and users through the Campus, Engagement, Education and Outreach activities.</a:t>
             </a:r>
           </a:p>
           <a:p>
@@ -7318,31 +7297,19 @@
             </a:pPr>
             <a:r>
               <a:rPr lang="en-US"/>
-              <a:t>Maintain a usable, secure, robust, distributed facility open to all contributors (resources and applications) in the scientific, research, and education domains. (No commercial use).</a:t>
-            </a:r>
-          </a:p>
-          <a:p>
-            <a:pPr lvl="0">
-              <a:buNone/>
-            </a:pPr>
-            <a:r>
-              <a:rPr lang="en-US"/>
-              <a:t>Continue support for the OSG Virtual Data Toolkit for the OSG Consortium and other projects, including the evolution of WLCG and EGI.</a:t>
-            </a:r>
-          </a:p>
-          <a:p>
-            <a:pPr lvl="0">
-              <a:buNone/>
-            </a:pPr>
-            <a:r>
-              <a:rPr lang="en-US"/>
-              <a:t>Solidify presence and usability of shared cyberinfrastructure within the US University campuses and transparent use of local and wide area cyberinfrastructure nationally.</a:t>
+              <a:t>Strengthen organizational, operational and technical gateways between OSG and other peer infrastructures including the TeraGrid and XD, and EGI and NGIs in Europe, Campus and regional grids in the US and off-shore, and commercial cloud resource providers. </a:t>
             </a:r>
           </a:p>
           <a:p>
             <a:pPr>
               <a:buNone/>
             </a:pPr>
+            <a:r>
+              <a:rPr lang="en-US"/>
+              <a:t>Workforce training for the future…TBA. </a:t>
+            </a:r>
+          </a:p>
+          <a:p>
             <a:endParaRPr lang="en-US"/>
           </a:p>
         </p:txBody>
@@ -7418,151 +7385,6 @@
           <a:p>
             <a:r>
               <a:rPr lang="en-US"/>
-              <a:t>Core Misson - 2</a:t>
-            </a:r>
-          </a:p>
-        </p:txBody>
-      </p:sp>
-      <p:sp>
-        <p:nvSpPr>
-          <p:cNvPr id="3" name="Content Placeholder 2"/>
-          <p:cNvSpPr>
-            <a:spLocks noGrp="1"/>
-          </p:cNvSpPr>
-          <p:nvPr>
-            <p:ph idx="1"/>
-          </p:nvPr>
-        </p:nvSpPr>
-        <p:spPr>
-          <a:xfrm>
-            <a:off x="283882" y="1333500"/>
-            <a:ext cx="8860118" cy="4686300"/>
-          </a:xfrm>
-        </p:spPr>
-        <p:txBody>
-          <a:bodyPr/>
-          <a:lstStyle/>
-          <a:p>
-            <a:pPr>
-              <a:buNone/>
-            </a:pPr>
-            <a:r>
-              <a:rPr lang="en-US" b="1">
-                <a:solidFill>
-                  <a:srgbClr val="C70000"/>
-                </a:solidFill>
-              </a:rPr>
-              <a:t>Extend:</a:t>
-            </a:r>
-            <a:endParaRPr lang="en-US">
-              <a:solidFill>
-                <a:srgbClr val="C70000"/>
-              </a:solidFill>
-            </a:endParaRPr>
-          </a:p>
-          <a:p>
-            <a:pPr lvl="0">
-              <a:buNone/>
-            </a:pPr>
-            <a:r>
-              <a:rPr lang="en-US"/>
-              <a:t>The capabilities and capacities offered for the stakeholders at the table, including those represented on the OSG Consortium Council, VOs represented by the “at-large” Council member, and users through the Campus, Engagement, Education and Outreach activities.</a:t>
-            </a:r>
-          </a:p>
-          <a:p>
-            <a:pPr lvl="0">
-              <a:buNone/>
-            </a:pPr>
-            <a:r>
-              <a:rPr lang="en-US"/>
-              <a:t>Strengthen organizational, operational and technical gateways between OSG and other peer infrastructures including the TeraGrid and XD, and EGI and NGIs in Europe, Campus and regional grids in the US and off-shore, and commercial cloud resource providers. </a:t>
-            </a:r>
-          </a:p>
-          <a:p>
-            <a:pPr>
-              <a:buNone/>
-            </a:pPr>
-            <a:r>
-              <a:rPr lang="en-US"/>
-              <a:t>Workforce training for the future…TBA. </a:t>
-            </a:r>
-          </a:p>
-          <a:p>
-            <a:endParaRPr lang="en-US"/>
-          </a:p>
-        </p:txBody>
-      </p:sp>
-      <p:sp>
-        <p:nvSpPr>
-          <p:cNvPr id="4" name="Slide Number Placeholder 3"/>
-          <p:cNvSpPr>
-            <a:spLocks noGrp="1"/>
-          </p:cNvSpPr>
-          <p:nvPr>
-            <p:ph type="sldNum" sz="quarter" idx="10"/>
-          </p:nvPr>
-        </p:nvSpPr>
-        <p:spPr/>
-        <p:txBody>
-          <a:bodyPr/>
-          <a:lstStyle/>
-          <a:p>
-            <a:pPr>
-              <a:defRPr/>
-            </a:pPr>
-            <a:fld id="{038AB4BC-D760-449D-A975-B1B41586F3D1}" type="slidenum">
-              <a:rPr lang="en-US"/>
-              <a:pPr>
-                <a:defRPr/>
-              </a:pPr>
-              <a:t>22</a:t>
-            </a:fld>
-            <a:endParaRPr lang="en-US" dirty="0"/>
-          </a:p>
-        </p:txBody>
-      </p:sp>
-    </p:spTree>
-  </p:cSld>
-  <p:clrMapOvr>
-    <a:masterClrMapping/>
-  </p:clrMapOvr>
-</p:sld>
-</file>
-
-<file path=ppt/slides/slide23.xml><?xml version="1.0" encoding="utf-8"?>
-<p:sld xmlns:a="http://schemas.openxmlformats.org/drawingml/2006/main" xmlns:r="http://schemas.openxmlformats.org/officeDocument/2006/relationships" xmlns:mc="http://schemas.openxmlformats.org/markup-compatibility/2006" xmlns:mv="urn:schemas-microsoft-com:mac:vml" xmlns:p="http://schemas.openxmlformats.org/presentationml/2006/main" mc:Ignorable="mv" mc:PreserveAttributes="mv:*">
-  <p:cSld>
-    <p:spTree>
-      <p:nvGrpSpPr>
-        <p:cNvPr id="1" name=""/>
-        <p:cNvGrpSpPr/>
-        <p:nvPr/>
-      </p:nvGrpSpPr>
-      <p:grpSpPr>
-        <a:xfrm>
-          <a:off x="0" y="0"/>
-          <a:ext cx="0" cy="0"/>
-          <a:chOff x="0" y="0"/>
-          <a:chExt cx="0" cy="0"/>
-        </a:xfrm>
-      </p:grpSpPr>
-      <p:sp>
-        <p:nvSpPr>
-          <p:cNvPr id="2" name="Title 1"/>
-          <p:cNvSpPr>
-            <a:spLocks noGrp="1"/>
-          </p:cNvSpPr>
-          <p:nvPr>
-            <p:ph type="title"/>
-          </p:nvPr>
-        </p:nvSpPr>
-        <p:spPr/>
-        <p:txBody>
-          <a:bodyPr/>
-          <a:lstStyle/>
-          <a:p>
-            <a:r>
-              <a:rPr lang="en-US"/>
               <a:t>Operations Services, Security, Sites</a:t>
             </a:r>
           </a:p>
@@ -7711,7 +7533,7 @@
               <a:pPr>
                 <a:defRPr/>
               </a:pPr>
-              <a:t>23</a:t>
+              <a:t>22</a:t>
             </a:fld>
             <a:endParaRPr lang="en-US" dirty="0"/>
           </a:p>

--- a/pub/Council/Agenda2010Aug18/OSG-Planning-Aug2010-V5.pptx
+++ b/pub/Council/Agenda2010Aug18/OSG-Planning-Aug2010-V5.pptx
@@ -2919,6 +2919,13 @@
   <p:clrMapOvr>
     <a:masterClrMapping/>
   </p:clrMapOvr>
+  <p:timing>
+    <p:tnLst>
+      <p:par>
+        <p:cTn id="1" dur="indefinite" restart="never" nodeType="tmRoot"/>
+      </p:par>
+    </p:tnLst>
+  </p:timing>
 </p:sld>
 </file>
 
@@ -3146,6 +3153,13 @@
   <p:clrMapOvr>
     <a:masterClrMapping/>
   </p:clrMapOvr>
+  <p:timing>
+    <p:tnLst>
+      <p:par>
+        <p:cTn id="1" dur="indefinite" restart="never" nodeType="tmRoot"/>
+      </p:par>
+    </p:tnLst>
+  </p:timing>
 </p:sld>
 </file>
 
@@ -3371,6 +3385,13 @@
   <p:clrMapOvr>
     <a:masterClrMapping/>
   </p:clrMapOvr>
+  <p:timing>
+    <p:tnLst>
+      <p:par>
+        <p:cTn id="1" dur="indefinite" restart="never" nodeType="tmRoot"/>
+      </p:par>
+    </p:tnLst>
+  </p:timing>
 </p:sld>
 </file>
 
@@ -3582,6 +3603,13 @@
   <p:clrMapOvr>
     <a:masterClrMapping/>
   </p:clrMapOvr>
+  <p:timing>
+    <p:tnLst>
+      <p:par>
+        <p:cTn id="1" dur="indefinite" restart="never" nodeType="tmRoot"/>
+      </p:par>
+    </p:tnLst>
+  </p:timing>
 </p:sld>
 </file>
 
@@ -3889,6 +3917,13 @@
   <p:clrMapOvr>
     <a:masterClrMapping/>
   </p:clrMapOvr>
+  <p:timing>
+    <p:tnLst>
+      <p:par>
+        <p:cTn id="1" dur="indefinite" restart="never" nodeType="tmRoot"/>
+      </p:par>
+    </p:tnLst>
+  </p:timing>
 </p:sld>
 </file>
 
@@ -4325,6 +4360,13 @@
   <p:clrMapOvr>
     <a:masterClrMapping/>
   </p:clrMapOvr>
+  <p:timing>
+    <p:tnLst>
+      <p:par>
+        <p:cTn id="1" dur="indefinite" restart="never" nodeType="tmRoot"/>
+      </p:par>
+    </p:tnLst>
+  </p:timing>
 </p:sld>
 </file>
 
@@ -5312,6 +5354,13 @@
   <p:clrMapOvr>
     <a:masterClrMapping/>
   </p:clrMapOvr>
+  <p:timing>
+    <p:tnLst>
+      <p:par>
+        <p:cTn id="1" dur="indefinite" restart="never" nodeType="tmRoot"/>
+      </p:par>
+    </p:tnLst>
+  </p:timing>
 </p:sld>
 </file>
 
@@ -5591,6 +5640,13 @@
   <p:clrMapOvr>
     <a:masterClrMapping/>
   </p:clrMapOvr>
+  <p:timing>
+    <p:tnLst>
+      <p:par>
+        <p:cTn id="1" dur="indefinite" restart="never" nodeType="tmRoot"/>
+      </p:par>
+    </p:tnLst>
+  </p:timing>
 </p:sld>
 </file>
 
@@ -5704,7 +5760,7 @@
         <p:spPr bwMode="auto">
           <a:xfrm>
             <a:off x="495300" y="1585822"/>
-            <a:ext cx="8369300" cy="3075078"/>
+            <a:ext cx="8369300" cy="3087778"/>
           </a:xfrm>
           <a:prstGeom prst="rect">
             <a:avLst/>
@@ -6563,8 +6619,70 @@
                 <a:ea typeface="+mn-ea"/>
                 <a:cs typeface="ＭＳ Ｐゴシック"/>
               </a:rPr>
-              <a:t>	DISUN’</a:t>
-            </a:r>
+              <a:t>	DISUN</a:t>
+            </a:r>
+            <a:r>
+              <a:rPr kumimoji="1" lang="en-US" sz="1800" b="0" i="0" u="none" strike="noStrike" kern="0" cap="none" spc="0" normalizeH="0" baseline="0" noProof="0" dirty="0" smtClean="0">
+                <a:ln>
+                  <a:noFill/>
+                </a:ln>
+                <a:solidFill>
+                  <a:schemeClr val="tx2"/>
+                </a:solidFill>
+                <a:effectLst/>
+                <a:uLnTx/>
+                <a:uFillTx/>
+                <a:latin typeface="+mn-lt"/>
+                <a:ea typeface="+mn-ea"/>
+                <a:cs typeface="ＭＳ Ｐゴシック"/>
+              </a:rPr>
+              <a:t>’</a:t>
+            </a:r>
+          </a:p>
+          <a:p>
+            <a:pPr marL="342900" marR="0" lvl="0" indent="-342900" algn="l" defTabSz="914400" rtl="0" eaLnBrk="0" fontAlgn="base" latinLnBrk="0" hangingPunct="0">
+              <a:lnSpc>
+                <a:spcPct val="100000"/>
+              </a:lnSpc>
+              <a:spcBef>
+                <a:spcPct val="20000"/>
+              </a:spcBef>
+              <a:spcAft>
+                <a:spcPct val="0"/>
+              </a:spcAft>
+              <a:buClr>
+                <a:srgbClr val="000080"/>
+              </a:buClr>
+              <a:buSzTx/>
+              <a:buFont typeface="Times"/>
+              <a:buNone/>
+              <a:tabLst/>
+              <a:defRPr/>
+            </a:pPr>
+            <a:r>
+              <a:rPr kumimoji="1" lang="en-US" sz="1800" kern="0" dirty="0" smtClean="0">
+                <a:solidFill>
+                  <a:schemeClr val="tx2"/>
+                </a:solidFill>
+                <a:latin typeface="+mn-lt"/>
+                <a:ea typeface="+mn-ea"/>
+              </a:rPr>
+              <a:t>	OSG Americas</a:t>
+            </a:r>
+            <a:endParaRPr kumimoji="1" lang="en-US" sz="1800" b="0" i="0" u="none" strike="noStrike" kern="0" cap="none" spc="0" normalizeH="0" baseline="0" noProof="0" dirty="0" smtClean="0">
+              <a:ln>
+                <a:noFill/>
+              </a:ln>
+              <a:solidFill>
+                <a:schemeClr val="tx2"/>
+              </a:solidFill>
+              <a:effectLst/>
+              <a:uLnTx/>
+              <a:uFillTx/>
+              <a:latin typeface="+mn-lt"/>
+              <a:ea typeface="+mn-ea"/>
+              <a:cs typeface="ＭＳ Ｐゴシック"/>
+            </a:endParaRPr>
           </a:p>
           <a:p>
             <a:pPr marL="342900" marR="0" lvl="0" indent="-342900" algn="l" defTabSz="914400" rtl="0" eaLnBrk="0" fontAlgn="base" latinLnBrk="0" hangingPunct="0">
@@ -6796,6 +6914,13 @@
   <p:clrMapOvr>
     <a:masterClrMapping/>
   </p:clrMapOvr>
+  <p:timing>
+    <p:tnLst>
+      <p:par>
+        <p:cTn id="1" dur="indefinite" restart="never" nodeType="tmRoot"/>
+      </p:par>
+    </p:tnLst>
+  </p:timing>
 </p:sld>
 </file>
 
@@ -6878,6 +7003,13 @@
   <p:clrMapOvr>
     <a:masterClrMapping/>
   </p:clrMapOvr>
+  <p:timing>
+    <p:tnLst>
+      <p:par>
+        <p:cTn id="1" dur="indefinite" restart="never" nodeType="tmRoot"/>
+      </p:par>
+    </p:tnLst>
+  </p:timing>
 </p:sld>
 </file>
 
@@ -7046,6 +7178,13 @@
   <p:clrMapOvr>
     <a:masterClrMapping/>
   </p:clrMapOvr>
+  <p:timing>
+    <p:tnLst>
+      <p:par>
+        <p:cTn id="1" dur="indefinite" restart="never" nodeType="tmRoot"/>
+      </p:par>
+    </p:tnLst>
+  </p:timing>
 </p:sld>
 </file>
 
@@ -7203,6 +7342,13 @@
   <p:clrMapOvr>
     <a:masterClrMapping/>
   </p:clrMapOvr>
+  <p:timing>
+    <p:tnLst>
+      <p:par>
+        <p:cTn id="1" dur="indefinite" restart="never" nodeType="tmRoot"/>
+      </p:par>
+    </p:tnLst>
+  </p:timing>
 </p:sld>
 </file>
 
@@ -7806,6 +7952,13 @@
   <p:clrMapOvr>
     <a:masterClrMapping/>
   </p:clrMapOvr>
+  <p:timing>
+    <p:tnLst>
+      <p:par>
+        <p:cTn id="1" dur="indefinite" restart="never" nodeType="tmRoot"/>
+      </p:par>
+    </p:tnLst>
+  </p:timing>
 </p:sld>
 </file>
 
@@ -8586,6 +8739,13 @@
   <p:clrMapOvr>
     <a:masterClrMapping/>
   </p:clrMapOvr>
+  <p:timing>
+    <p:tnLst>
+      <p:par>
+        <p:cTn id="1" dur="indefinite" restart="never" nodeType="tmRoot"/>
+      </p:par>
+    </p:tnLst>
+  </p:timing>
 </p:sld>
 </file>
 
@@ -8855,6 +9015,13 @@
   <p:clrMapOvr>
     <a:masterClrMapping/>
   </p:clrMapOvr>
+  <p:timing>
+    <p:tnLst>
+      <p:par>
+        <p:cTn id="1" dur="indefinite" restart="never" nodeType="tmRoot"/>
+      </p:par>
+    </p:tnLst>
+  </p:timing>
 </p:sld>
 </file>
 
@@ -9009,6 +9176,13 @@
   <p:clrMapOvr>
     <a:masterClrMapping/>
   </p:clrMapOvr>
+  <p:timing>
+    <p:tnLst>
+      <p:par>
+        <p:cTn id="1" dur="indefinite" restart="never" nodeType="tmRoot"/>
+      </p:par>
+    </p:tnLst>
+  </p:timing>
 </p:sld>
 </file>
 
@@ -9180,6 +9354,13 @@
   <p:clrMapOvr>
     <a:masterClrMapping/>
   </p:clrMapOvr>
+  <p:timing>
+    <p:tnLst>
+      <p:par>
+        <p:cTn id="1" dur="indefinite" restart="never" nodeType="tmRoot"/>
+      </p:par>
+    </p:tnLst>
+  </p:timing>
 </p:sld>
 </file>
 
@@ -9286,6 +9467,13 @@
   <p:clrMapOvr>
     <a:masterClrMapping/>
   </p:clrMapOvr>
+  <p:timing>
+    <p:tnLst>
+      <p:par>
+        <p:cTn id="1" dur="indefinite" restart="never" nodeType="tmRoot"/>
+      </p:par>
+    </p:tnLst>
+  </p:timing>
 </p:sld>
 </file>
 
@@ -9723,6 +9911,13 @@
   <p:clrMapOvr>
     <a:masterClrMapping/>
   </p:clrMapOvr>
+  <p:timing>
+    <p:tnLst>
+      <p:par>
+        <p:cTn id="1" dur="indefinite" restart="never" nodeType="tmRoot"/>
+      </p:par>
+    </p:tnLst>
+  </p:timing>
 </p:sld>
 </file>
 

--- a/pub/Council/Agenda2010Aug18/OSG-Planning-Aug2010-V5.pptx
+++ b/pub/Council/Agenda2010Aug18/OSG-Planning-Aug2010-V5.pptx
@@ -3070,7 +3070,15 @@
           <a:p>
             <a:r>
               <a:rPr lang="en-US" sz="1800" dirty="0" smtClean="0"/>
-              <a:t>Run II – transition to use non-owned resources</a:t>
+              <a:t>Run II –</a:t>
+            </a:r>
+            <a:r>
+              <a:rPr lang="en-US" sz="1800" dirty="0" smtClean="0"/>
+              <a:t> during and after </a:t>
+            </a:r>
+            <a:r>
+              <a:rPr lang="en-US" sz="1800" smtClean="0"/>
+              <a:t>the run.</a:t>
             </a:r>
           </a:p>
           <a:p>
@@ -6619,24 +6627,7 @@
                 <a:ea typeface="+mn-ea"/>
                 <a:cs typeface="ＭＳ Ｐゴシック"/>
               </a:rPr>
-              <a:t>	DISUN</a:t>
-            </a:r>
-            <a:r>
-              <a:rPr kumimoji="1" lang="en-US" sz="1800" b="0" i="0" u="none" strike="noStrike" kern="0" cap="none" spc="0" normalizeH="0" baseline="0" noProof="0" dirty="0" smtClean="0">
-                <a:ln>
-                  <a:noFill/>
-                </a:ln>
-                <a:solidFill>
-                  <a:schemeClr val="tx2"/>
-                </a:solidFill>
-                <a:effectLst/>
-                <a:uLnTx/>
-                <a:uFillTx/>
-                <a:latin typeface="+mn-lt"/>
-                <a:ea typeface="+mn-ea"/>
-                <a:cs typeface="ＭＳ Ｐゴシック"/>
-              </a:rPr>
-              <a:t>’</a:t>
+              <a:t>	DISUN’</a:t>
             </a:r>
           </a:p>
           <a:p>
@@ -9428,8 +9419,8 @@
         </p:blipFill>
         <p:spPr>
           <a:xfrm>
-            <a:off x="1574800" y="2235200"/>
-            <a:ext cx="5478084" cy="3733799"/>
+            <a:off x="987627" y="1752600"/>
+            <a:ext cx="7173683" cy="4889500"/>
           </a:xfrm>
         </p:spPr>
       </p:pic>

--- a/pub/Council/Agenda2010Aug18/OSG-Planning-Aug2010-V5.pptx
+++ b/pub/Council/Agenda2010Aug18/OSG-Planning-Aug2010-V5.pptx
@@ -2969,7 +2969,18 @@
             <a:pPr algn="l"/>
             <a:r>
               <a:rPr lang="en-US" b="1" dirty="0" smtClean="0"/>
-              <a:t>Science and Engineering Benefits – Customer profiles – (1</a:t>
+              <a:t/>
+            </a:r>
+            <a:br>
+              <a:rPr lang="en-US" b="1" dirty="0" smtClean="0"/>
+            </a:br>
+            <a:r>
+              <a:rPr lang="en-US" b="1" dirty="0" smtClean="0"/>
+              <a:t>Science </a:t>
+            </a:r>
+            <a:r>
+              <a:rPr lang="en-US" b="1" dirty="0" smtClean="0"/>
+              <a:t>and Engineering Benefits – Customer profiles – (1</a:t>
             </a:r>
             <a:br>
               <a:rPr lang="en-US" b="1" dirty="0" smtClean="0"/>
@@ -3026,8 +3037,25 @@
             </a:r>
             <a:r>
               <a:rPr lang="en-US" sz="1800" dirty="0" smtClean="0"/>
-              <a:t> 10 in data size and computation</a:t>
-            </a:r>
+              <a:t> 10 in data size and </a:t>
+            </a:r>
+            <a:r>
+              <a:rPr lang="en-US" sz="1800" dirty="0" smtClean="0"/>
+              <a:t>computatio</a:t>
+            </a:r>
+            <a:r>
+              <a:rPr lang="en-US" sz="1800" dirty="0" smtClean="0"/>
+              <a:t>n, may be significant variations in </a:t>
+            </a:r>
+            <a:r>
+              <a:rPr lang="en-US" sz="1800" dirty="0" err="1" smtClean="0"/>
+              <a:t>CPUsec</a:t>
+            </a:r>
+            <a:r>
+              <a:rPr lang="en-US" sz="1800" dirty="0" smtClean="0"/>
+              <a:t>/event due to detector. </a:t>
+            </a:r>
+            <a:endParaRPr lang="en-US" sz="1800" dirty="0" smtClean="0"/>
           </a:p>
           <a:p>
             <a:r>
@@ -3070,15 +3098,7 @@
           <a:p>
             <a:r>
               <a:rPr lang="en-US" sz="1800" dirty="0" smtClean="0"/>
-              <a:t>Run II –</a:t>
-            </a:r>
-            <a:r>
-              <a:rPr lang="en-US" sz="1800" dirty="0" smtClean="0"/>
-              <a:t> during and after </a:t>
-            </a:r>
-            <a:r>
-              <a:rPr lang="en-US" sz="1800" smtClean="0"/>
-              <a:t>the run.</a:t>
+              <a:t>Run II – during and after the run.</a:t>
             </a:r>
           </a:p>
           <a:p>
@@ -4503,7 +4523,7 @@
               <a:defRPr/>
             </a:pPr>
             <a:r>
-              <a:rPr kumimoji="1" lang="en-US" sz="1600" b="1" i="0" u="none" strike="noStrike" kern="0" cap="none" spc="0" normalizeH="0" baseline="0" noProof="0" dirty="0" smtClean="0">
+              <a:rPr kumimoji="1" lang="en-US" sz="1600" b="1" i="1" u="none" strike="noStrike" kern="0" cap="none" spc="0" normalizeH="0" baseline="0" noProof="0" dirty="0" smtClean="0">
                 <a:ln>
                   <a:noFill/>
                 </a:ln>
@@ -4518,6 +4538,16 @@
                 <a:cs typeface="ＭＳ Ｐゴシック"/>
               </a:rPr>
               <a:t>Project</a:t>
+            </a:r>
+            <a:r>
+              <a:rPr kumimoji="1" lang="en-US" sz="1600" b="1" i="1" kern="0" noProof="0" dirty="0" smtClean="0">
+                <a:solidFill>
+                  <a:schemeClr val="tx2"/>
+                </a:solidFill>
+                <a:latin typeface="+mn-lt"/>
+                <a:ea typeface="+mn-ea"/>
+              </a:rPr>
+              <a:t> Staff:</a:t>
             </a:r>
           </a:p>
           <a:p>
@@ -4539,204 +4569,147 @@
               <a:defRPr/>
             </a:pPr>
             <a:r>
-              <a:rPr kumimoji="1" lang="en-US" sz="1600" b="0" i="0" u="none" strike="noStrike" kern="0" cap="none" spc="0" normalizeH="0" baseline="0" noProof="0" dirty="0" smtClean="0">
-                <a:ln>
-                  <a:noFill/>
-                </a:ln>
-                <a:solidFill>
-                  <a:schemeClr val="tx2"/>
-                </a:solidFill>
-                <a:effectLst/>
-                <a:uLnTx/>
-                <a:uFillTx/>
-                <a:latin typeface="+mn-lt"/>
-                <a:ea typeface="+mn-ea"/>
-                <a:cs typeface="ＭＳ Ｐゴシック"/>
-              </a:rPr>
-              <a:t>Connecting organizational staff including cross-cutting Security (oversight, compliance, auditing), Architecture and Technology Group, Assessment and policies/economic model,  Council</a:t>
-            </a:r>
-            <a:r>
-              <a:rPr kumimoji="1" lang="en-US" sz="1600" b="0" i="0" u="none" strike="noStrike" kern="0" cap="none" spc="0" normalizeH="0" noProof="0" dirty="0" smtClean="0">
-                <a:ln>
-                  <a:noFill/>
-                </a:ln>
-                <a:solidFill>
-                  <a:schemeClr val="tx2"/>
-                </a:solidFill>
-                <a:effectLst/>
-                <a:uLnTx/>
-                <a:uFillTx/>
-                <a:latin typeface="+mn-lt"/>
-                <a:ea typeface="+mn-ea"/>
-                <a:cs typeface="ＭＳ Ｐゴシック"/>
-              </a:rPr>
-              <a:t> staff</a:t>
-            </a:r>
-            <a:r>
-              <a:rPr kumimoji="1" lang="en-US" sz="1600" b="0" i="0" u="none" strike="noStrike" kern="0" cap="none" spc="0" normalizeH="0" baseline="0" noProof="0" dirty="0" smtClean="0">
-                <a:ln>
-                  <a:noFill/>
-                </a:ln>
-                <a:solidFill>
-                  <a:schemeClr val="tx2"/>
-                </a:solidFill>
-                <a:effectLst/>
-                <a:uLnTx/>
-                <a:uFillTx/>
-                <a:latin typeface="+mn-lt"/>
-                <a:ea typeface="+mn-ea"/>
-                <a:cs typeface="ＭＳ Ｐゴシック"/>
-              </a:rPr>
-              <a:t>, Project Management, Satellite </a:t>
-            </a:r>
-            <a:r>
-              <a:rPr kumimoji="1" lang="en-US" sz="1600" kern="0" dirty="0" smtClean="0">
-                <a:solidFill>
-                  <a:schemeClr val="tx2"/>
-                </a:solidFill>
-                <a:latin typeface="+mn-lt"/>
-                <a:ea typeface="+mn-ea"/>
-              </a:rPr>
-              <a:t>I</a:t>
-            </a:r>
-            <a:r>
-              <a:rPr kumimoji="1" lang="en-US" sz="1600" b="0" i="0" u="none" strike="noStrike" kern="0" cap="none" spc="0" normalizeH="0" baseline="0" noProof="0" dirty="0" err="1" smtClean="0">
-                <a:ln>
-                  <a:noFill/>
-                </a:ln>
-                <a:solidFill>
-                  <a:schemeClr val="tx2"/>
-                </a:solidFill>
-                <a:effectLst/>
-                <a:uLnTx/>
-                <a:uFillTx/>
-                <a:latin typeface="+mn-lt"/>
-                <a:ea typeface="+mn-ea"/>
-                <a:cs typeface="ＭＳ Ｐゴシック"/>
-              </a:rPr>
-              <a:t>nterfaces</a:t>
-            </a:r>
-            <a:r>
-              <a:rPr kumimoji="1" lang="en-US" sz="1600" b="0" i="0" u="none" strike="noStrike" kern="0" cap="none" spc="0" normalizeH="0" baseline="0" noProof="0" dirty="0" smtClean="0">
-                <a:ln>
-                  <a:noFill/>
-                </a:ln>
-                <a:solidFill>
-                  <a:schemeClr val="tx2"/>
-                </a:solidFill>
-                <a:effectLst/>
-                <a:uLnTx/>
-                <a:uFillTx/>
-                <a:latin typeface="+mn-lt"/>
-                <a:ea typeface="+mn-ea"/>
-                <a:cs typeface="ＭＳ Ｐゴシック"/>
-              </a:rPr>
-              <a:t>, Communications and External Relations, Documentation</a:t>
-            </a:r>
-            <a:r>
-              <a:rPr kumimoji="1" lang="en-US" sz="1600" b="0" i="0" u="none" strike="noStrike" kern="0" cap="none" spc="0" normalizeH="0" baseline="0" noProof="0" smtClean="0">
-                <a:ln>
-                  <a:noFill/>
-                </a:ln>
-                <a:solidFill>
-                  <a:schemeClr val="tx2"/>
-                </a:solidFill>
-                <a:effectLst/>
-                <a:uLnTx/>
-                <a:uFillTx/>
-                <a:latin typeface="+mn-lt"/>
-                <a:ea typeface="+mn-ea"/>
-                <a:cs typeface="ＭＳ Ｐゴシック"/>
-              </a:rPr>
-              <a:t>. </a:t>
-            </a:r>
-            <a:r>
-              <a:rPr kumimoji="1" lang="en-US" sz="1600" kern="0" smtClean="0">
-                <a:solidFill>
-                  <a:schemeClr val="tx2"/>
-                </a:solidFill>
-                <a:latin typeface="+mn-lt"/>
-                <a:ea typeface="+mn-ea"/>
-              </a:rPr>
-              <a:t>Additionally</a:t>
-            </a:r>
-            <a:r>
-              <a:rPr kumimoji="1" lang="en-US" sz="1600" kern="0" dirty="0" smtClean="0">
-                <a:solidFill>
-                  <a:schemeClr val="tx2"/>
-                </a:solidFill>
-                <a:latin typeface="+mn-lt"/>
-                <a:ea typeface="+mn-ea"/>
-              </a:rPr>
-              <a:t>, </a:t>
-            </a:r>
-            <a:r>
-              <a:rPr kumimoji="1" lang="en-US" sz="1600" kern="0" dirty="0" err="1" smtClean="0">
-                <a:solidFill>
-                  <a:schemeClr val="tx2"/>
-                </a:solidFill>
-                <a:latin typeface="+mn-lt"/>
-                <a:ea typeface="+mn-ea"/>
-              </a:rPr>
-              <a:t>th</a:t>
-            </a:r>
-            <a:r>
-              <a:rPr kumimoji="1" lang="en-US" sz="1600" b="0" i="0" u="none" strike="noStrike" kern="0" cap="none" spc="0" normalizeH="0" baseline="0" noProof="0" dirty="0" err="1" smtClean="0">
-                <a:ln>
-                  <a:noFill/>
-                </a:ln>
-                <a:solidFill>
-                  <a:schemeClr val="tx2"/>
-                </a:solidFill>
-                <a:effectLst/>
-                <a:uLnTx/>
-                <a:uFillTx/>
-                <a:latin typeface="+mn-lt"/>
-                <a:ea typeface="+mn-ea"/>
-                <a:cs typeface="ＭＳ Ｐゴシック"/>
-              </a:rPr>
-              <a:t>e</a:t>
-            </a:r>
-            <a:r>
-              <a:rPr kumimoji="1" lang="en-US" sz="1600" b="0" i="0" u="none" strike="noStrike" kern="0" cap="none" spc="0" normalizeH="0" baseline="0" noProof="0" dirty="0" smtClean="0">
-                <a:ln>
-                  <a:noFill/>
-                </a:ln>
-                <a:solidFill>
-                  <a:schemeClr val="tx2"/>
-                </a:solidFill>
-                <a:effectLst/>
-                <a:uLnTx/>
-                <a:uFillTx/>
-                <a:latin typeface="+mn-lt"/>
-                <a:ea typeface="+mn-ea"/>
-                <a:cs typeface="ＭＳ Ｐゴシック"/>
-              </a:rPr>
-              <a:t> following have effort</a:t>
-            </a:r>
-            <a:r>
-              <a:rPr kumimoji="1" lang="en-US" sz="1600" b="0" i="0" u="none" strike="noStrike" kern="0" cap="none" spc="0" normalizeH="0" noProof="0" dirty="0" smtClean="0">
-                <a:ln>
-                  <a:noFill/>
-                </a:ln>
-                <a:solidFill>
-                  <a:schemeClr val="tx2"/>
-                </a:solidFill>
-                <a:effectLst/>
-                <a:uLnTx/>
-                <a:uFillTx/>
-                <a:latin typeface="+mn-lt"/>
-                <a:ea typeface="+mn-ea"/>
-                <a:cs typeface="ＭＳ Ｐゴシック"/>
-              </a:rPr>
-              <a:t> in all the specific areas below and are coordinated from the cross-cutting staff area:</a:t>
+              <a:rPr lang="en-US" sz="1600" dirty="0" smtClean="0">
+                <a:solidFill>
+                  <a:srgbClr val="23005F"/>
+                </a:solidFill>
+              </a:rPr>
+              <a:t>Architecture </a:t>
+            </a:r>
+            <a:r>
+              <a:rPr lang="en-US" sz="1600" dirty="0" smtClean="0">
+                <a:solidFill>
+                  <a:srgbClr val="23005F"/>
+                </a:solidFill>
+              </a:rPr>
+              <a:t>and</a:t>
+            </a:r>
+            <a:r>
+              <a:rPr lang="en-US" sz="1600" dirty="0" smtClean="0">
+                <a:solidFill>
+                  <a:srgbClr val="23005F"/>
+                </a:solidFill>
+              </a:rPr>
+              <a:t> technology, communications </a:t>
+            </a:r>
+            <a:r>
+              <a:rPr lang="en-US" sz="1600" dirty="0" smtClean="0">
+                <a:solidFill>
+                  <a:srgbClr val="23005F"/>
+                </a:solidFill>
+              </a:rPr>
+              <a:t>and</a:t>
+            </a:r>
+            <a:r>
+              <a:rPr lang="en-US" sz="1600" dirty="0" smtClean="0">
+                <a:solidFill>
+                  <a:srgbClr val="23005F"/>
+                </a:solidFill>
+              </a:rPr>
+              <a:t> external </a:t>
+            </a:r>
+            <a:r>
+              <a:rPr lang="en-US" sz="1600" dirty="0" smtClean="0">
+                <a:solidFill>
+                  <a:srgbClr val="23005F"/>
+                </a:solidFill>
+              </a:rPr>
+              <a:t>r</a:t>
+            </a:r>
+            <a:r>
+              <a:rPr lang="en-US" sz="1600" dirty="0" smtClean="0">
+                <a:solidFill>
+                  <a:srgbClr val="23005F"/>
+                </a:solidFill>
+              </a:rPr>
+              <a:t>elations, documentation, </a:t>
+            </a:r>
+            <a:endParaRPr lang="en-US" sz="1600" dirty="0" smtClean="0">
+              <a:solidFill>
+                <a:srgbClr val="23005F"/>
+              </a:solidFill>
+            </a:endParaRPr>
+          </a:p>
+          <a:p>
+            <a:pPr lvl="1"/>
+            <a:r>
+              <a:rPr lang="en-US" sz="1600" dirty="0" smtClean="0">
+                <a:solidFill>
+                  <a:srgbClr val="23005F"/>
+                </a:solidFill>
+              </a:rPr>
+              <a:t>(security officer), program </a:t>
+            </a:r>
+            <a:r>
+              <a:rPr lang="en-US" sz="1600" dirty="0" smtClean="0">
+                <a:solidFill>
+                  <a:srgbClr val="23005F"/>
+                </a:solidFill>
+              </a:rPr>
+              <a:t>and</a:t>
+            </a:r>
+            <a:r>
+              <a:rPr lang="en-US" sz="1600" dirty="0" smtClean="0">
+                <a:solidFill>
+                  <a:srgbClr val="23005F"/>
+                </a:solidFill>
+              </a:rPr>
+              <a:t> project management, WLCG </a:t>
+            </a:r>
+            <a:r>
+              <a:rPr lang="en-US" sz="1600" dirty="0" smtClean="0">
+                <a:solidFill>
+                  <a:srgbClr val="23005F"/>
+                </a:solidFill>
+              </a:rPr>
+              <a:t>interface, LIGO interface,</a:t>
+            </a:r>
+            <a:r>
+              <a:rPr lang="en-US" sz="1600" dirty="0" smtClean="0">
+                <a:solidFill>
+                  <a:srgbClr val="23005F"/>
+                </a:solidFill>
+              </a:rPr>
+              <a:t> assessment </a:t>
+            </a:r>
+            <a:r>
+              <a:rPr lang="en-US" sz="1600" dirty="0" smtClean="0">
+                <a:solidFill>
+                  <a:srgbClr val="23005F"/>
+                </a:solidFill>
+              </a:rPr>
+              <a:t>and </a:t>
+            </a:r>
+            <a:r>
+              <a:rPr lang="en-US" sz="1600" dirty="0" smtClean="0">
+                <a:solidFill>
+                  <a:srgbClr val="23005F"/>
+                </a:solidFill>
+              </a:rPr>
+              <a:t>metrics administration </a:t>
+            </a:r>
+            <a:r>
+              <a:rPr lang="en-US" sz="1600" dirty="0" smtClean="0">
+                <a:solidFill>
+                  <a:srgbClr val="23005F"/>
+                </a:solidFill>
+              </a:rPr>
+              <a:t>(Council + Project</a:t>
+            </a:r>
+            <a:r>
+              <a:rPr lang="en-US" sz="1600" dirty="0" smtClean="0">
+                <a:solidFill>
+                  <a:srgbClr val="23005F"/>
+                </a:solidFill>
+              </a:rPr>
+              <a:t>)</a:t>
             </a:r>
             <a:endParaRPr kumimoji="1" lang="en-US" sz="1600" b="0" i="0" u="none" strike="noStrike" kern="0" cap="none" spc="0" normalizeH="0" baseline="0" noProof="0" dirty="0" smtClean="0">
               <a:ln>
                 <a:noFill/>
               </a:ln>
               <a:solidFill>
-                <a:schemeClr val="tx2"/>
+                <a:srgbClr val="23005F"/>
               </a:solidFill>
               <a:effectLst/>
               <a:uLnTx/>
@@ -4745,59 +4718,6 @@
               <a:ea typeface="+mn-ea"/>
               <a:cs typeface="ＭＳ Ｐゴシック"/>
             </a:endParaRPr>
-          </a:p>
-          <a:p>
-            <a:pPr marL="800100" lvl="1" indent="-342900" eaLnBrk="0" hangingPunct="0">
-              <a:spcBef>
-                <a:spcPct val="20000"/>
-              </a:spcBef>
-              <a:buClr>
-                <a:srgbClr val="000080"/>
-              </a:buClr>
-              <a:buFont typeface="Arial"/>
-              <a:buChar char="•"/>
-              <a:defRPr/>
-            </a:pPr>
-            <a:r>
-              <a:rPr kumimoji="1" lang="en-US" sz="1600" kern="0" dirty="0" smtClean="0">
-                <a:solidFill>
-                  <a:schemeClr val="tx2"/>
-                </a:solidFill>
-                <a:latin typeface="+mn-lt"/>
-                <a:ea typeface="+mn-ea"/>
-              </a:rPr>
-              <a:t>Security</a:t>
-            </a:r>
-          </a:p>
-          <a:p>
-            <a:pPr marL="800100" lvl="1" indent="-342900" eaLnBrk="0" hangingPunct="0">
-              <a:spcBef>
-                <a:spcPct val="20000"/>
-              </a:spcBef>
-              <a:buClr>
-                <a:srgbClr val="000080"/>
-              </a:buClr>
-              <a:buFont typeface="Arial"/>
-              <a:buChar char="•"/>
-              <a:defRPr/>
-            </a:pPr>
-            <a:r>
-              <a:rPr kumimoji="1" lang="en-US" sz="1600" b="0" i="0" u="none" strike="noStrike" kern="0" cap="none" spc="0" normalizeH="0" baseline="0" noProof="0" dirty="0" smtClean="0">
-                <a:ln>
-                  <a:noFill/>
-                </a:ln>
-                <a:solidFill>
-                  <a:schemeClr val="tx2"/>
-                </a:solidFill>
-                <a:effectLst/>
-                <a:uLnTx/>
-                <a:uFillTx/>
-                <a:latin typeface="+mn-lt"/>
-                <a:ea typeface="+mn-ea"/>
-                <a:cs typeface="ＭＳ Ｐゴシック"/>
-              </a:rPr>
-              <a:t>WLCG</a:t>
-            </a:r>
           </a:p>
           <a:p>
             <a:pPr marL="342900" marR="0" lvl="0" indent="-342900" algn="l" defTabSz="914400" rtl="0" eaLnBrk="0" fontAlgn="base" latinLnBrk="0" hangingPunct="0">
@@ -4834,7 +4754,62 @@
                 <a:ea typeface="+mn-ea"/>
                 <a:cs typeface="ＭＳ Ｐゴシック"/>
               </a:rPr>
-              <a:t>User Support</a:t>
+              <a:t>Security</a:t>
+            </a:r>
+          </a:p>
+          <a:p>
+            <a:pPr marL="342900" marR="0" lvl="0" indent="-342900" algn="l" defTabSz="914400" rtl="0" eaLnBrk="0" fontAlgn="base" latinLnBrk="0" hangingPunct="0">
+              <a:lnSpc>
+                <a:spcPct val="100000"/>
+              </a:lnSpc>
+              <a:spcBef>
+                <a:spcPct val="20000"/>
+              </a:spcBef>
+              <a:spcAft>
+                <a:spcPct val="0"/>
+              </a:spcAft>
+              <a:buClr>
+                <a:srgbClr val="000080"/>
+              </a:buClr>
+              <a:buSzTx/>
+              <a:buFont typeface="Times"/>
+              <a:buChar char="•"/>
+              <a:tabLst/>
+              <a:defRPr/>
+            </a:pPr>
+            <a:r>
+              <a:rPr kumimoji="1" lang="en-US" sz="1600" b="0" i="0" u="none" strike="noStrike" kern="0" cap="none" spc="0" normalizeH="0" baseline="0" noProof="0" dirty="0" smtClean="0">
+                <a:ln>
+                  <a:noFill/>
+                </a:ln>
+                <a:solidFill>
+                  <a:schemeClr val="tx2"/>
+                </a:solidFill>
+                <a:effectLst/>
+                <a:uLnTx/>
+                <a:uFillTx/>
+                <a:latin typeface="+mn-lt"/>
+                <a:ea typeface="+mn-ea"/>
+                <a:cs typeface="ＭＳ Ｐゴシック"/>
+              </a:rPr>
+              <a:t>User </a:t>
+            </a:r>
+            <a:r>
+              <a:rPr kumimoji="1" lang="en-US" sz="1600" b="0" i="0" u="none" strike="noStrike" kern="0" cap="none" spc="0" normalizeH="0" baseline="0" noProof="0" dirty="0" smtClean="0">
+                <a:ln>
+                  <a:noFill/>
+                </a:ln>
+                <a:solidFill>
+                  <a:schemeClr val="tx2"/>
+                </a:solidFill>
+                <a:effectLst/>
+                <a:uLnTx/>
+                <a:uFillTx/>
+                <a:latin typeface="+mn-lt"/>
+                <a:ea typeface="+mn-ea"/>
+                <a:cs typeface="ＭＳ Ｐゴシック"/>
+              </a:rPr>
+              <a:t>Support</a:t>
             </a:r>
           </a:p>
           <a:p>
